--- a/photo_calculator.pptx
+++ b/photo_calculator.pptx
@@ -5,17 +5,19 @@
     <p:sldMasterId id="2147483648" r:id="rId2"/>
   </p:sldMasterIdLst>
   <p:notesMasterIdLst>
-    <p:notesMasterId r:id="rId8"/>
+    <p:notesMasterId r:id="rId10"/>
   </p:notesMasterIdLst>
   <p:handoutMasterIdLst>
-    <p:handoutMasterId r:id="rId9"/>
+    <p:handoutMasterId r:id="rId11"/>
   </p:handoutMasterIdLst>
   <p:sldIdLst>
     <p:sldId id="257" r:id="rId3"/>
-    <p:sldId id="263" r:id="rId4"/>
-    <p:sldId id="261" r:id="rId5"/>
-    <p:sldId id="264" r:id="rId6"/>
-    <p:sldId id="262" r:id="rId7"/>
+    <p:sldId id="266" r:id="rId4"/>
+    <p:sldId id="263" r:id="rId5"/>
+    <p:sldId id="261" r:id="rId6"/>
+    <p:sldId id="264" r:id="rId7"/>
+    <p:sldId id="265" r:id="rId8"/>
+    <p:sldId id="262" r:id="rId9"/>
   </p:sldIdLst>
   <p:sldSz cx="12192000" cy="6858000"/>
   <p:notesSz cx="7023100" cy="9309100"/>
@@ -204,7 +206,7 @@
           <a:p>
             <a:fld id="{2BCAFC7A-71DD-4C2C-B63D-60FDC7DD5449}" type="datetimeFigureOut">
               <a:rPr lang="en-US" smtClean="0"/>
-              <a:t>12/10/2015</a:t>
+              <a:t>12/14/2015</a:t>
             </a:fld>
             <a:endParaRPr lang="en-US"/>
           </a:p>
@@ -369,7 +371,7 @@
           <a:p>
             <a:fld id="{D85ECAFD-F005-4163-B10D-85806DC43F93}" type="datetimeFigureOut">
               <a:rPr lang="en-US" smtClean="0"/>
-              <a:t>12/10/2015</a:t>
+              <a:t>12/14/2015</a:t>
             </a:fld>
             <a:endParaRPr lang="en-US"/>
           </a:p>
@@ -792,7 +794,7 @@
             <a:fld id="{5257B995-136A-4A15-87A5-26420C3C1021}" type="slidenum">
               <a:rPr lang="en-US" smtClean="0"/>
               <a:pPr/>
-              <a:t>2</a:t>
+              <a:t>3</a:t>
             </a:fld>
             <a:endParaRPr lang="en-US"/>
           </a:p>
@@ -879,7 +881,7 @@
             <a:fld id="{5257B995-136A-4A15-87A5-26420C3C1021}" type="slidenum">
               <a:rPr lang="en-US" smtClean="0"/>
               <a:pPr/>
-              <a:t>3</a:t>
+              <a:t>4</a:t>
             </a:fld>
             <a:endParaRPr lang="en-US"/>
           </a:p>
@@ -966,7 +968,7 @@
             <a:fld id="{5257B995-136A-4A15-87A5-26420C3C1021}" type="slidenum">
               <a:rPr lang="en-US" smtClean="0"/>
               <a:pPr/>
-              <a:t>5</a:t>
+              <a:t>7</a:t>
             </a:fld>
             <a:endParaRPr lang="en-US"/>
           </a:p>
@@ -1171,7 +1173,7 @@
           <a:p>
             <a:fld id="{4AAD347D-5ACD-4C99-B74B-A9C85AD731AF}" type="datetimeFigureOut">
               <a:rPr lang="en-US" smtClean="0"/>
-              <a:t>12/10/2015</a:t>
+              <a:t>12/14/2015</a:t>
             </a:fld>
             <a:endParaRPr lang="en-US"/>
           </a:p>
@@ -1441,7 +1443,7 @@
           <a:p>
             <a:fld id="{4509A250-FF31-4206-8172-F9D3106AACB1}" type="datetimeFigureOut">
               <a:rPr lang="en-US" smtClean="0"/>
-              <a:t>12/10/2015</a:t>
+              <a:t>12/14/2015</a:t>
             </a:fld>
             <a:endParaRPr lang="en-US" dirty="0"/>
           </a:p>
@@ -1563,7 +1565,7 @@
           <a:p>
             <a:fld id="{4509A250-FF31-4206-8172-F9D3106AACB1}" type="datetimeFigureOut">
               <a:rPr lang="en-US" smtClean="0"/>
-              <a:t>12/10/2015</a:t>
+              <a:t>12/14/2015</a:t>
             </a:fld>
             <a:endParaRPr lang="en-US" dirty="0"/>
           </a:p>
@@ -1752,7 +1754,7 @@
           <a:p>
             <a:fld id="{4509A250-FF31-4206-8172-F9D3106AACB1}" type="datetimeFigureOut">
               <a:rPr lang="en-US" smtClean="0"/>
-              <a:t>12/10/2015</a:t>
+              <a:t>12/14/2015</a:t>
             </a:fld>
             <a:endParaRPr lang="en-US" dirty="0"/>
           </a:p>
@@ -2203,7 +2205,7 @@
           <a:p>
             <a:fld id="{4509A250-FF31-4206-8172-F9D3106AACB1}" type="datetimeFigureOut">
               <a:rPr lang="en-US" smtClean="0"/>
-              <a:t>12/10/2015</a:t>
+              <a:t>12/14/2015</a:t>
             </a:fld>
             <a:endParaRPr lang="en-US" dirty="0"/>
           </a:p>
@@ -2325,7 +2327,7 @@
           <a:p>
             <a:fld id="{4509A250-FF31-4206-8172-F9D3106AACB1}" type="datetimeFigureOut">
               <a:rPr lang="en-US" smtClean="0"/>
-              <a:t>12/10/2015</a:t>
+              <a:t>12/14/2015</a:t>
             </a:fld>
             <a:endParaRPr lang="en-US" dirty="0"/>
           </a:p>
@@ -2620,7 +2622,7 @@
           <a:p>
             <a:fld id="{4509A250-FF31-4206-8172-F9D3106AACB1}" type="datetimeFigureOut">
               <a:rPr lang="en-US" smtClean="0"/>
-              <a:t>12/10/2015</a:t>
+              <a:t>12/14/2015</a:t>
             </a:fld>
             <a:endParaRPr lang="en-US" dirty="0"/>
           </a:p>
@@ -3382,7 +3384,7 @@
           <a:p>
             <a:fld id="{4509A250-FF31-4206-8172-F9D3106AACB1}" type="datetimeFigureOut">
               <a:rPr lang="en-US" smtClean="0"/>
-              <a:t>12/10/2015</a:t>
+              <a:t>12/14/2015</a:t>
             </a:fld>
             <a:endParaRPr lang="en-US" dirty="0"/>
           </a:p>
@@ -4237,7 +4239,7 @@
           <a:p>
             <a:fld id="{4509A250-FF31-4206-8172-F9D3106AACB1}" type="datetimeFigureOut">
               <a:rPr lang="en-US" smtClean="0"/>
-              <a:t>12/10/2015</a:t>
+              <a:t>12/14/2015</a:t>
             </a:fld>
             <a:endParaRPr lang="en-US" dirty="0"/>
           </a:p>
@@ -4402,7 +4404,7 @@
           <a:p>
             <a:fld id="{4509A250-FF31-4206-8172-F9D3106AACB1}" type="datetimeFigureOut">
               <a:rPr lang="en-US" smtClean="0"/>
-              <a:t>12/10/2015</a:t>
+              <a:t>12/14/2015</a:t>
             </a:fld>
             <a:endParaRPr lang="en-US" dirty="0"/>
           </a:p>
@@ -4577,7 +4579,7 @@
           <a:p>
             <a:fld id="{4509A250-FF31-4206-8172-F9D3106AACB1}" type="datetimeFigureOut">
               <a:rPr lang="en-US" smtClean="0"/>
-              <a:t>12/10/2015</a:t>
+              <a:t>12/14/2015</a:t>
             </a:fld>
             <a:endParaRPr lang="en-US" dirty="0"/>
           </a:p>
@@ -4742,7 +4744,7 @@
           <a:p>
             <a:fld id="{4509A250-FF31-4206-8172-F9D3106AACB1}" type="datetimeFigureOut">
               <a:rPr lang="en-US" smtClean="0"/>
-              <a:t>12/10/2015</a:t>
+              <a:t>12/14/2015</a:t>
             </a:fld>
             <a:endParaRPr lang="en-US" dirty="0"/>
           </a:p>
@@ -4984,7 +4986,7 @@
           <a:p>
             <a:fld id="{9796027F-7875-4030-9381-8BD8C4F21935}" type="datetimeFigureOut">
               <a:rPr lang="en-US" smtClean="0"/>
-              <a:t>12/10/2015</a:t>
+              <a:t>12/14/2015</a:t>
             </a:fld>
             <a:endParaRPr lang="en-US"/>
           </a:p>
@@ -5271,7 +5273,7 @@
           <a:p>
             <a:fld id="{9796027F-7875-4030-9381-8BD8C4F21935}" type="datetimeFigureOut">
               <a:rPr lang="en-US" smtClean="0"/>
-              <a:t>12/10/2015</a:t>
+              <a:t>12/14/2015</a:t>
             </a:fld>
             <a:endParaRPr lang="en-US"/>
           </a:p>
@@ -5710,7 +5712,7 @@
           <a:p>
             <a:fld id="{9796027F-7875-4030-9381-8BD8C4F21935}" type="datetimeFigureOut">
               <a:rPr lang="en-US" smtClean="0"/>
-              <a:t>12/10/2015</a:t>
+              <a:t>12/14/2015</a:t>
             </a:fld>
             <a:endParaRPr lang="en-US"/>
           </a:p>
@@ -5823,7 +5825,7 @@
           <a:p>
             <a:fld id="{4509A250-FF31-4206-8172-F9D3106AACB1}" type="datetimeFigureOut">
               <a:rPr lang="en-US" smtClean="0"/>
-              <a:t>12/10/2015</a:t>
+              <a:t>12/14/2015</a:t>
             </a:fld>
             <a:endParaRPr lang="en-US" dirty="0"/>
           </a:p>
@@ -5913,7 +5915,7 @@
           <a:p>
             <a:fld id="{4509A250-FF31-4206-8172-F9D3106AACB1}" type="datetimeFigureOut">
               <a:rPr lang="en-US" smtClean="0"/>
-              <a:t>12/10/2015</a:t>
+              <a:t>12/14/2015</a:t>
             </a:fld>
             <a:endParaRPr lang="en-US" dirty="0"/>
           </a:p>
@@ -6187,7 +6189,7 @@
           <a:p>
             <a:fld id="{4509A250-FF31-4206-8172-F9D3106AACB1}" type="datetimeFigureOut">
               <a:rPr lang="en-US" smtClean="0"/>
-              <a:t>12/10/2015</a:t>
+              <a:t>12/14/2015</a:t>
             </a:fld>
             <a:endParaRPr lang="en-US" dirty="0"/>
           </a:p>
@@ -6457,7 +6459,7 @@
           <a:p>
             <a:fld id="{4509A250-FF31-4206-8172-F9D3106AACB1}" type="datetimeFigureOut">
               <a:rPr lang="en-US" smtClean="0"/>
-              <a:t>12/10/2015</a:t>
+              <a:t>12/14/2015</a:t>
             </a:fld>
             <a:endParaRPr lang="en-US" dirty="0"/>
           </a:p>
@@ -6897,7 +6899,7 @@
           <a:p>
             <a:fld id="{4AAD347D-5ACD-4C99-B74B-A9C85AD731AF}" type="datetimeFigureOut">
               <a:rPr lang="en-US" smtClean="0"/>
-              <a:t>12/10/2015</a:t>
+              <a:t>12/14/2015</a:t>
             </a:fld>
             <a:endParaRPr lang="en-US"/>
           </a:p>
@@ -7480,29 +7482,69 @@
         </p:nvSpPr>
         <p:spPr>
           <a:xfrm>
-            <a:off x="665559" y="5395566"/>
-            <a:ext cx="2966284" cy="861420"/>
+            <a:off x="665559" y="4844715"/>
+            <a:ext cx="2966284" cy="1780673"/>
           </a:xfrm>
         </p:spPr>
         <p:txBody>
-          <a:bodyPr/>
+          <a:bodyPr>
+            <a:normAutofit/>
+          </a:bodyPr>
           <a:lstStyle/>
           <a:p>
             <a:r>
-              <a:rPr lang="sr-Latn-RS" cap="none" dirty="0" smtClean="0">
+              <a:rPr lang="sr-Latn-RS" sz="1800" cap="none" dirty="0" smtClean="0">
                 <a:latin typeface="+mn-lt"/>
               </a:rPr>
               <a:t>Profesor:</a:t>
             </a:r>
-          </a:p>
-          <a:p>
-            <a:r>
-              <a:rPr lang="sr-Latn-RS" cap="none" dirty="0" smtClean="0">
+            <a:endParaRPr lang="en-US" sz="1800" cap="none" dirty="0" smtClean="0">
+              <a:latin typeface="+mn-lt"/>
+            </a:endParaRPr>
+          </a:p>
+          <a:p>
+            <a:r>
+              <a:rPr lang="en-US" sz="1800" cap="none" dirty="0" err="1" smtClean="0">
                 <a:latin typeface="+mn-lt"/>
               </a:rPr>
-              <a:t>Dr Đorđe Obradović</a:t>
-            </a:r>
-            <a:endParaRPr lang="sr-Latn-RS" cap="none" dirty="0">
+              <a:t>Dr</a:t>
+            </a:r>
+            <a:r>
+              <a:rPr lang="en-US" sz="1800" cap="none" dirty="0" smtClean="0">
+                <a:latin typeface="+mn-lt"/>
+              </a:rPr>
+              <a:t> </a:t>
+            </a:r>
+            <a:r>
+              <a:rPr lang="sr-Latn-RS" sz="1800" cap="none" dirty="0" smtClean="0">
+                <a:latin typeface="+mn-lt"/>
+              </a:rPr>
+              <a:t>Đorđe Obradović</a:t>
+            </a:r>
+          </a:p>
+          <a:p>
+            <a:r>
+              <a:rPr lang="sr-Latn-RS" sz="1800" cap="none" dirty="0" smtClean="0">
+                <a:latin typeface="+mn-lt"/>
+              </a:rPr>
+              <a:t>Asistent:</a:t>
+            </a:r>
+          </a:p>
+          <a:p>
+            <a:r>
+              <a:rPr lang="sr-Latn-RS" sz="1800" cap="none" dirty="0" smtClean="0">
+                <a:latin typeface="+mn-lt"/>
+              </a:rPr>
+              <a:t>Miroslav Kondić</a:t>
+            </a:r>
+          </a:p>
+          <a:p>
+            <a:endParaRPr lang="en-US" sz="1800" cap="none" dirty="0" smtClean="0">
+              <a:latin typeface="+mn-lt"/>
+            </a:endParaRPr>
+          </a:p>
+          <a:p>
+            <a:endParaRPr lang="sr-Latn-RS" sz="1800" cap="none" dirty="0">
               <a:latin typeface="+mn-lt"/>
             </a:endParaRPr>
           </a:p>
@@ -7619,6 +7661,35 @@
                 </a:schemeClr>
               </a:solidFill>
             </a:endParaRPr>
+          </a:p>
+        </p:txBody>
+      </p:sp>
+      <p:sp>
+        <p:nvSpPr>
+          <p:cNvPr id="2" name="Rectangle 1"/>
+          <p:cNvSpPr/>
+          <p:nvPr/>
+        </p:nvSpPr>
+        <p:spPr>
+          <a:xfrm>
+            <a:off x="5529632" y="5641610"/>
+            <a:ext cx="1055097" cy="369332"/>
+          </a:xfrm>
+          <a:prstGeom prst="rect">
+            <a:avLst/>
+          </a:prstGeom>
+        </p:spPr>
+        <p:txBody>
+          <a:bodyPr wrap="none">
+            <a:spAutoFit/>
+          </a:bodyPr>
+          <a:lstStyle/>
+          <a:p>
+            <a:r>
+              <a:rPr lang="en-US" dirty="0" smtClean="0"/>
+              <a:t>2015/16</a:t>
+            </a:r>
+            <a:endParaRPr lang="en-US" dirty="0"/>
           </a:p>
         </p:txBody>
       </p:sp>
@@ -7656,7 +7727,7 @@
       </p:grpSpPr>
       <p:sp>
         <p:nvSpPr>
-          <p:cNvPr id="2" name="Rectangle 1"/>
+          <p:cNvPr id="2" name="Title 1"/>
           <p:cNvSpPr>
             <a:spLocks noGrp="1"/>
           </p:cNvSpPr>
@@ -7671,15 +7742,15 @@
           <a:p>
             <a:r>
               <a:rPr lang="sr-Latn-RS" dirty="0" smtClean="0"/>
-              <a:t>MOTIVACIJA</a:t>
-            </a:r>
-            <a:endParaRPr lang="en-US" dirty="0"/>
-          </a:p>
-        </p:txBody>
-      </p:sp>
-      <p:sp>
-        <p:nvSpPr>
-          <p:cNvPr id="3" name="Rectangle 2"/>
+              <a:t>Zadatak</a:t>
+            </a:r>
+            <a:endParaRPr lang="sr-Latn-RS" dirty="0"/>
+          </a:p>
+        </p:txBody>
+      </p:sp>
+      <p:sp>
+        <p:nvSpPr>
+          <p:cNvPr id="3" name="Content Placeholder 2"/>
           <p:cNvSpPr>
             <a:spLocks noGrp="1"/>
           </p:cNvSpPr>
@@ -7693,38 +7764,71 @@
           <a:lstStyle/>
           <a:p>
             <a:r>
+              <a:rPr lang="sr-Latn-RS" dirty="0"/>
+              <a:t>Kreiranje aplikacije koja ima mogućnost prepoznavanja rukom pisanih matematičkih izraza, koje druge aplikacije nisu </a:t>
+            </a:r>
+            <a:r>
               <a:rPr lang="sr-Latn-RS" dirty="0" smtClean="0"/>
-              <a:t>Kreiranje aplikacije koja ima mogućnost prepoznavanja rukom pisanih matematičkih izraza, koje druge aplikacije nisu implementirale</a:t>
-            </a:r>
-            <a:endParaRPr lang="sr-Latn-RS" dirty="0" smtClean="0"/>
-          </a:p>
-          <a:p>
+              <a:t>implementirale</a:t>
+            </a:r>
+          </a:p>
+          <a:p>
+            <a:r>
+              <a:rPr lang="sr-Latn-RS" dirty="0"/>
+              <a:t>Izračunavanje prepoznatih matematičkih </a:t>
+            </a:r>
             <a:r>
               <a:rPr lang="sr-Latn-RS" dirty="0" smtClean="0"/>
-              <a:t>Skraćenje vremena izračunavanja složenijih matematičkih izraza</a:t>
-            </a:r>
-          </a:p>
-          <a:p>
+              <a:t>izraza</a:t>
+            </a:r>
+          </a:p>
+          <a:p>
+            <a:r>
+              <a:rPr lang="sr-Latn-RS" dirty="0"/>
+              <a:t>Podrška osnovnih matematičkih operacija(+, -, *, /)</a:t>
+            </a:r>
+          </a:p>
+          <a:p>
+            <a:r>
+              <a:rPr lang="sr-Latn-RS" dirty="0"/>
+              <a:t>Mogućnost provere rešenja korak po </a:t>
+            </a:r>
             <a:r>
               <a:rPr lang="sr-Latn-RS" dirty="0" smtClean="0"/>
-              <a:t>Olakšavanje provere tačnosti nekog matematičkog izraza</a:t>
+              <a:t>korak</a:t>
+            </a:r>
+          </a:p>
+          <a:p>
+            <a:r>
+              <a:rPr lang="sr-Latn-RS" dirty="0" smtClean="0"/>
+              <a:t>Rešavanje složenijih matematičkih izraza</a:t>
             </a:r>
             <a:endParaRPr lang="en-US" dirty="0"/>
           </a:p>
+          <a:p>
+            <a:endParaRPr lang="sr-Latn-RS" dirty="0"/>
+          </a:p>
+          <a:p>
+            <a:pPr marL="0" indent="0">
+              <a:buNone/>
+            </a:pPr>
+            <a:endParaRPr lang="sr-Latn-RS" dirty="0"/>
+          </a:p>
+          <a:p>
+            <a:endParaRPr lang="sr-Latn-RS" dirty="0"/>
+          </a:p>
         </p:txBody>
       </p:sp>
     </p:spTree>
+    <p:extLst>
+      <p:ext uri="{BB962C8B-B14F-4D97-AF65-F5344CB8AC3E}">
+        <p14:creationId xmlns:p14="http://schemas.microsoft.com/office/powerpoint/2010/main" val="1377510958"/>
+      </p:ext>
+    </p:extLst>
   </p:cSld>
   <p:clrMapOvr>
     <a:masterClrMapping/>
   </p:clrMapOvr>
-  <p:timing>
-    <p:tnLst>
-      <p:par>
-        <p:cTn id="1" dur="indefinite" restart="never" nodeType="tmRoot"/>
-      </p:par>
-    </p:tnLst>
-  </p:timing>
 </p:sld>
 </file>
 
@@ -7762,7 +7866,7 @@
           <a:p>
             <a:r>
               <a:rPr lang="sr-Latn-RS" dirty="0" smtClean="0"/>
-              <a:t>Slična rešenja:</a:t>
+              <a:t>MOTIVACIJA</a:t>
             </a:r>
             <a:endParaRPr lang="en-US" dirty="0"/>
           </a:p>
@@ -7780,8 +7884,8 @@
         </p:nvSpPr>
         <p:spPr>
           <a:xfrm>
-            <a:off x="875201" y="1692310"/>
-            <a:ext cx="8946541" cy="4195481"/>
+            <a:off x="1104293" y="2439285"/>
+            <a:ext cx="8946541" cy="3227420"/>
           </a:xfrm>
         </p:spPr>
         <p:txBody>
@@ -7789,103 +7893,42 @@
           <a:lstStyle/>
           <a:p>
             <a:r>
-              <a:rPr lang="sr-Latn-RS" dirty="0"/>
-              <a:t>PhotoMath - </a:t>
-            </a:r>
-            <a:r>
-              <a:rPr lang="sr-Latn-RS" dirty="0">
-                <a:hlinkClick r:id="rId3"/>
-              </a:rPr>
-              <a:t>https://photomath.net/en</a:t>
-            </a:r>
-            <a:r>
-              <a:rPr lang="sr-Latn-RS" dirty="0" smtClean="0">
-                <a:hlinkClick r:id="rId3"/>
-              </a:rPr>
-              <a:t>/</a:t>
-            </a:r>
-            <a:r>
-              <a:rPr lang="sr-Latn-RS" b="1" dirty="0" smtClean="0"/>
-              <a:t> </a:t>
-            </a:r>
-          </a:p>
-          <a:p>
-            <a:pPr marL="0" indent="0">
-              <a:buNone/>
-            </a:pPr>
-            <a:r>
-              <a:rPr lang="sr-Latn-RS" b="1" dirty="0" smtClean="0"/>
-              <a:t>     	</a:t>
-            </a:r>
-            <a:r>
               <a:rPr lang="sr-Latn-RS" dirty="0" smtClean="0"/>
-              <a:t>Ne prepoznaje rukom pisane izraze, zagrade, trigonometrijske    	operacije...</a:t>
-            </a:r>
-          </a:p>
-          <a:p>
-            <a:r>
-              <a:rPr lang="sr-Latn-RS" dirty="0"/>
-              <a:t>AutoMath - </a:t>
-            </a:r>
-            <a:r>
-              <a:rPr lang="sr-Latn-RS" dirty="0">
-                <a:hlinkClick r:id="rId4"/>
-              </a:rPr>
-              <a:t>https://www.automathapp.com</a:t>
-            </a:r>
-            <a:r>
-              <a:rPr lang="sr-Latn-RS" dirty="0" smtClean="0">
-                <a:hlinkClick r:id="rId4"/>
-              </a:rPr>
-              <a:t>/</a:t>
+              <a:t>Može se </a:t>
+            </a:r>
+            <a:r>
+              <a:rPr lang="sr-Latn-RS" dirty="0" smtClean="0"/>
+              <a:t>koristiti kao alat za učenje matematike</a:t>
+            </a:r>
+            <a:r>
+              <a:rPr lang="sr-Latn-RS" dirty="0" smtClean="0"/>
+              <a:t>, kao i za brzu proveru </a:t>
+            </a:r>
+            <a:r>
+              <a:rPr lang="sr-Latn-RS" dirty="0" smtClean="0"/>
+              <a:t>tačnost zadataka</a:t>
+            </a:r>
+          </a:p>
+          <a:p>
+            <a:r>
+              <a:rPr lang="sr-Latn-RS" dirty="0" smtClean="0"/>
+              <a:t>Skraćenje </a:t>
+            </a:r>
+            <a:r>
+              <a:rPr lang="sr-Latn-RS" dirty="0" smtClean="0"/>
+              <a:t>vremena izračunavanja složenijih matematičkih izraza</a:t>
+            </a:r>
+          </a:p>
+          <a:p>
+            <a:r>
+              <a:rPr lang="sr-Latn-RS" dirty="0" smtClean="0"/>
+              <a:t>Olakšavanje provere tačnosti nekog matematičkog </a:t>
+            </a:r>
+            <a:r>
+              <a:rPr lang="sr-Latn-RS" dirty="0" smtClean="0"/>
+              <a:t>izraza</a:t>
             </a:r>
             <a:endParaRPr lang="sr-Latn-RS" dirty="0" smtClean="0"/>
-          </a:p>
-          <a:p>
-            <a:pPr marL="0" indent="0">
-              <a:buNone/>
-            </a:pPr>
-            <a:r>
-              <a:rPr lang="sr-Latn-RS" dirty="0"/>
-              <a:t>	</a:t>
-            </a:r>
-            <a:r>
-              <a:rPr lang="sr-Latn-RS" dirty="0" smtClean="0"/>
-              <a:t>Ne prepoznaje rukom pisane izraze, kompleksne razlomke</a:t>
-            </a:r>
-          </a:p>
-          <a:p>
-            <a:r>
-              <a:rPr lang="sr-Latn-RS" dirty="0"/>
-              <a:t>MyScript - </a:t>
-            </a:r>
-            <a:r>
-              <a:rPr lang="sr-Latn-RS" dirty="0">
-                <a:hlinkClick r:id="rId5"/>
-              </a:rPr>
-              <a:t>http://myscript.com/technology/technical-demonstrations</a:t>
-            </a:r>
-            <a:r>
-              <a:rPr lang="sr-Latn-RS" dirty="0" smtClean="0">
-                <a:hlinkClick r:id="rId5"/>
-              </a:rPr>
-              <a:t>/</a:t>
-            </a:r>
-            <a:endParaRPr lang="sr-Latn-RS" dirty="0" smtClean="0"/>
-          </a:p>
-          <a:p>
-            <a:pPr marL="0" indent="0">
-              <a:buNone/>
-            </a:pPr>
-            <a:r>
-              <a:rPr lang="sr-Latn-RS" dirty="0"/>
-              <a:t> </a:t>
-            </a:r>
-            <a:r>
-              <a:rPr lang="sr-Latn-RS" dirty="0" smtClean="0"/>
-              <a:t> 	Prepoznaje matematičke izraze koji su napisani direktno na ekranu</a:t>
-            </a:r>
-            <a:endParaRPr lang="en-US" dirty="0"/>
           </a:p>
         </p:txBody>
       </p:sp>
@@ -7905,6 +7948,182 @@
 </file>
 
 <file path=ppt/slides/slide4.xml><?xml version="1.0" encoding="utf-8"?>
+<p:sld xmlns:a="http://schemas.openxmlformats.org/drawingml/2006/main" xmlns:r="http://schemas.openxmlformats.org/officeDocument/2006/relationships" xmlns:p="http://schemas.openxmlformats.org/presentationml/2006/main">
+  <p:cSld>
+    <p:spTree>
+      <p:nvGrpSpPr>
+        <p:cNvPr id="1" name=""/>
+        <p:cNvGrpSpPr/>
+        <p:nvPr/>
+      </p:nvGrpSpPr>
+      <p:grpSpPr>
+        <a:xfrm>
+          <a:off x="0" y="0"/>
+          <a:ext cx="0" cy="0"/>
+          <a:chOff x="0" y="0"/>
+          <a:chExt cx="0" cy="0"/>
+        </a:xfrm>
+      </p:grpSpPr>
+      <p:sp>
+        <p:nvSpPr>
+          <p:cNvPr id="2" name="Rectangle 1"/>
+          <p:cNvSpPr>
+            <a:spLocks noGrp="1"/>
+          </p:cNvSpPr>
+          <p:nvPr>
+            <p:ph type="title"/>
+          </p:nvPr>
+        </p:nvSpPr>
+        <p:spPr/>
+        <p:txBody>
+          <a:bodyPr/>
+          <a:lstStyle/>
+          <a:p>
+            <a:r>
+              <a:rPr lang="sr-Latn-RS" dirty="0" smtClean="0"/>
+              <a:t>Slična rešenja:</a:t>
+            </a:r>
+            <a:endParaRPr lang="en-US" dirty="0"/>
+          </a:p>
+        </p:txBody>
+      </p:sp>
+      <p:sp>
+        <p:nvSpPr>
+          <p:cNvPr id="3" name="Rectangle 2"/>
+          <p:cNvSpPr>
+            <a:spLocks noGrp="1"/>
+          </p:cNvSpPr>
+          <p:nvPr>
+            <p:ph idx="1"/>
+          </p:nvPr>
+        </p:nvSpPr>
+        <p:spPr>
+          <a:xfrm>
+            <a:off x="875201" y="1692310"/>
+            <a:ext cx="8946541" cy="4195481"/>
+          </a:xfrm>
+        </p:spPr>
+        <p:txBody>
+          <a:bodyPr/>
+          <a:lstStyle/>
+          <a:p>
+            <a:r>
+              <a:rPr lang="sr-Latn-RS" dirty="0"/>
+              <a:t>PhotoMath - </a:t>
+            </a:r>
+            <a:r>
+              <a:rPr lang="sr-Latn-RS" dirty="0">
+                <a:hlinkClick r:id="rId3"/>
+              </a:rPr>
+              <a:t>https://photomath.net/en</a:t>
+            </a:r>
+            <a:r>
+              <a:rPr lang="sr-Latn-RS" dirty="0" smtClean="0">
+                <a:hlinkClick r:id="rId3"/>
+              </a:rPr>
+              <a:t>/</a:t>
+            </a:r>
+            <a:r>
+              <a:rPr lang="sr-Latn-RS" b="1" dirty="0" smtClean="0"/>
+              <a:t> </a:t>
+            </a:r>
+          </a:p>
+          <a:p>
+            <a:pPr marL="0" indent="0">
+              <a:buNone/>
+            </a:pPr>
+            <a:r>
+              <a:rPr lang="sr-Latn-RS" b="1" dirty="0" smtClean="0"/>
+              <a:t>     	</a:t>
+            </a:r>
+            <a:r>
+              <a:rPr lang="sr-Latn-RS" dirty="0" smtClean="0"/>
+              <a:t>Ne prepoznaje rukom pisane izraze, zagrade, trigonometrijske    	operacije...</a:t>
+            </a:r>
+          </a:p>
+          <a:p>
+            <a:r>
+              <a:rPr lang="sr-Latn-RS" dirty="0"/>
+              <a:t>AutoMath - </a:t>
+            </a:r>
+            <a:r>
+              <a:rPr lang="sr-Latn-RS" dirty="0">
+                <a:hlinkClick r:id="rId4"/>
+              </a:rPr>
+              <a:t>https://www.automathapp.com</a:t>
+            </a:r>
+            <a:r>
+              <a:rPr lang="sr-Latn-RS" dirty="0" smtClean="0">
+                <a:hlinkClick r:id="rId4"/>
+              </a:rPr>
+              <a:t>/</a:t>
+            </a:r>
+            <a:endParaRPr lang="sr-Latn-RS" dirty="0" smtClean="0"/>
+          </a:p>
+          <a:p>
+            <a:pPr marL="0" indent="0">
+              <a:buNone/>
+            </a:pPr>
+            <a:r>
+              <a:rPr lang="sr-Latn-RS" dirty="0"/>
+              <a:t>	</a:t>
+            </a:r>
+            <a:r>
+              <a:rPr lang="sr-Latn-RS" dirty="0" smtClean="0"/>
+              <a:t>Ne prepoznaje rukom pisane izraze, kompleksne razlomke</a:t>
+            </a:r>
+          </a:p>
+          <a:p>
+            <a:r>
+              <a:rPr lang="sr-Latn-RS" dirty="0"/>
+              <a:t>MyScript - </a:t>
+            </a:r>
+            <a:r>
+              <a:rPr lang="sr-Latn-RS" dirty="0">
+                <a:hlinkClick r:id="rId5"/>
+              </a:rPr>
+              <a:t>http://myscript.com/technology/technical-demonstrations</a:t>
+            </a:r>
+            <a:r>
+              <a:rPr lang="sr-Latn-RS" dirty="0" smtClean="0">
+                <a:hlinkClick r:id="rId5"/>
+              </a:rPr>
+              <a:t>/</a:t>
+            </a:r>
+            <a:endParaRPr lang="sr-Latn-RS" dirty="0" smtClean="0"/>
+          </a:p>
+          <a:p>
+            <a:pPr marL="0" indent="0">
+              <a:buNone/>
+            </a:pPr>
+            <a:r>
+              <a:rPr lang="sr-Latn-RS" dirty="0"/>
+              <a:t> </a:t>
+            </a:r>
+            <a:r>
+              <a:rPr lang="sr-Latn-RS" dirty="0" smtClean="0"/>
+              <a:t> 	Prepoznaje matematičke izraze koji su napisani direktno na ekranu</a:t>
+            </a:r>
+            <a:endParaRPr lang="en-US" dirty="0"/>
+          </a:p>
+        </p:txBody>
+      </p:sp>
+    </p:spTree>
+  </p:cSld>
+  <p:clrMapOvr>
+    <a:masterClrMapping/>
+  </p:clrMapOvr>
+  <p:timing>
+    <p:tnLst>
+      <p:par>
+        <p:cTn id="1" dur="indefinite" restart="never" nodeType="tmRoot"/>
+      </p:par>
+    </p:tnLst>
+  </p:timing>
+</p:sld>
+</file>
+
+<file path=ppt/slides/slide5.xml><?xml version="1.0" encoding="utf-8"?>
 <p:sld xmlns:a="http://schemas.openxmlformats.org/drawingml/2006/main" xmlns:r="http://schemas.openxmlformats.org/officeDocument/2006/relationships" xmlns:p="http://schemas.openxmlformats.org/presentationml/2006/main">
   <p:cSld>
     <p:spTree>
@@ -8192,10 +8411,976 @@
   <p:clrMapOvr>
     <a:masterClrMapping/>
   </p:clrMapOvr>
+  <p:timing>
+    <p:tnLst>
+      <p:par>
+        <p:cTn id="1" dur="indefinite" restart="never" nodeType="tmRoot"/>
+      </p:par>
+    </p:tnLst>
+  </p:timing>
 </p:sld>
 </file>
 
-<file path=ppt/slides/slide5.xml><?xml version="1.0" encoding="utf-8"?>
+<file path=ppt/slides/slide6.xml><?xml version="1.0" encoding="utf-8"?>
+<p:sld xmlns:a="http://schemas.openxmlformats.org/drawingml/2006/main" xmlns:r="http://schemas.openxmlformats.org/officeDocument/2006/relationships" xmlns:p="http://schemas.openxmlformats.org/presentationml/2006/main">
+  <p:cSld>
+    <p:spTree>
+      <p:nvGrpSpPr>
+        <p:cNvPr id="1" name=""/>
+        <p:cNvGrpSpPr/>
+        <p:nvPr/>
+      </p:nvGrpSpPr>
+      <p:grpSpPr>
+        <a:xfrm>
+          <a:off x="0" y="0"/>
+          <a:ext cx="0" cy="0"/>
+          <a:chOff x="0" y="0"/>
+          <a:chExt cx="0" cy="0"/>
+        </a:xfrm>
+      </p:grpSpPr>
+      <p:sp>
+        <p:nvSpPr>
+          <p:cNvPr id="2" name="Rounded Rectangle 1"/>
+          <p:cNvSpPr/>
+          <p:nvPr/>
+        </p:nvSpPr>
+        <p:spPr>
+          <a:xfrm>
+            <a:off x="1177513" y="2102620"/>
+            <a:ext cx="1968843" cy="626076"/>
+          </a:xfrm>
+          <a:prstGeom prst="roundRect">
+            <a:avLst/>
+          </a:prstGeom>
+        </p:spPr>
+        <p:style>
+          <a:lnRef idx="2">
+            <a:schemeClr val="accent1"/>
+          </a:lnRef>
+          <a:fillRef idx="1">
+            <a:schemeClr val="lt1"/>
+          </a:fillRef>
+          <a:effectRef idx="0">
+            <a:schemeClr val="accent1"/>
+          </a:effectRef>
+          <a:fontRef idx="minor">
+            <a:schemeClr val="dk1"/>
+          </a:fontRef>
+        </p:style>
+        <p:txBody>
+          <a:bodyPr rtlCol="0" anchor="ctr"/>
+          <a:lstStyle/>
+          <a:p>
+            <a:pPr algn="ctr"/>
+            <a:r>
+              <a:rPr lang="sr-Latn-RS" sz="1200" dirty="0" smtClean="0"/>
+              <a:t>Učitavanje </a:t>
+            </a:r>
+            <a:r>
+              <a:rPr lang="sr-Latn-RS" sz="1200" dirty="0" smtClean="0"/>
+              <a:t>slike</a:t>
+            </a:r>
+            <a:endParaRPr lang="en-US" sz="1200" dirty="0"/>
+          </a:p>
+        </p:txBody>
+      </p:sp>
+      <p:sp>
+        <p:nvSpPr>
+          <p:cNvPr id="10" name="Rounded Rectangle 9"/>
+          <p:cNvSpPr/>
+          <p:nvPr/>
+        </p:nvSpPr>
+        <p:spPr>
+          <a:xfrm>
+            <a:off x="1186781" y="3110653"/>
+            <a:ext cx="1968843" cy="626076"/>
+          </a:xfrm>
+          <a:prstGeom prst="roundRect">
+            <a:avLst/>
+          </a:prstGeom>
+        </p:spPr>
+        <p:style>
+          <a:lnRef idx="2">
+            <a:schemeClr val="accent1"/>
+          </a:lnRef>
+          <a:fillRef idx="1">
+            <a:schemeClr val="lt1"/>
+          </a:fillRef>
+          <a:effectRef idx="0">
+            <a:schemeClr val="accent1"/>
+          </a:effectRef>
+          <a:fontRef idx="minor">
+            <a:schemeClr val="dk1"/>
+          </a:fontRef>
+        </p:style>
+        <p:txBody>
+          <a:bodyPr rtlCol="0" anchor="ctr"/>
+          <a:lstStyle/>
+          <a:p>
+            <a:pPr algn="ctr"/>
+            <a:r>
+              <a:rPr lang="sr-Latn-RS" sz="1200" dirty="0" smtClean="0"/>
+              <a:t>Procesiranje slike</a:t>
+            </a:r>
+          </a:p>
+          <a:p>
+            <a:pPr algn="ctr"/>
+            <a:r>
+              <a:rPr lang="sr-Latn-RS" sz="1200" dirty="0" smtClean="0"/>
+              <a:t>(uklanjanje šuma i anomalija)</a:t>
+            </a:r>
+            <a:endParaRPr lang="en-US" sz="1200" dirty="0"/>
+          </a:p>
+        </p:txBody>
+      </p:sp>
+      <p:sp>
+        <p:nvSpPr>
+          <p:cNvPr id="11" name="Rounded Rectangle 10"/>
+          <p:cNvSpPr/>
+          <p:nvPr/>
+        </p:nvSpPr>
+        <p:spPr>
+          <a:xfrm>
+            <a:off x="1186782" y="4124401"/>
+            <a:ext cx="1968843" cy="626076"/>
+          </a:xfrm>
+          <a:prstGeom prst="roundRect">
+            <a:avLst/>
+          </a:prstGeom>
+        </p:spPr>
+        <p:style>
+          <a:lnRef idx="2">
+            <a:schemeClr val="accent1"/>
+          </a:lnRef>
+          <a:fillRef idx="1">
+            <a:schemeClr val="lt1"/>
+          </a:fillRef>
+          <a:effectRef idx="0">
+            <a:schemeClr val="accent1"/>
+          </a:effectRef>
+          <a:fontRef idx="minor">
+            <a:schemeClr val="dk1"/>
+          </a:fontRef>
+        </p:style>
+        <p:txBody>
+          <a:bodyPr rtlCol="0" anchor="ctr"/>
+          <a:lstStyle/>
+          <a:p>
+            <a:pPr algn="ctr"/>
+            <a:r>
+              <a:rPr lang="sr-Latn-RS" sz="1050" dirty="0" smtClean="0"/>
+              <a:t>Segmentacija i izvlačenje potrebnih delova slike(brojevi i operacije)</a:t>
+            </a:r>
+            <a:endParaRPr lang="en-US" sz="1050" dirty="0"/>
+          </a:p>
+        </p:txBody>
+      </p:sp>
+      <p:sp>
+        <p:nvSpPr>
+          <p:cNvPr id="13" name="Rounded Rectangle 12"/>
+          <p:cNvSpPr/>
+          <p:nvPr/>
+        </p:nvSpPr>
+        <p:spPr>
+          <a:xfrm>
+            <a:off x="1177514" y="5126720"/>
+            <a:ext cx="1968843" cy="626076"/>
+          </a:xfrm>
+          <a:prstGeom prst="roundRect">
+            <a:avLst/>
+          </a:prstGeom>
+        </p:spPr>
+        <p:style>
+          <a:lnRef idx="2">
+            <a:schemeClr val="accent1"/>
+          </a:lnRef>
+          <a:fillRef idx="1">
+            <a:schemeClr val="lt1"/>
+          </a:fillRef>
+          <a:effectRef idx="0">
+            <a:schemeClr val="accent1"/>
+          </a:effectRef>
+          <a:fontRef idx="minor">
+            <a:schemeClr val="dk1"/>
+          </a:fontRef>
+        </p:style>
+        <p:txBody>
+          <a:bodyPr rtlCol="0" anchor="ctr"/>
+          <a:lstStyle/>
+          <a:p>
+            <a:pPr algn="ctr"/>
+            <a:r>
+              <a:rPr lang="sr-Latn-RS" sz="1200" dirty="0" smtClean="0"/>
+              <a:t>Prepoznavanje izraza</a:t>
+            </a:r>
+            <a:endParaRPr lang="en-US" sz="1200" dirty="0"/>
+          </a:p>
+        </p:txBody>
+      </p:sp>
+      <p:sp>
+        <p:nvSpPr>
+          <p:cNvPr id="15" name="Down Arrow 14"/>
+          <p:cNvSpPr/>
+          <p:nvPr/>
+        </p:nvSpPr>
+        <p:spPr>
+          <a:xfrm>
+            <a:off x="1989807" y="5752796"/>
+            <a:ext cx="273911" cy="373835"/>
+          </a:xfrm>
+          <a:prstGeom prst="downArrow">
+            <a:avLst/>
+          </a:prstGeom>
+          <a:solidFill>
+            <a:schemeClr val="tx1">
+              <a:lumMod val="65000"/>
+            </a:schemeClr>
+          </a:solidFill>
+        </p:spPr>
+        <p:style>
+          <a:lnRef idx="2">
+            <a:schemeClr val="accent1">
+              <a:shade val="50000"/>
+            </a:schemeClr>
+          </a:lnRef>
+          <a:fillRef idx="1">
+            <a:schemeClr val="accent1"/>
+          </a:fillRef>
+          <a:effectRef idx="0">
+            <a:schemeClr val="accent1"/>
+          </a:effectRef>
+          <a:fontRef idx="minor">
+            <a:schemeClr val="lt1"/>
+          </a:fontRef>
+        </p:style>
+        <p:txBody>
+          <a:bodyPr rtlCol="0" anchor="ctr"/>
+          <a:lstStyle/>
+          <a:p>
+            <a:pPr algn="ctr"/>
+            <a:endParaRPr lang="en-US"/>
+          </a:p>
+        </p:txBody>
+      </p:sp>
+      <p:sp>
+        <p:nvSpPr>
+          <p:cNvPr id="16" name="Rounded Rectangle 15"/>
+          <p:cNvSpPr/>
+          <p:nvPr/>
+        </p:nvSpPr>
+        <p:spPr>
+          <a:xfrm>
+            <a:off x="1177514" y="6126631"/>
+            <a:ext cx="1968843" cy="626076"/>
+          </a:xfrm>
+          <a:prstGeom prst="roundRect">
+            <a:avLst/>
+          </a:prstGeom>
+        </p:spPr>
+        <p:style>
+          <a:lnRef idx="2">
+            <a:schemeClr val="accent1"/>
+          </a:lnRef>
+          <a:fillRef idx="1">
+            <a:schemeClr val="lt1"/>
+          </a:fillRef>
+          <a:effectRef idx="0">
+            <a:schemeClr val="accent1"/>
+          </a:effectRef>
+          <a:fontRef idx="minor">
+            <a:schemeClr val="dk1"/>
+          </a:fontRef>
+        </p:style>
+        <p:txBody>
+          <a:bodyPr rtlCol="0" anchor="ctr"/>
+          <a:lstStyle/>
+          <a:p>
+            <a:pPr algn="ctr"/>
+            <a:r>
+              <a:rPr lang="sr-Latn-RS" sz="1200" dirty="0" smtClean="0"/>
+              <a:t>Računanje i prikazivanje rezultata</a:t>
+            </a:r>
+            <a:endParaRPr lang="en-US" sz="1200" dirty="0"/>
+          </a:p>
+        </p:txBody>
+      </p:sp>
+      <p:sp>
+        <p:nvSpPr>
+          <p:cNvPr id="18" name="Title 1"/>
+          <p:cNvSpPr txBox="1">
+            <a:spLocks/>
+          </p:cNvSpPr>
+          <p:nvPr/>
+        </p:nvSpPr>
+        <p:spPr>
+          <a:xfrm>
+            <a:off x="646111" y="452718"/>
+            <a:ext cx="9404723" cy="899564"/>
+          </a:xfrm>
+          <a:prstGeom prst="rect">
+            <a:avLst/>
+          </a:prstGeom>
+        </p:spPr>
+        <p:txBody>
+          <a:bodyPr/>
+          <a:lstStyle>
+            <a:lvl1pPr algn="l" defTabSz="457200" rtl="0" eaLnBrk="1" latinLnBrk="0" hangingPunct="1">
+              <a:spcBef>
+                <a:spcPct val="0"/>
+              </a:spcBef>
+              <a:buNone/>
+              <a:defRPr sz="4200" b="0" i="0" kern="1200">
+                <a:solidFill>
+                  <a:schemeClr val="tx2"/>
+                </a:solidFill>
+                <a:latin typeface="+mj-lt"/>
+                <a:ea typeface="+mj-ea"/>
+                <a:cs typeface="+mj-cs"/>
+              </a:defRPr>
+            </a:lvl1pPr>
+            <a:lvl2pPr eaLnBrk="1" hangingPunct="1">
+              <a:defRPr>
+                <a:solidFill>
+                  <a:schemeClr val="tx2"/>
+                </a:solidFill>
+              </a:defRPr>
+            </a:lvl2pPr>
+            <a:lvl3pPr eaLnBrk="1" hangingPunct="1">
+              <a:defRPr>
+                <a:solidFill>
+                  <a:schemeClr val="tx2"/>
+                </a:solidFill>
+              </a:defRPr>
+            </a:lvl3pPr>
+            <a:lvl4pPr eaLnBrk="1" hangingPunct="1">
+              <a:defRPr>
+                <a:solidFill>
+                  <a:schemeClr val="tx2"/>
+                </a:solidFill>
+              </a:defRPr>
+            </a:lvl4pPr>
+            <a:lvl5pPr eaLnBrk="1" hangingPunct="1">
+              <a:defRPr>
+                <a:solidFill>
+                  <a:schemeClr val="tx2"/>
+                </a:solidFill>
+              </a:defRPr>
+            </a:lvl5pPr>
+            <a:lvl6pPr eaLnBrk="1" hangingPunct="1">
+              <a:defRPr>
+                <a:solidFill>
+                  <a:schemeClr val="tx2"/>
+                </a:solidFill>
+              </a:defRPr>
+            </a:lvl6pPr>
+            <a:lvl7pPr eaLnBrk="1" hangingPunct="1">
+              <a:defRPr>
+                <a:solidFill>
+                  <a:schemeClr val="tx2"/>
+                </a:solidFill>
+              </a:defRPr>
+            </a:lvl7pPr>
+            <a:lvl8pPr eaLnBrk="1" hangingPunct="1">
+              <a:defRPr>
+                <a:solidFill>
+                  <a:schemeClr val="tx2"/>
+                </a:solidFill>
+              </a:defRPr>
+            </a:lvl8pPr>
+            <a:lvl9pPr eaLnBrk="1" hangingPunct="1">
+              <a:defRPr>
+                <a:solidFill>
+                  <a:schemeClr val="tx2"/>
+                </a:solidFill>
+              </a:defRPr>
+            </a:lvl9pPr>
+          </a:lstStyle>
+          <a:p>
+            <a:r>
+              <a:rPr lang="sr-Latn-RS" sz="2800" dirty="0" smtClean="0"/>
+              <a:t>Tok izvršenja programa</a:t>
+            </a:r>
+            <a:endParaRPr lang="sr-Latn-RS" sz="2800" dirty="0"/>
+          </a:p>
+        </p:txBody>
+      </p:sp>
+      <p:sp>
+        <p:nvSpPr>
+          <p:cNvPr id="28" name="Rectangle 2"/>
+          <p:cNvSpPr txBox="1">
+            <a:spLocks/>
+          </p:cNvSpPr>
+          <p:nvPr/>
+        </p:nvSpPr>
+        <p:spPr>
+          <a:xfrm>
+            <a:off x="5217705" y="1540476"/>
+            <a:ext cx="4917566" cy="3237471"/>
+          </a:xfrm>
+          <a:prstGeom prst="rect">
+            <a:avLst/>
+          </a:prstGeom>
+        </p:spPr>
+        <p:txBody>
+          <a:bodyPr/>
+          <a:lstStyle>
+            <a:lvl1pPr marL="342900" indent="-342900" algn="l" defTabSz="457200" rtl="0" eaLnBrk="1" latinLnBrk="0" hangingPunct="1">
+              <a:spcBef>
+                <a:spcPts val="1000"/>
+              </a:spcBef>
+              <a:spcAft>
+                <a:spcPts val="0"/>
+              </a:spcAft>
+              <a:buClr>
+                <a:schemeClr val="bg2">
+                  <a:lumMod val="40000"/>
+                  <a:lumOff val="60000"/>
+                </a:schemeClr>
+              </a:buClr>
+              <a:buSzPct val="80000"/>
+              <a:buFont typeface="Wingdings 3" charset="2"/>
+              <a:buChar char=""/>
+              <a:defRPr sz="2000" b="0" i="0" kern="1200">
+                <a:solidFill>
+                  <a:schemeClr val="tx1"/>
+                </a:solidFill>
+                <a:latin typeface="+mj-lt"/>
+                <a:ea typeface="+mj-ea"/>
+                <a:cs typeface="+mj-cs"/>
+              </a:defRPr>
+            </a:lvl1pPr>
+            <a:lvl2pPr marL="742950" indent="-285750" algn="l" defTabSz="457200" rtl="0" eaLnBrk="1" latinLnBrk="0" hangingPunct="1">
+              <a:spcBef>
+                <a:spcPts val="1000"/>
+              </a:spcBef>
+              <a:spcAft>
+                <a:spcPts val="0"/>
+              </a:spcAft>
+              <a:buClr>
+                <a:schemeClr val="bg2">
+                  <a:lumMod val="40000"/>
+                  <a:lumOff val="60000"/>
+                </a:schemeClr>
+              </a:buClr>
+              <a:buSzPct val="80000"/>
+              <a:buFont typeface="Wingdings 3" charset="2"/>
+              <a:buChar char=""/>
+              <a:defRPr sz="1800" b="0" i="0" kern="1200">
+                <a:solidFill>
+                  <a:schemeClr val="tx1"/>
+                </a:solidFill>
+                <a:latin typeface="+mj-lt"/>
+                <a:ea typeface="+mj-ea"/>
+                <a:cs typeface="+mj-cs"/>
+              </a:defRPr>
+            </a:lvl2pPr>
+            <a:lvl3pPr marL="1143000" indent="-228600" algn="l" defTabSz="457200" rtl="0" eaLnBrk="1" latinLnBrk="0" hangingPunct="1">
+              <a:spcBef>
+                <a:spcPts val="1000"/>
+              </a:spcBef>
+              <a:spcAft>
+                <a:spcPts val="0"/>
+              </a:spcAft>
+              <a:buClr>
+                <a:schemeClr val="bg2">
+                  <a:lumMod val="40000"/>
+                  <a:lumOff val="60000"/>
+                </a:schemeClr>
+              </a:buClr>
+              <a:buSzPct val="80000"/>
+              <a:buFont typeface="Wingdings 3" charset="2"/>
+              <a:buChar char=""/>
+              <a:defRPr sz="1600" b="0" i="0" kern="1200">
+                <a:solidFill>
+                  <a:schemeClr val="tx1"/>
+                </a:solidFill>
+                <a:latin typeface="+mj-lt"/>
+                <a:ea typeface="+mj-ea"/>
+                <a:cs typeface="+mj-cs"/>
+              </a:defRPr>
+            </a:lvl3pPr>
+            <a:lvl4pPr marL="1600200" indent="-228600" algn="l" defTabSz="457200" rtl="0" eaLnBrk="1" latinLnBrk="0" hangingPunct="1">
+              <a:spcBef>
+                <a:spcPts val="1000"/>
+              </a:spcBef>
+              <a:spcAft>
+                <a:spcPts val="0"/>
+              </a:spcAft>
+              <a:buClr>
+                <a:schemeClr val="bg2">
+                  <a:lumMod val="40000"/>
+                  <a:lumOff val="60000"/>
+                </a:schemeClr>
+              </a:buClr>
+              <a:buSzPct val="80000"/>
+              <a:buFont typeface="Wingdings 3" charset="2"/>
+              <a:buChar char=""/>
+              <a:defRPr sz="1400" b="0" i="0" kern="1200">
+                <a:solidFill>
+                  <a:schemeClr val="tx1"/>
+                </a:solidFill>
+                <a:latin typeface="+mj-lt"/>
+                <a:ea typeface="+mj-ea"/>
+                <a:cs typeface="+mj-cs"/>
+              </a:defRPr>
+            </a:lvl4pPr>
+            <a:lvl5pPr marL="2057400" indent="-228600" algn="l" defTabSz="457200" rtl="0" eaLnBrk="1" latinLnBrk="0" hangingPunct="1">
+              <a:spcBef>
+                <a:spcPts val="1000"/>
+              </a:spcBef>
+              <a:spcAft>
+                <a:spcPts val="0"/>
+              </a:spcAft>
+              <a:buClr>
+                <a:schemeClr val="bg2">
+                  <a:lumMod val="40000"/>
+                  <a:lumOff val="60000"/>
+                </a:schemeClr>
+              </a:buClr>
+              <a:buSzPct val="80000"/>
+              <a:buFont typeface="Wingdings 3" charset="2"/>
+              <a:buChar char=""/>
+              <a:defRPr sz="1400" b="0" i="0" kern="1200">
+                <a:solidFill>
+                  <a:schemeClr val="tx1"/>
+                </a:solidFill>
+                <a:latin typeface="+mj-lt"/>
+                <a:ea typeface="+mj-ea"/>
+                <a:cs typeface="+mj-cs"/>
+              </a:defRPr>
+            </a:lvl5pPr>
+            <a:lvl6pPr marL="2514600" indent="-228600" algn="l" defTabSz="457200" rtl="0" eaLnBrk="1" latinLnBrk="0" hangingPunct="1">
+              <a:spcBef>
+                <a:spcPct val="20000"/>
+              </a:spcBef>
+              <a:spcAft>
+                <a:spcPts val="600"/>
+              </a:spcAft>
+              <a:buClr>
+                <a:schemeClr val="bg2">
+                  <a:lumMod val="40000"/>
+                  <a:lumOff val="60000"/>
+                </a:schemeClr>
+              </a:buClr>
+              <a:buSzPct val="80000"/>
+              <a:buFont typeface="Wingdings 3" charset="2"/>
+              <a:buChar char=""/>
+              <a:defRPr sz="1200" b="0" i="0" kern="1200">
+                <a:solidFill>
+                  <a:schemeClr val="tx1"/>
+                </a:solidFill>
+                <a:latin typeface="+mj-lt"/>
+                <a:ea typeface="+mj-ea"/>
+                <a:cs typeface="+mj-cs"/>
+              </a:defRPr>
+            </a:lvl6pPr>
+            <a:lvl7pPr marL="2971800" indent="-228600" algn="l" defTabSz="457200" rtl="0" eaLnBrk="1" latinLnBrk="0" hangingPunct="1">
+              <a:spcBef>
+                <a:spcPct val="20000"/>
+              </a:spcBef>
+              <a:spcAft>
+                <a:spcPts val="600"/>
+              </a:spcAft>
+              <a:buClr>
+                <a:schemeClr val="bg2">
+                  <a:lumMod val="40000"/>
+                  <a:lumOff val="60000"/>
+                </a:schemeClr>
+              </a:buClr>
+              <a:buSzPct val="80000"/>
+              <a:buFont typeface="Wingdings 3" charset="2"/>
+              <a:buChar char=""/>
+              <a:defRPr sz="1200" b="0" i="0" kern="1200">
+                <a:solidFill>
+                  <a:schemeClr val="tx1"/>
+                </a:solidFill>
+                <a:latin typeface="+mj-lt"/>
+                <a:ea typeface="+mj-ea"/>
+                <a:cs typeface="+mj-cs"/>
+              </a:defRPr>
+            </a:lvl7pPr>
+            <a:lvl8pPr marL="3429000" indent="-228600" algn="l" defTabSz="457200" rtl="0" eaLnBrk="1" latinLnBrk="0" hangingPunct="1">
+              <a:spcBef>
+                <a:spcPct val="20000"/>
+              </a:spcBef>
+              <a:spcAft>
+                <a:spcPts val="600"/>
+              </a:spcAft>
+              <a:buClr>
+                <a:schemeClr val="bg2">
+                  <a:lumMod val="40000"/>
+                  <a:lumOff val="60000"/>
+                </a:schemeClr>
+              </a:buClr>
+              <a:buSzPct val="80000"/>
+              <a:buFont typeface="Wingdings 3" charset="2"/>
+              <a:buChar char=""/>
+              <a:defRPr sz="1200" b="0" i="0" kern="1200">
+                <a:solidFill>
+                  <a:schemeClr val="tx1"/>
+                </a:solidFill>
+                <a:latin typeface="+mj-lt"/>
+                <a:ea typeface="+mj-ea"/>
+                <a:cs typeface="+mj-cs"/>
+              </a:defRPr>
+            </a:lvl8pPr>
+            <a:lvl9pPr marL="3886200" indent="-228600" algn="l" defTabSz="457200" rtl="0" eaLnBrk="1" latinLnBrk="0" hangingPunct="1">
+              <a:spcBef>
+                <a:spcPct val="20000"/>
+              </a:spcBef>
+              <a:spcAft>
+                <a:spcPts val="600"/>
+              </a:spcAft>
+              <a:buClr>
+                <a:schemeClr val="bg2">
+                  <a:lumMod val="40000"/>
+                  <a:lumOff val="60000"/>
+                </a:schemeClr>
+              </a:buClr>
+              <a:buSzPct val="80000"/>
+              <a:buFont typeface="Wingdings 3" charset="2"/>
+              <a:buChar char=""/>
+              <a:defRPr sz="1200" b="0" i="0" kern="1200">
+                <a:solidFill>
+                  <a:schemeClr val="tx1"/>
+                </a:solidFill>
+                <a:latin typeface="+mj-lt"/>
+                <a:ea typeface="+mj-ea"/>
+                <a:cs typeface="+mj-cs"/>
+              </a:defRPr>
+            </a:lvl9pPr>
+          </a:lstStyle>
+          <a:p>
+            <a:pPr lvl="1"/>
+            <a:r>
+              <a:rPr lang="sr-Latn-RS" dirty="0" smtClean="0"/>
+              <a:t>1. obučiti neuronsku mrežu sa velikim brojem različitih rukopisa</a:t>
+            </a:r>
+          </a:p>
+          <a:p>
+            <a:pPr lvl="1"/>
+            <a:r>
+              <a:rPr lang="sr-Latn-RS" dirty="0" smtClean="0"/>
+              <a:t>2. učitati i procesirati test sliku</a:t>
+            </a:r>
+          </a:p>
+          <a:p>
+            <a:pPr lvl="1"/>
+            <a:r>
+              <a:rPr lang="sr-Latn-RS" dirty="0" smtClean="0"/>
+              <a:t>3. izvršiti predikciju matematičkog izraza sa slike uz pomoć neuronske mreže</a:t>
+            </a:r>
+          </a:p>
+          <a:p>
+            <a:pPr lvl="1"/>
+            <a:r>
+              <a:rPr lang="sr-Latn-RS" dirty="0" smtClean="0"/>
+              <a:t>4. izračunati matematički izraz i prikazati rezultat</a:t>
+            </a:r>
+          </a:p>
+          <a:p>
+            <a:pPr marL="457200" lvl="1" indent="0">
+              <a:buFont typeface="Wingdings 3" charset="2"/>
+              <a:buNone/>
+            </a:pPr>
+            <a:endParaRPr lang="sr-Latn-RS" dirty="0" smtClean="0"/>
+          </a:p>
+          <a:p>
+            <a:pPr lvl="1"/>
+            <a:endParaRPr lang="sr-Latn-RS" dirty="0" smtClean="0"/>
+          </a:p>
+          <a:p>
+            <a:pPr lvl="1"/>
+            <a:endParaRPr lang="sr-Latn-RS" dirty="0" smtClean="0"/>
+          </a:p>
+        </p:txBody>
+      </p:sp>
+      <p:sp>
+        <p:nvSpPr>
+          <p:cNvPr id="17" name="Rounded Rectangle 16"/>
+          <p:cNvSpPr/>
+          <p:nvPr/>
+        </p:nvSpPr>
+        <p:spPr>
+          <a:xfrm>
+            <a:off x="1185064" y="1093592"/>
+            <a:ext cx="1968843" cy="626076"/>
+          </a:xfrm>
+          <a:prstGeom prst="roundRect">
+            <a:avLst/>
+          </a:prstGeom>
+        </p:spPr>
+        <p:style>
+          <a:lnRef idx="2">
+            <a:schemeClr val="accent1"/>
+          </a:lnRef>
+          <a:fillRef idx="1">
+            <a:schemeClr val="lt1"/>
+          </a:fillRef>
+          <a:effectRef idx="0">
+            <a:schemeClr val="accent1"/>
+          </a:effectRef>
+          <a:fontRef idx="minor">
+            <a:schemeClr val="dk1"/>
+          </a:fontRef>
+        </p:style>
+        <p:txBody>
+          <a:bodyPr rtlCol="0" anchor="ctr"/>
+          <a:lstStyle/>
+          <a:p>
+            <a:pPr algn="ctr"/>
+            <a:r>
+              <a:rPr lang="sr-Latn-RS" sz="1200" dirty="0" smtClean="0"/>
+              <a:t>Obučavanje neuronske mreže</a:t>
+            </a:r>
+            <a:endParaRPr lang="en-US" sz="1200" dirty="0"/>
+          </a:p>
+        </p:txBody>
+      </p:sp>
+      <p:sp>
+        <p:nvSpPr>
+          <p:cNvPr id="19" name="Down Arrow 18"/>
+          <p:cNvSpPr/>
+          <p:nvPr/>
+        </p:nvSpPr>
+        <p:spPr>
+          <a:xfrm>
+            <a:off x="1989806" y="3748158"/>
+            <a:ext cx="273911" cy="373835"/>
+          </a:xfrm>
+          <a:prstGeom prst="downArrow">
+            <a:avLst/>
+          </a:prstGeom>
+          <a:solidFill>
+            <a:schemeClr val="tx1">
+              <a:lumMod val="65000"/>
+            </a:schemeClr>
+          </a:solidFill>
+        </p:spPr>
+        <p:style>
+          <a:lnRef idx="2">
+            <a:schemeClr val="accent1">
+              <a:shade val="50000"/>
+            </a:schemeClr>
+          </a:lnRef>
+          <a:fillRef idx="1">
+            <a:schemeClr val="accent1"/>
+          </a:fillRef>
+          <a:effectRef idx="0">
+            <a:schemeClr val="accent1"/>
+          </a:effectRef>
+          <a:fontRef idx="minor">
+            <a:schemeClr val="lt1"/>
+          </a:fontRef>
+        </p:style>
+        <p:txBody>
+          <a:bodyPr rtlCol="0" anchor="ctr"/>
+          <a:lstStyle/>
+          <a:p>
+            <a:pPr algn="ctr"/>
+            <a:endParaRPr lang="en-US"/>
+          </a:p>
+        </p:txBody>
+      </p:sp>
+      <p:sp>
+        <p:nvSpPr>
+          <p:cNvPr id="21" name="Down Arrow 20"/>
+          <p:cNvSpPr/>
+          <p:nvPr/>
+        </p:nvSpPr>
+        <p:spPr>
+          <a:xfrm>
+            <a:off x="1982996" y="4752885"/>
+            <a:ext cx="273911" cy="373835"/>
+          </a:xfrm>
+          <a:prstGeom prst="downArrow">
+            <a:avLst/>
+          </a:prstGeom>
+          <a:solidFill>
+            <a:schemeClr val="tx1">
+              <a:lumMod val="65000"/>
+            </a:schemeClr>
+          </a:solidFill>
+        </p:spPr>
+        <p:style>
+          <a:lnRef idx="2">
+            <a:schemeClr val="accent1">
+              <a:shade val="50000"/>
+            </a:schemeClr>
+          </a:lnRef>
+          <a:fillRef idx="1">
+            <a:schemeClr val="accent1"/>
+          </a:fillRef>
+          <a:effectRef idx="0">
+            <a:schemeClr val="accent1"/>
+          </a:effectRef>
+          <a:fontRef idx="minor">
+            <a:schemeClr val="lt1"/>
+          </a:fontRef>
+        </p:style>
+        <p:txBody>
+          <a:bodyPr rtlCol="0" anchor="ctr"/>
+          <a:lstStyle/>
+          <a:p>
+            <a:pPr algn="ctr"/>
+            <a:endParaRPr lang="en-US"/>
+          </a:p>
+        </p:txBody>
+      </p:sp>
+      <p:sp>
+        <p:nvSpPr>
+          <p:cNvPr id="22" name="Down Arrow 21"/>
+          <p:cNvSpPr/>
+          <p:nvPr/>
+        </p:nvSpPr>
+        <p:spPr>
+          <a:xfrm>
+            <a:off x="1994531" y="2743433"/>
+            <a:ext cx="273911" cy="373835"/>
+          </a:xfrm>
+          <a:prstGeom prst="downArrow">
+            <a:avLst/>
+          </a:prstGeom>
+          <a:solidFill>
+            <a:schemeClr val="tx1">
+              <a:lumMod val="65000"/>
+            </a:schemeClr>
+          </a:solidFill>
+        </p:spPr>
+        <p:style>
+          <a:lnRef idx="2">
+            <a:schemeClr val="accent1">
+              <a:shade val="50000"/>
+            </a:schemeClr>
+          </a:lnRef>
+          <a:fillRef idx="1">
+            <a:schemeClr val="accent1"/>
+          </a:fillRef>
+          <a:effectRef idx="0">
+            <a:schemeClr val="accent1"/>
+          </a:effectRef>
+          <a:fontRef idx="minor">
+            <a:schemeClr val="lt1"/>
+          </a:fontRef>
+        </p:style>
+        <p:txBody>
+          <a:bodyPr rtlCol="0" anchor="ctr"/>
+          <a:lstStyle/>
+          <a:p>
+            <a:pPr algn="ctr"/>
+            <a:endParaRPr lang="en-US"/>
+          </a:p>
+        </p:txBody>
+      </p:sp>
+      <p:sp>
+        <p:nvSpPr>
+          <p:cNvPr id="23" name="Down Arrow 22"/>
+          <p:cNvSpPr/>
+          <p:nvPr/>
+        </p:nvSpPr>
+        <p:spPr>
+          <a:xfrm>
+            <a:off x="1982995" y="1728525"/>
+            <a:ext cx="273911" cy="373835"/>
+          </a:xfrm>
+          <a:prstGeom prst="downArrow">
+            <a:avLst/>
+          </a:prstGeom>
+          <a:solidFill>
+            <a:schemeClr val="tx1">
+              <a:lumMod val="65000"/>
+            </a:schemeClr>
+          </a:solidFill>
+        </p:spPr>
+        <p:style>
+          <a:lnRef idx="2">
+            <a:schemeClr val="accent1">
+              <a:shade val="50000"/>
+            </a:schemeClr>
+          </a:lnRef>
+          <a:fillRef idx="1">
+            <a:schemeClr val="accent1"/>
+          </a:fillRef>
+          <a:effectRef idx="0">
+            <a:schemeClr val="accent1"/>
+          </a:effectRef>
+          <a:fontRef idx="minor">
+            <a:schemeClr val="lt1"/>
+          </a:fontRef>
+        </p:style>
+        <p:txBody>
+          <a:bodyPr rtlCol="0" anchor="ctr"/>
+          <a:lstStyle/>
+          <a:p>
+            <a:pPr algn="ctr"/>
+            <a:endParaRPr lang="en-US"/>
+          </a:p>
+        </p:txBody>
+      </p:sp>
+      <p:cxnSp>
+        <p:nvCxnSpPr>
+          <p:cNvPr id="24" name="Elbow Connector 23"/>
+          <p:cNvCxnSpPr>
+            <a:stCxn id="16" idx="3"/>
+            <a:endCxn id="2" idx="3"/>
+          </p:cNvCxnSpPr>
+          <p:nvPr/>
+        </p:nvCxnSpPr>
+        <p:spPr>
+          <a:xfrm flipH="1" flipV="1">
+            <a:off x="3146356" y="2415658"/>
+            <a:ext cx="1" cy="4024011"/>
+          </a:xfrm>
+          <a:prstGeom prst="bentConnector3">
+            <a:avLst>
+              <a:gd name="adj1" fmla="val -22860000000"/>
+            </a:avLst>
+          </a:prstGeom>
+          <a:ln>
+            <a:solidFill>
+              <a:schemeClr val="tx1">
+                <a:lumMod val="65000"/>
+              </a:schemeClr>
+            </a:solidFill>
+            <a:tailEnd type="triangle"/>
+          </a:ln>
+        </p:spPr>
+        <p:style>
+          <a:lnRef idx="3">
+            <a:schemeClr val="dk1"/>
+          </a:lnRef>
+          <a:fillRef idx="0">
+            <a:schemeClr val="dk1"/>
+          </a:fillRef>
+          <a:effectRef idx="2">
+            <a:schemeClr val="dk1"/>
+          </a:effectRef>
+          <a:fontRef idx="minor">
+            <a:schemeClr val="tx1"/>
+          </a:fontRef>
+        </p:style>
+      </p:cxnSp>
+    </p:spTree>
+    <p:extLst>
+      <p:ext uri="{BB962C8B-B14F-4D97-AF65-F5344CB8AC3E}">
+        <p14:creationId xmlns:p14="http://schemas.microsoft.com/office/powerpoint/2010/main" val="1529473416"/>
+      </p:ext>
+    </p:extLst>
+  </p:cSld>
+  <p:clrMapOvr>
+    <a:masterClrMapping/>
+  </p:clrMapOvr>
+  <p:timing>
+    <p:tnLst>
+      <p:par>
+        <p:cTn id="1" dur="indefinite" restart="never" nodeType="tmRoot"/>
+      </p:par>
+    </p:tnLst>
+  </p:timing>
+</p:sld>
+</file>
+
+<file path=ppt/slides/slide7.xml><?xml version="1.0" encoding="utf-8"?>
 <p:sld xmlns:a="http://schemas.openxmlformats.org/drawingml/2006/main" xmlns:r="http://schemas.openxmlformats.org/officeDocument/2006/relationships" xmlns:p="http://schemas.openxmlformats.org/presentationml/2006/main">
   <p:cSld>
     <p:spTree>

--- a/photo_calculator.pptx
+++ b/photo_calculator.pptx
@@ -5,18 +5,19 @@
     <p:sldMasterId id="2147483648" r:id="rId2"/>
   </p:sldMasterIdLst>
   <p:notesMasterIdLst>
-    <p:notesMasterId r:id="rId9"/>
+    <p:notesMasterId r:id="rId10"/>
   </p:notesMasterIdLst>
   <p:handoutMasterIdLst>
-    <p:handoutMasterId r:id="rId10"/>
+    <p:handoutMasterId r:id="rId11"/>
   </p:handoutMasterIdLst>
   <p:sldIdLst>
     <p:sldId id="257" r:id="rId3"/>
-    <p:sldId id="263" r:id="rId4"/>
-    <p:sldId id="261" r:id="rId5"/>
-    <p:sldId id="264" r:id="rId6"/>
-    <p:sldId id="265" r:id="rId7"/>
-    <p:sldId id="262" r:id="rId8"/>
+    <p:sldId id="266" r:id="rId4"/>
+    <p:sldId id="263" r:id="rId5"/>
+    <p:sldId id="261" r:id="rId6"/>
+    <p:sldId id="264" r:id="rId7"/>
+    <p:sldId id="265" r:id="rId8"/>
+    <p:sldId id="262" r:id="rId9"/>
   </p:sldIdLst>
   <p:sldSz cx="12192000" cy="6858000"/>
   <p:notesSz cx="7023100" cy="9309100"/>
@@ -205,7 +206,7 @@
           <a:p>
             <a:fld id="{2BCAFC7A-71DD-4C2C-B63D-60FDC7DD5449}" type="datetimeFigureOut">
               <a:rPr lang="en-US" smtClean="0"/>
-              <a:t>12/13/2015</a:t>
+              <a:t>12/14/2015</a:t>
             </a:fld>
             <a:endParaRPr lang="en-US"/>
           </a:p>
@@ -370,7 +371,7 @@
           <a:p>
             <a:fld id="{D85ECAFD-F005-4163-B10D-85806DC43F93}" type="datetimeFigureOut">
               <a:rPr lang="en-US" smtClean="0"/>
-              <a:t>12/13/2015</a:t>
+              <a:t>12/14/2015</a:t>
             </a:fld>
             <a:endParaRPr lang="en-US"/>
           </a:p>
@@ -793,7 +794,7 @@
             <a:fld id="{5257B995-136A-4A15-87A5-26420C3C1021}" type="slidenum">
               <a:rPr lang="en-US" smtClean="0"/>
               <a:pPr/>
-              <a:t>2</a:t>
+              <a:t>3</a:t>
             </a:fld>
             <a:endParaRPr lang="en-US"/>
           </a:p>
@@ -880,7 +881,7 @@
             <a:fld id="{5257B995-136A-4A15-87A5-26420C3C1021}" type="slidenum">
               <a:rPr lang="en-US" smtClean="0"/>
               <a:pPr/>
-              <a:t>3</a:t>
+              <a:t>4</a:t>
             </a:fld>
             <a:endParaRPr lang="en-US"/>
           </a:p>
@@ -967,7 +968,7 @@
             <a:fld id="{5257B995-136A-4A15-87A5-26420C3C1021}" type="slidenum">
               <a:rPr lang="en-US" smtClean="0"/>
               <a:pPr/>
-              <a:t>6</a:t>
+              <a:t>7</a:t>
             </a:fld>
             <a:endParaRPr lang="en-US"/>
           </a:p>
@@ -1172,7 +1173,7 @@
           <a:p>
             <a:fld id="{4AAD347D-5ACD-4C99-B74B-A9C85AD731AF}" type="datetimeFigureOut">
               <a:rPr lang="en-US" smtClean="0"/>
-              <a:t>12/13/2015</a:t>
+              <a:t>12/14/2015</a:t>
             </a:fld>
             <a:endParaRPr lang="en-US"/>
           </a:p>
@@ -1442,7 +1443,7 @@
           <a:p>
             <a:fld id="{4509A250-FF31-4206-8172-F9D3106AACB1}" type="datetimeFigureOut">
               <a:rPr lang="en-US" smtClean="0"/>
-              <a:t>12/13/2015</a:t>
+              <a:t>12/14/2015</a:t>
             </a:fld>
             <a:endParaRPr lang="en-US" dirty="0"/>
           </a:p>
@@ -1564,7 +1565,7 @@
           <a:p>
             <a:fld id="{4509A250-FF31-4206-8172-F9D3106AACB1}" type="datetimeFigureOut">
               <a:rPr lang="en-US" smtClean="0"/>
-              <a:t>12/13/2015</a:t>
+              <a:t>12/14/2015</a:t>
             </a:fld>
             <a:endParaRPr lang="en-US" dirty="0"/>
           </a:p>
@@ -1753,7 +1754,7 @@
           <a:p>
             <a:fld id="{4509A250-FF31-4206-8172-F9D3106AACB1}" type="datetimeFigureOut">
               <a:rPr lang="en-US" smtClean="0"/>
-              <a:t>12/13/2015</a:t>
+              <a:t>12/14/2015</a:t>
             </a:fld>
             <a:endParaRPr lang="en-US" dirty="0"/>
           </a:p>
@@ -2204,7 +2205,7 @@
           <a:p>
             <a:fld id="{4509A250-FF31-4206-8172-F9D3106AACB1}" type="datetimeFigureOut">
               <a:rPr lang="en-US" smtClean="0"/>
-              <a:t>12/13/2015</a:t>
+              <a:t>12/14/2015</a:t>
             </a:fld>
             <a:endParaRPr lang="en-US" dirty="0"/>
           </a:p>
@@ -2326,7 +2327,7 @@
           <a:p>
             <a:fld id="{4509A250-FF31-4206-8172-F9D3106AACB1}" type="datetimeFigureOut">
               <a:rPr lang="en-US" smtClean="0"/>
-              <a:t>12/13/2015</a:t>
+              <a:t>12/14/2015</a:t>
             </a:fld>
             <a:endParaRPr lang="en-US" dirty="0"/>
           </a:p>
@@ -2621,7 +2622,7 @@
           <a:p>
             <a:fld id="{4509A250-FF31-4206-8172-F9D3106AACB1}" type="datetimeFigureOut">
               <a:rPr lang="en-US" smtClean="0"/>
-              <a:t>12/13/2015</a:t>
+              <a:t>12/14/2015</a:t>
             </a:fld>
             <a:endParaRPr lang="en-US" dirty="0"/>
           </a:p>
@@ -3383,7 +3384,7 @@
           <a:p>
             <a:fld id="{4509A250-FF31-4206-8172-F9D3106AACB1}" type="datetimeFigureOut">
               <a:rPr lang="en-US" smtClean="0"/>
-              <a:t>12/13/2015</a:t>
+              <a:t>12/14/2015</a:t>
             </a:fld>
             <a:endParaRPr lang="en-US" dirty="0"/>
           </a:p>
@@ -4238,7 +4239,7 @@
           <a:p>
             <a:fld id="{4509A250-FF31-4206-8172-F9D3106AACB1}" type="datetimeFigureOut">
               <a:rPr lang="en-US" smtClean="0"/>
-              <a:t>12/13/2015</a:t>
+              <a:t>12/14/2015</a:t>
             </a:fld>
             <a:endParaRPr lang="en-US" dirty="0"/>
           </a:p>
@@ -4403,7 +4404,7 @@
           <a:p>
             <a:fld id="{4509A250-FF31-4206-8172-F9D3106AACB1}" type="datetimeFigureOut">
               <a:rPr lang="en-US" smtClean="0"/>
-              <a:t>12/13/2015</a:t>
+              <a:t>12/14/2015</a:t>
             </a:fld>
             <a:endParaRPr lang="en-US" dirty="0"/>
           </a:p>
@@ -4578,7 +4579,7 @@
           <a:p>
             <a:fld id="{4509A250-FF31-4206-8172-F9D3106AACB1}" type="datetimeFigureOut">
               <a:rPr lang="en-US" smtClean="0"/>
-              <a:t>12/13/2015</a:t>
+              <a:t>12/14/2015</a:t>
             </a:fld>
             <a:endParaRPr lang="en-US" dirty="0"/>
           </a:p>
@@ -4743,7 +4744,7 @@
           <a:p>
             <a:fld id="{4509A250-FF31-4206-8172-F9D3106AACB1}" type="datetimeFigureOut">
               <a:rPr lang="en-US" smtClean="0"/>
-              <a:t>12/13/2015</a:t>
+              <a:t>12/14/2015</a:t>
             </a:fld>
             <a:endParaRPr lang="en-US" dirty="0"/>
           </a:p>
@@ -4985,7 +4986,7 @@
           <a:p>
             <a:fld id="{9796027F-7875-4030-9381-8BD8C4F21935}" type="datetimeFigureOut">
               <a:rPr lang="en-US" smtClean="0"/>
-              <a:t>12/13/2015</a:t>
+              <a:t>12/14/2015</a:t>
             </a:fld>
             <a:endParaRPr lang="en-US"/>
           </a:p>
@@ -5272,7 +5273,7 @@
           <a:p>
             <a:fld id="{9796027F-7875-4030-9381-8BD8C4F21935}" type="datetimeFigureOut">
               <a:rPr lang="en-US" smtClean="0"/>
-              <a:t>12/13/2015</a:t>
+              <a:t>12/14/2015</a:t>
             </a:fld>
             <a:endParaRPr lang="en-US"/>
           </a:p>
@@ -5711,7 +5712,7 @@
           <a:p>
             <a:fld id="{9796027F-7875-4030-9381-8BD8C4F21935}" type="datetimeFigureOut">
               <a:rPr lang="en-US" smtClean="0"/>
-              <a:t>12/13/2015</a:t>
+              <a:t>12/14/2015</a:t>
             </a:fld>
             <a:endParaRPr lang="en-US"/>
           </a:p>
@@ -5824,7 +5825,7 @@
           <a:p>
             <a:fld id="{4509A250-FF31-4206-8172-F9D3106AACB1}" type="datetimeFigureOut">
               <a:rPr lang="en-US" smtClean="0"/>
-              <a:t>12/13/2015</a:t>
+              <a:t>12/14/2015</a:t>
             </a:fld>
             <a:endParaRPr lang="en-US" dirty="0"/>
           </a:p>
@@ -5914,7 +5915,7 @@
           <a:p>
             <a:fld id="{4509A250-FF31-4206-8172-F9D3106AACB1}" type="datetimeFigureOut">
               <a:rPr lang="en-US" smtClean="0"/>
-              <a:t>12/13/2015</a:t>
+              <a:t>12/14/2015</a:t>
             </a:fld>
             <a:endParaRPr lang="en-US" dirty="0"/>
           </a:p>
@@ -6188,7 +6189,7 @@
           <a:p>
             <a:fld id="{4509A250-FF31-4206-8172-F9D3106AACB1}" type="datetimeFigureOut">
               <a:rPr lang="en-US" smtClean="0"/>
-              <a:t>12/13/2015</a:t>
+              <a:t>12/14/2015</a:t>
             </a:fld>
             <a:endParaRPr lang="en-US" dirty="0"/>
           </a:p>
@@ -6458,7 +6459,7 @@
           <a:p>
             <a:fld id="{4509A250-FF31-4206-8172-F9D3106AACB1}" type="datetimeFigureOut">
               <a:rPr lang="en-US" smtClean="0"/>
-              <a:t>12/13/2015</a:t>
+              <a:t>12/14/2015</a:t>
             </a:fld>
             <a:endParaRPr lang="en-US" dirty="0"/>
           </a:p>
@@ -6898,7 +6899,7 @@
           <a:p>
             <a:fld id="{4AAD347D-5ACD-4C99-B74B-A9C85AD731AF}" type="datetimeFigureOut">
               <a:rPr lang="en-US" smtClean="0"/>
-              <a:t>12/13/2015</a:t>
+              <a:t>12/14/2015</a:t>
             </a:fld>
             <a:endParaRPr lang="en-US"/>
           </a:p>
@@ -7536,9 +7537,6 @@
               </a:rPr>
               <a:t>Miroslav Kondić</a:t>
             </a:r>
-            <a:endParaRPr lang="sr-Latn-RS" sz="1800" cap="none" dirty="0" smtClean="0">
-              <a:latin typeface="+mn-lt"/>
-            </a:endParaRPr>
           </a:p>
           <a:p>
             <a:endParaRPr lang="en-US" sz="1800" cap="none" dirty="0" smtClean="0">
@@ -7729,7 +7727,7 @@
       </p:grpSpPr>
       <p:sp>
         <p:nvSpPr>
-          <p:cNvPr id="2" name="Rectangle 1"/>
+          <p:cNvPr id="2" name="Title 1"/>
           <p:cNvSpPr>
             <a:spLocks noGrp="1"/>
           </p:cNvSpPr>
@@ -7744,15 +7742,15 @@
           <a:p>
             <a:r>
               <a:rPr lang="sr-Latn-RS" dirty="0" smtClean="0"/>
-              <a:t>MOTIVACIJA</a:t>
-            </a:r>
-            <a:endParaRPr lang="en-US" dirty="0"/>
-          </a:p>
-        </p:txBody>
-      </p:sp>
-      <p:sp>
-        <p:nvSpPr>
-          <p:cNvPr id="3" name="Rectangle 2"/>
+              <a:t>Zadatak</a:t>
+            </a:r>
+            <a:endParaRPr lang="sr-Latn-RS" dirty="0"/>
+          </a:p>
+        </p:txBody>
+      </p:sp>
+      <p:sp>
+        <p:nvSpPr>
+          <p:cNvPr id="3" name="Content Placeholder 2"/>
           <p:cNvSpPr>
             <a:spLocks noGrp="1"/>
           </p:cNvSpPr>
@@ -7766,7 +7764,7 @@
           <a:lstStyle/>
           <a:p>
             <a:r>
-              <a:rPr lang="sr-Latn-RS" dirty="0" smtClean="0"/>
+              <a:rPr lang="sr-Latn-RS" dirty="0"/>
               <a:t>Kreiranje aplikacije koja ima mogućnost prepoznavanja rukom pisanih matematičkih izraza, koje druge aplikacije nisu </a:t>
             </a:r>
             <a:r>
@@ -7776,37 +7774,8 @@
           </a:p>
           <a:p>
             <a:r>
-              <a:rPr lang="sr-Latn-RS" dirty="0" smtClean="0"/>
-              <a:t>Izračunavanje prepoznatih matematičkih izraza</a:t>
-            </a:r>
-          </a:p>
-          <a:p>
-            <a:r>
               <a:rPr lang="sr-Latn-RS" dirty="0"/>
-              <a:t>Đ</a:t>
-            </a:r>
-            <a:r>
-              <a:rPr lang="sr-Latn-RS" dirty="0" smtClean="0"/>
-              <a:t>aci ga mogu koristiti kao alat za učenje matematike, dok ga roditelji mogu koristiti da brzo provere tačnost zadataka</a:t>
-            </a:r>
-          </a:p>
-          <a:p>
-            <a:r>
-              <a:rPr lang="sr-Latn-RS" dirty="0" smtClean="0"/>
-              <a:t>Podrška osnovnih matematičkih operacija(+, -, *, /)</a:t>
-            </a:r>
-            <a:endParaRPr lang="sr-Latn-RS" dirty="0" smtClean="0"/>
-          </a:p>
-          <a:p>
-            <a:r>
-              <a:rPr lang="sr-Latn-RS" dirty="0" smtClean="0"/>
-              <a:t>Skraćenje vremena izračunavanja složenijih matematičkih izraza</a:t>
-            </a:r>
-          </a:p>
-          <a:p>
-            <a:r>
-              <a:rPr lang="sr-Latn-RS" dirty="0" smtClean="0"/>
-              <a:t>Olakšavanje provere tačnosti nekog matematičkog </a:t>
+              <a:t>Izračunavanje prepoznatih matematičkih </a:t>
             </a:r>
             <a:r>
               <a:rPr lang="sr-Latn-RS" dirty="0" smtClean="0"/>
@@ -7815,25 +7784,51 @@
           </a:p>
           <a:p>
             <a:r>
+              <a:rPr lang="sr-Latn-RS" dirty="0"/>
+              <a:t>Podrška osnovnih matematičkih operacija(+, -, *, /)</a:t>
+            </a:r>
+          </a:p>
+          <a:p>
+            <a:r>
+              <a:rPr lang="sr-Latn-RS" dirty="0"/>
+              <a:t>Mogućnost provere rešenja korak po </a:t>
+            </a:r>
+            <a:r>
               <a:rPr lang="sr-Latn-RS" dirty="0" smtClean="0"/>
-              <a:t>Mogućnost provere rešenja korak po korak</a:t>
+              <a:t>korak</a:t>
+            </a:r>
+          </a:p>
+          <a:p>
+            <a:r>
+              <a:rPr lang="sr-Latn-RS" dirty="0" smtClean="0"/>
+              <a:t>Rešavanje složenijih matematičkih izraza</a:t>
             </a:r>
             <a:endParaRPr lang="en-US" dirty="0"/>
           </a:p>
+          <a:p>
+            <a:endParaRPr lang="sr-Latn-RS" dirty="0"/>
+          </a:p>
+          <a:p>
+            <a:pPr marL="0" indent="0">
+              <a:buNone/>
+            </a:pPr>
+            <a:endParaRPr lang="sr-Latn-RS" dirty="0"/>
+          </a:p>
+          <a:p>
+            <a:endParaRPr lang="sr-Latn-RS" dirty="0"/>
+          </a:p>
         </p:txBody>
       </p:sp>
     </p:spTree>
+    <p:extLst>
+      <p:ext uri="{BB962C8B-B14F-4D97-AF65-F5344CB8AC3E}">
+        <p14:creationId xmlns:p14="http://schemas.microsoft.com/office/powerpoint/2010/main" val="1377510958"/>
+      </p:ext>
+    </p:extLst>
   </p:cSld>
   <p:clrMapOvr>
     <a:masterClrMapping/>
   </p:clrMapOvr>
-  <p:timing>
-    <p:tnLst>
-      <p:par>
-        <p:cTn id="1" dur="indefinite" restart="never" nodeType="tmRoot"/>
-      </p:par>
-    </p:tnLst>
-  </p:timing>
 </p:sld>
 </file>
 
@@ -7871,7 +7866,7 @@
           <a:p>
             <a:r>
               <a:rPr lang="sr-Latn-RS" dirty="0" smtClean="0"/>
-              <a:t>Slična rešenja:</a:t>
+              <a:t>MOTIVACIJA</a:t>
             </a:r>
             <a:endParaRPr lang="en-US" dirty="0"/>
           </a:p>
@@ -7889,8 +7884,8 @@
         </p:nvSpPr>
         <p:spPr>
           <a:xfrm>
-            <a:off x="875201" y="1692310"/>
-            <a:ext cx="8946541" cy="4195481"/>
+            <a:off x="1104293" y="2439285"/>
+            <a:ext cx="8946541" cy="3227420"/>
           </a:xfrm>
         </p:spPr>
         <p:txBody>
@@ -7898,103 +7893,42 @@
           <a:lstStyle/>
           <a:p>
             <a:r>
-              <a:rPr lang="sr-Latn-RS" dirty="0"/>
-              <a:t>PhotoMath - </a:t>
-            </a:r>
-            <a:r>
-              <a:rPr lang="sr-Latn-RS" dirty="0">
-                <a:hlinkClick r:id="rId3"/>
-              </a:rPr>
-              <a:t>https://photomath.net/en</a:t>
-            </a:r>
-            <a:r>
-              <a:rPr lang="sr-Latn-RS" dirty="0" smtClean="0">
-                <a:hlinkClick r:id="rId3"/>
-              </a:rPr>
-              <a:t>/</a:t>
-            </a:r>
-            <a:r>
-              <a:rPr lang="sr-Latn-RS" b="1" dirty="0" smtClean="0"/>
-              <a:t> </a:t>
-            </a:r>
-          </a:p>
-          <a:p>
-            <a:pPr marL="0" indent="0">
-              <a:buNone/>
-            </a:pPr>
-            <a:r>
-              <a:rPr lang="sr-Latn-RS" b="1" dirty="0" smtClean="0"/>
-              <a:t>     	</a:t>
-            </a:r>
-            <a:r>
               <a:rPr lang="sr-Latn-RS" dirty="0" smtClean="0"/>
-              <a:t>Ne prepoznaje rukom pisane izraze, zagrade, trigonometrijske    	operacije...</a:t>
-            </a:r>
-          </a:p>
-          <a:p>
-            <a:r>
-              <a:rPr lang="sr-Latn-RS" dirty="0"/>
-              <a:t>AutoMath - </a:t>
-            </a:r>
-            <a:r>
-              <a:rPr lang="sr-Latn-RS" dirty="0">
-                <a:hlinkClick r:id="rId4"/>
-              </a:rPr>
-              <a:t>https://www.automathapp.com</a:t>
-            </a:r>
-            <a:r>
-              <a:rPr lang="sr-Latn-RS" dirty="0" smtClean="0">
-                <a:hlinkClick r:id="rId4"/>
-              </a:rPr>
-              <a:t>/</a:t>
+              <a:t>Može se </a:t>
+            </a:r>
+            <a:r>
+              <a:rPr lang="sr-Latn-RS" dirty="0" smtClean="0"/>
+              <a:t>koristiti kao alat za učenje matematike</a:t>
+            </a:r>
+            <a:r>
+              <a:rPr lang="sr-Latn-RS" dirty="0" smtClean="0"/>
+              <a:t>, kao i za brzu proveru </a:t>
+            </a:r>
+            <a:r>
+              <a:rPr lang="sr-Latn-RS" dirty="0" smtClean="0"/>
+              <a:t>tačnost zadataka</a:t>
+            </a:r>
+          </a:p>
+          <a:p>
+            <a:r>
+              <a:rPr lang="sr-Latn-RS" dirty="0" smtClean="0"/>
+              <a:t>Skraćenje </a:t>
+            </a:r>
+            <a:r>
+              <a:rPr lang="sr-Latn-RS" dirty="0" smtClean="0"/>
+              <a:t>vremena izračunavanja složenijih matematičkih izraza</a:t>
+            </a:r>
+          </a:p>
+          <a:p>
+            <a:r>
+              <a:rPr lang="sr-Latn-RS" dirty="0" smtClean="0"/>
+              <a:t>Olakšavanje provere tačnosti nekog matematičkog </a:t>
+            </a:r>
+            <a:r>
+              <a:rPr lang="sr-Latn-RS" dirty="0" smtClean="0"/>
+              <a:t>izraza</a:t>
             </a:r>
             <a:endParaRPr lang="sr-Latn-RS" dirty="0" smtClean="0"/>
-          </a:p>
-          <a:p>
-            <a:pPr marL="0" indent="0">
-              <a:buNone/>
-            </a:pPr>
-            <a:r>
-              <a:rPr lang="sr-Latn-RS" dirty="0"/>
-              <a:t>	</a:t>
-            </a:r>
-            <a:r>
-              <a:rPr lang="sr-Latn-RS" dirty="0" smtClean="0"/>
-              <a:t>Ne prepoznaje rukom pisane izraze, kompleksne razlomke</a:t>
-            </a:r>
-          </a:p>
-          <a:p>
-            <a:r>
-              <a:rPr lang="sr-Latn-RS" dirty="0"/>
-              <a:t>MyScript - </a:t>
-            </a:r>
-            <a:r>
-              <a:rPr lang="sr-Latn-RS" dirty="0">
-                <a:hlinkClick r:id="rId5"/>
-              </a:rPr>
-              <a:t>http://myscript.com/technology/technical-demonstrations</a:t>
-            </a:r>
-            <a:r>
-              <a:rPr lang="sr-Latn-RS" dirty="0" smtClean="0">
-                <a:hlinkClick r:id="rId5"/>
-              </a:rPr>
-              <a:t>/</a:t>
-            </a:r>
-            <a:endParaRPr lang="sr-Latn-RS" dirty="0" smtClean="0"/>
-          </a:p>
-          <a:p>
-            <a:pPr marL="0" indent="0">
-              <a:buNone/>
-            </a:pPr>
-            <a:r>
-              <a:rPr lang="sr-Latn-RS" dirty="0"/>
-              <a:t> </a:t>
-            </a:r>
-            <a:r>
-              <a:rPr lang="sr-Latn-RS" dirty="0" smtClean="0"/>
-              <a:t> 	Prepoznaje matematičke izraze koji su napisani direktno na ekranu</a:t>
-            </a:r>
-            <a:endParaRPr lang="en-US" dirty="0"/>
           </a:p>
         </p:txBody>
       </p:sp>
@@ -8014,6 +7948,182 @@
 </file>
 
 <file path=ppt/slides/slide4.xml><?xml version="1.0" encoding="utf-8"?>
+<p:sld xmlns:a="http://schemas.openxmlformats.org/drawingml/2006/main" xmlns:r="http://schemas.openxmlformats.org/officeDocument/2006/relationships" xmlns:p="http://schemas.openxmlformats.org/presentationml/2006/main">
+  <p:cSld>
+    <p:spTree>
+      <p:nvGrpSpPr>
+        <p:cNvPr id="1" name=""/>
+        <p:cNvGrpSpPr/>
+        <p:nvPr/>
+      </p:nvGrpSpPr>
+      <p:grpSpPr>
+        <a:xfrm>
+          <a:off x="0" y="0"/>
+          <a:ext cx="0" cy="0"/>
+          <a:chOff x="0" y="0"/>
+          <a:chExt cx="0" cy="0"/>
+        </a:xfrm>
+      </p:grpSpPr>
+      <p:sp>
+        <p:nvSpPr>
+          <p:cNvPr id="2" name="Rectangle 1"/>
+          <p:cNvSpPr>
+            <a:spLocks noGrp="1"/>
+          </p:cNvSpPr>
+          <p:nvPr>
+            <p:ph type="title"/>
+          </p:nvPr>
+        </p:nvSpPr>
+        <p:spPr/>
+        <p:txBody>
+          <a:bodyPr/>
+          <a:lstStyle/>
+          <a:p>
+            <a:r>
+              <a:rPr lang="sr-Latn-RS" dirty="0" smtClean="0"/>
+              <a:t>Slična rešenja:</a:t>
+            </a:r>
+            <a:endParaRPr lang="en-US" dirty="0"/>
+          </a:p>
+        </p:txBody>
+      </p:sp>
+      <p:sp>
+        <p:nvSpPr>
+          <p:cNvPr id="3" name="Rectangle 2"/>
+          <p:cNvSpPr>
+            <a:spLocks noGrp="1"/>
+          </p:cNvSpPr>
+          <p:nvPr>
+            <p:ph idx="1"/>
+          </p:nvPr>
+        </p:nvSpPr>
+        <p:spPr>
+          <a:xfrm>
+            <a:off x="875201" y="1692310"/>
+            <a:ext cx="8946541" cy="4195481"/>
+          </a:xfrm>
+        </p:spPr>
+        <p:txBody>
+          <a:bodyPr/>
+          <a:lstStyle/>
+          <a:p>
+            <a:r>
+              <a:rPr lang="sr-Latn-RS" dirty="0"/>
+              <a:t>PhotoMath - </a:t>
+            </a:r>
+            <a:r>
+              <a:rPr lang="sr-Latn-RS" dirty="0">
+                <a:hlinkClick r:id="rId3"/>
+              </a:rPr>
+              <a:t>https://photomath.net/en</a:t>
+            </a:r>
+            <a:r>
+              <a:rPr lang="sr-Latn-RS" dirty="0" smtClean="0">
+                <a:hlinkClick r:id="rId3"/>
+              </a:rPr>
+              <a:t>/</a:t>
+            </a:r>
+            <a:r>
+              <a:rPr lang="sr-Latn-RS" b="1" dirty="0" smtClean="0"/>
+              <a:t> </a:t>
+            </a:r>
+          </a:p>
+          <a:p>
+            <a:pPr marL="0" indent="0">
+              <a:buNone/>
+            </a:pPr>
+            <a:r>
+              <a:rPr lang="sr-Latn-RS" b="1" dirty="0" smtClean="0"/>
+              <a:t>     	</a:t>
+            </a:r>
+            <a:r>
+              <a:rPr lang="sr-Latn-RS" dirty="0" smtClean="0"/>
+              <a:t>Ne prepoznaje rukom pisane izraze, zagrade, trigonometrijske    	operacije...</a:t>
+            </a:r>
+          </a:p>
+          <a:p>
+            <a:r>
+              <a:rPr lang="sr-Latn-RS" dirty="0"/>
+              <a:t>AutoMath - </a:t>
+            </a:r>
+            <a:r>
+              <a:rPr lang="sr-Latn-RS" dirty="0">
+                <a:hlinkClick r:id="rId4"/>
+              </a:rPr>
+              <a:t>https://www.automathapp.com</a:t>
+            </a:r>
+            <a:r>
+              <a:rPr lang="sr-Latn-RS" dirty="0" smtClean="0">
+                <a:hlinkClick r:id="rId4"/>
+              </a:rPr>
+              <a:t>/</a:t>
+            </a:r>
+            <a:endParaRPr lang="sr-Latn-RS" dirty="0" smtClean="0"/>
+          </a:p>
+          <a:p>
+            <a:pPr marL="0" indent="0">
+              <a:buNone/>
+            </a:pPr>
+            <a:r>
+              <a:rPr lang="sr-Latn-RS" dirty="0"/>
+              <a:t>	</a:t>
+            </a:r>
+            <a:r>
+              <a:rPr lang="sr-Latn-RS" dirty="0" smtClean="0"/>
+              <a:t>Ne prepoznaje rukom pisane izraze, kompleksne razlomke</a:t>
+            </a:r>
+          </a:p>
+          <a:p>
+            <a:r>
+              <a:rPr lang="sr-Latn-RS" dirty="0"/>
+              <a:t>MyScript - </a:t>
+            </a:r>
+            <a:r>
+              <a:rPr lang="sr-Latn-RS" dirty="0">
+                <a:hlinkClick r:id="rId5"/>
+              </a:rPr>
+              <a:t>http://myscript.com/technology/technical-demonstrations</a:t>
+            </a:r>
+            <a:r>
+              <a:rPr lang="sr-Latn-RS" dirty="0" smtClean="0">
+                <a:hlinkClick r:id="rId5"/>
+              </a:rPr>
+              <a:t>/</a:t>
+            </a:r>
+            <a:endParaRPr lang="sr-Latn-RS" dirty="0" smtClean="0"/>
+          </a:p>
+          <a:p>
+            <a:pPr marL="0" indent="0">
+              <a:buNone/>
+            </a:pPr>
+            <a:r>
+              <a:rPr lang="sr-Latn-RS" dirty="0"/>
+              <a:t> </a:t>
+            </a:r>
+            <a:r>
+              <a:rPr lang="sr-Latn-RS" dirty="0" smtClean="0"/>
+              <a:t> 	Prepoznaje matematičke izraze koji su napisani direktno na ekranu</a:t>
+            </a:r>
+            <a:endParaRPr lang="en-US" dirty="0"/>
+          </a:p>
+        </p:txBody>
+      </p:sp>
+    </p:spTree>
+  </p:cSld>
+  <p:clrMapOvr>
+    <a:masterClrMapping/>
+  </p:clrMapOvr>
+  <p:timing>
+    <p:tnLst>
+      <p:par>
+        <p:cTn id="1" dur="indefinite" restart="never" nodeType="tmRoot"/>
+      </p:par>
+    </p:tnLst>
+  </p:timing>
+</p:sld>
+</file>
+
+<file path=ppt/slides/slide5.xml><?xml version="1.0" encoding="utf-8"?>
 <p:sld xmlns:a="http://schemas.openxmlformats.org/drawingml/2006/main" xmlns:r="http://schemas.openxmlformats.org/officeDocument/2006/relationships" xmlns:p="http://schemas.openxmlformats.org/presentationml/2006/main">
   <p:cSld>
     <p:spTree>
@@ -8311,7 +8421,7 @@
 </p:sld>
 </file>
 
-<file path=ppt/slides/slide5.xml><?xml version="1.0" encoding="utf-8"?>
+<file path=ppt/slides/slide6.xml><?xml version="1.0" encoding="utf-8"?>
 <p:sld xmlns:a="http://schemas.openxmlformats.org/drawingml/2006/main" xmlns:r="http://schemas.openxmlformats.org/officeDocument/2006/relationships" xmlns:p="http://schemas.openxmlformats.org/presentationml/2006/main">
   <p:cSld>
     <p:spTree>
@@ -8336,7 +8446,7 @@
         </p:nvSpPr>
         <p:spPr>
           <a:xfrm>
-            <a:off x="1120341" y="1227438"/>
+            <a:off x="1177513" y="2102620"/>
             <a:ext cx="1968843" cy="626076"/>
           </a:xfrm>
           <a:prstGeom prst="roundRect">
@@ -8364,7 +8474,11 @@
             <a:pPr algn="ctr"/>
             <a:r>
               <a:rPr lang="sr-Latn-RS" sz="1200" dirty="0" smtClean="0"/>
-              <a:t>Učitavanje slike</a:t>
+              <a:t>Učitavanje </a:t>
+            </a:r>
+            <a:r>
+              <a:rPr lang="sr-Latn-RS" sz="1200" dirty="0" smtClean="0"/>
+              <a:t>slike</a:t>
             </a:r>
             <a:endParaRPr lang="en-US" sz="1200" dirty="0"/>
           </a:p>
@@ -8372,14 +8486,147 @@
       </p:sp>
       <p:sp>
         <p:nvSpPr>
-          <p:cNvPr id="4" name="Down Arrow 3"/>
+          <p:cNvPr id="10" name="Rounded Rectangle 9"/>
           <p:cNvSpPr/>
           <p:nvPr/>
         </p:nvSpPr>
         <p:spPr>
           <a:xfrm>
-            <a:off x="1958543" y="1853514"/>
-            <a:ext cx="292445" cy="486032"/>
+            <a:off x="1186781" y="3110653"/>
+            <a:ext cx="1968843" cy="626076"/>
+          </a:xfrm>
+          <a:prstGeom prst="roundRect">
+            <a:avLst/>
+          </a:prstGeom>
+        </p:spPr>
+        <p:style>
+          <a:lnRef idx="2">
+            <a:schemeClr val="accent1"/>
+          </a:lnRef>
+          <a:fillRef idx="1">
+            <a:schemeClr val="lt1"/>
+          </a:fillRef>
+          <a:effectRef idx="0">
+            <a:schemeClr val="accent1"/>
+          </a:effectRef>
+          <a:fontRef idx="minor">
+            <a:schemeClr val="dk1"/>
+          </a:fontRef>
+        </p:style>
+        <p:txBody>
+          <a:bodyPr rtlCol="0" anchor="ctr"/>
+          <a:lstStyle/>
+          <a:p>
+            <a:pPr algn="ctr"/>
+            <a:r>
+              <a:rPr lang="sr-Latn-RS" sz="1200" dirty="0" smtClean="0"/>
+              <a:t>Procesiranje slike</a:t>
+            </a:r>
+          </a:p>
+          <a:p>
+            <a:pPr algn="ctr"/>
+            <a:r>
+              <a:rPr lang="sr-Latn-RS" sz="1200" dirty="0" smtClean="0"/>
+              <a:t>(uklanjanje šuma i anomalija)</a:t>
+            </a:r>
+            <a:endParaRPr lang="en-US" sz="1200" dirty="0"/>
+          </a:p>
+        </p:txBody>
+      </p:sp>
+      <p:sp>
+        <p:nvSpPr>
+          <p:cNvPr id="11" name="Rounded Rectangle 10"/>
+          <p:cNvSpPr/>
+          <p:nvPr/>
+        </p:nvSpPr>
+        <p:spPr>
+          <a:xfrm>
+            <a:off x="1186782" y="4124401"/>
+            <a:ext cx="1968843" cy="626076"/>
+          </a:xfrm>
+          <a:prstGeom prst="roundRect">
+            <a:avLst/>
+          </a:prstGeom>
+        </p:spPr>
+        <p:style>
+          <a:lnRef idx="2">
+            <a:schemeClr val="accent1"/>
+          </a:lnRef>
+          <a:fillRef idx="1">
+            <a:schemeClr val="lt1"/>
+          </a:fillRef>
+          <a:effectRef idx="0">
+            <a:schemeClr val="accent1"/>
+          </a:effectRef>
+          <a:fontRef idx="minor">
+            <a:schemeClr val="dk1"/>
+          </a:fontRef>
+        </p:style>
+        <p:txBody>
+          <a:bodyPr rtlCol="0" anchor="ctr"/>
+          <a:lstStyle/>
+          <a:p>
+            <a:pPr algn="ctr"/>
+            <a:r>
+              <a:rPr lang="sr-Latn-RS" sz="1050" dirty="0" smtClean="0"/>
+              <a:t>Segmentacija i izvlačenje potrebnih delova slike(brojevi i operacije)</a:t>
+            </a:r>
+            <a:endParaRPr lang="en-US" sz="1050" dirty="0"/>
+          </a:p>
+        </p:txBody>
+      </p:sp>
+      <p:sp>
+        <p:nvSpPr>
+          <p:cNvPr id="13" name="Rounded Rectangle 12"/>
+          <p:cNvSpPr/>
+          <p:nvPr/>
+        </p:nvSpPr>
+        <p:spPr>
+          <a:xfrm>
+            <a:off x="1177514" y="5126720"/>
+            <a:ext cx="1968843" cy="626076"/>
+          </a:xfrm>
+          <a:prstGeom prst="roundRect">
+            <a:avLst/>
+          </a:prstGeom>
+        </p:spPr>
+        <p:style>
+          <a:lnRef idx="2">
+            <a:schemeClr val="accent1"/>
+          </a:lnRef>
+          <a:fillRef idx="1">
+            <a:schemeClr val="lt1"/>
+          </a:fillRef>
+          <a:effectRef idx="0">
+            <a:schemeClr val="accent1"/>
+          </a:effectRef>
+          <a:fontRef idx="minor">
+            <a:schemeClr val="dk1"/>
+          </a:fontRef>
+        </p:style>
+        <p:txBody>
+          <a:bodyPr rtlCol="0" anchor="ctr"/>
+          <a:lstStyle/>
+          <a:p>
+            <a:pPr algn="ctr"/>
+            <a:r>
+              <a:rPr lang="sr-Latn-RS" sz="1200" dirty="0" smtClean="0"/>
+              <a:t>Prepoznavanje izraza</a:t>
+            </a:r>
+            <a:endParaRPr lang="en-US" sz="1200" dirty="0"/>
+          </a:p>
+        </p:txBody>
+      </p:sp>
+      <p:sp>
+        <p:nvSpPr>
+          <p:cNvPr id="15" name="Down Arrow 14"/>
+          <p:cNvSpPr/>
+          <p:nvPr/>
+        </p:nvSpPr>
+        <p:spPr>
+          <a:xfrm>
+            <a:off x="1989807" y="5752796"/>
+            <a:ext cx="273911" cy="373835"/>
           </a:xfrm>
           <a:prstGeom prst="downArrow">
             <a:avLst/>
@@ -8417,281 +8664,13 @@
       </p:sp>
       <p:sp>
         <p:nvSpPr>
-          <p:cNvPr id="10" name="Rounded Rectangle 9"/>
-          <p:cNvSpPr/>
-          <p:nvPr/>
-        </p:nvSpPr>
-        <p:spPr>
-          <a:xfrm>
-            <a:off x="1120343" y="2339546"/>
-            <a:ext cx="1968843" cy="626076"/>
-          </a:xfrm>
-          <a:prstGeom prst="roundRect">
-            <a:avLst/>
-          </a:prstGeom>
-        </p:spPr>
-        <p:style>
-          <a:lnRef idx="2">
-            <a:schemeClr val="accent1"/>
-          </a:lnRef>
-          <a:fillRef idx="1">
-            <a:schemeClr val="lt1"/>
-          </a:fillRef>
-          <a:effectRef idx="0">
-            <a:schemeClr val="accent1"/>
-          </a:effectRef>
-          <a:fontRef idx="minor">
-            <a:schemeClr val="dk1"/>
-          </a:fontRef>
-        </p:style>
-        <p:txBody>
-          <a:bodyPr rtlCol="0" anchor="ctr"/>
-          <a:lstStyle/>
-          <a:p>
-            <a:pPr algn="ctr"/>
-            <a:r>
-              <a:rPr lang="sr-Latn-RS" sz="1200" dirty="0" smtClean="0"/>
-              <a:t>Procesiranje slike</a:t>
-            </a:r>
-          </a:p>
-          <a:p>
-            <a:pPr algn="ctr"/>
-            <a:r>
-              <a:rPr lang="sr-Latn-RS" sz="1200" dirty="0" smtClean="0"/>
-              <a:t>(uklanjanje šuma i anomalija)</a:t>
-            </a:r>
-            <a:endParaRPr lang="en-US" sz="1200" dirty="0"/>
-          </a:p>
-        </p:txBody>
-      </p:sp>
-      <p:sp>
-        <p:nvSpPr>
-          <p:cNvPr id="11" name="Rounded Rectangle 10"/>
-          <p:cNvSpPr/>
-          <p:nvPr/>
-        </p:nvSpPr>
-        <p:spPr>
-          <a:xfrm>
-            <a:off x="1120342" y="3451654"/>
-            <a:ext cx="1968843" cy="626076"/>
-          </a:xfrm>
-          <a:prstGeom prst="roundRect">
-            <a:avLst/>
-          </a:prstGeom>
-        </p:spPr>
-        <p:style>
-          <a:lnRef idx="2">
-            <a:schemeClr val="accent1"/>
-          </a:lnRef>
-          <a:fillRef idx="1">
-            <a:schemeClr val="lt1"/>
-          </a:fillRef>
-          <a:effectRef idx="0">
-            <a:schemeClr val="accent1"/>
-          </a:effectRef>
-          <a:fontRef idx="minor">
-            <a:schemeClr val="dk1"/>
-          </a:fontRef>
-        </p:style>
-        <p:txBody>
-          <a:bodyPr rtlCol="0" anchor="ctr"/>
-          <a:lstStyle/>
-          <a:p>
-            <a:pPr algn="ctr"/>
-            <a:r>
-              <a:rPr lang="sr-Latn-RS" sz="1050" dirty="0" smtClean="0"/>
-              <a:t>Segmentacija i izvlačenje potrebnih delova slike(brojevi i operacije)</a:t>
-            </a:r>
-            <a:endParaRPr lang="en-US" sz="1050" dirty="0"/>
-          </a:p>
-        </p:txBody>
-      </p:sp>
-      <p:sp>
-        <p:nvSpPr>
-          <p:cNvPr id="12" name="Down Arrow 11"/>
-          <p:cNvSpPr/>
-          <p:nvPr/>
-        </p:nvSpPr>
-        <p:spPr>
-          <a:xfrm>
-            <a:off x="1977077" y="2965622"/>
-            <a:ext cx="292445" cy="486032"/>
-          </a:xfrm>
-          <a:prstGeom prst="downArrow">
-            <a:avLst/>
-          </a:prstGeom>
-          <a:solidFill>
-            <a:schemeClr val="tx1">
-              <a:lumMod val="65000"/>
-            </a:schemeClr>
-          </a:solidFill>
-        </p:spPr>
-        <p:style>
-          <a:lnRef idx="2">
-            <a:schemeClr val="accent1">
-              <a:shade val="50000"/>
-            </a:schemeClr>
-          </a:lnRef>
-          <a:fillRef idx="1">
-            <a:schemeClr val="accent1"/>
-          </a:fillRef>
-          <a:effectRef idx="0">
-            <a:schemeClr val="accent1"/>
-          </a:effectRef>
-          <a:fontRef idx="minor">
-            <a:schemeClr val="lt1"/>
-          </a:fontRef>
-        </p:style>
-        <p:txBody>
-          <a:bodyPr rtlCol="0" anchor="ctr"/>
-          <a:lstStyle/>
-          <a:p>
-            <a:pPr algn="ctr"/>
-            <a:endParaRPr lang="en-US"/>
-          </a:p>
-        </p:txBody>
-      </p:sp>
-      <p:sp>
-        <p:nvSpPr>
-          <p:cNvPr id="13" name="Rounded Rectangle 12"/>
-          <p:cNvSpPr/>
-          <p:nvPr/>
-        </p:nvSpPr>
-        <p:spPr>
-          <a:xfrm>
-            <a:off x="1138877" y="4563762"/>
-            <a:ext cx="1968843" cy="626076"/>
-          </a:xfrm>
-          <a:prstGeom prst="roundRect">
-            <a:avLst/>
-          </a:prstGeom>
-        </p:spPr>
-        <p:style>
-          <a:lnRef idx="2">
-            <a:schemeClr val="accent1"/>
-          </a:lnRef>
-          <a:fillRef idx="1">
-            <a:schemeClr val="lt1"/>
-          </a:fillRef>
-          <a:effectRef idx="0">
-            <a:schemeClr val="accent1"/>
-          </a:effectRef>
-          <a:fontRef idx="minor">
-            <a:schemeClr val="dk1"/>
-          </a:fontRef>
-        </p:style>
-        <p:txBody>
-          <a:bodyPr rtlCol="0" anchor="ctr"/>
-          <a:lstStyle/>
-          <a:p>
-            <a:pPr algn="ctr"/>
-            <a:r>
-              <a:rPr lang="sr-Latn-RS" sz="1200" dirty="0" smtClean="0"/>
-              <a:t>Prepoznavanje izraza</a:t>
-            </a:r>
-            <a:endParaRPr lang="en-US" sz="1200" dirty="0"/>
-          </a:p>
-        </p:txBody>
-      </p:sp>
-      <p:sp>
-        <p:nvSpPr>
-          <p:cNvPr id="14" name="Down Arrow 13"/>
-          <p:cNvSpPr/>
-          <p:nvPr/>
-        </p:nvSpPr>
-        <p:spPr>
-          <a:xfrm>
-            <a:off x="1977077" y="4077730"/>
-            <a:ext cx="292445" cy="486032"/>
-          </a:xfrm>
-          <a:prstGeom prst="downArrow">
-            <a:avLst/>
-          </a:prstGeom>
-          <a:solidFill>
-            <a:schemeClr val="tx1">
-              <a:lumMod val="65000"/>
-            </a:schemeClr>
-          </a:solidFill>
-        </p:spPr>
-        <p:style>
-          <a:lnRef idx="2">
-            <a:schemeClr val="accent1">
-              <a:shade val="50000"/>
-            </a:schemeClr>
-          </a:lnRef>
-          <a:fillRef idx="1">
-            <a:schemeClr val="accent1"/>
-          </a:fillRef>
-          <a:effectRef idx="0">
-            <a:schemeClr val="accent1"/>
-          </a:effectRef>
-          <a:fontRef idx="minor">
-            <a:schemeClr val="lt1"/>
-          </a:fontRef>
-        </p:style>
-        <p:txBody>
-          <a:bodyPr rtlCol="0" anchor="ctr"/>
-          <a:lstStyle/>
-          <a:p>
-            <a:pPr algn="ctr"/>
-            <a:endParaRPr lang="en-US"/>
-          </a:p>
-        </p:txBody>
-      </p:sp>
-      <p:sp>
-        <p:nvSpPr>
-          <p:cNvPr id="15" name="Down Arrow 14"/>
-          <p:cNvSpPr/>
-          <p:nvPr/>
-        </p:nvSpPr>
-        <p:spPr>
-          <a:xfrm>
-            <a:off x="1977077" y="5189838"/>
-            <a:ext cx="292445" cy="486032"/>
-          </a:xfrm>
-          <a:prstGeom prst="downArrow">
-            <a:avLst/>
-          </a:prstGeom>
-          <a:solidFill>
-            <a:schemeClr val="tx1">
-              <a:lumMod val="65000"/>
-            </a:schemeClr>
-          </a:solidFill>
-        </p:spPr>
-        <p:style>
-          <a:lnRef idx="2">
-            <a:schemeClr val="accent1">
-              <a:shade val="50000"/>
-            </a:schemeClr>
-          </a:lnRef>
-          <a:fillRef idx="1">
-            <a:schemeClr val="accent1"/>
-          </a:fillRef>
-          <a:effectRef idx="0">
-            <a:schemeClr val="accent1"/>
-          </a:effectRef>
-          <a:fontRef idx="minor">
-            <a:schemeClr val="lt1"/>
-          </a:fontRef>
-        </p:style>
-        <p:txBody>
-          <a:bodyPr rtlCol="0" anchor="ctr"/>
-          <a:lstStyle/>
-          <a:p>
-            <a:pPr algn="ctr"/>
-            <a:endParaRPr lang="en-US"/>
-          </a:p>
-        </p:txBody>
-      </p:sp>
-      <p:sp>
-        <p:nvSpPr>
           <p:cNvPr id="16" name="Rounded Rectangle 15"/>
           <p:cNvSpPr/>
           <p:nvPr/>
         </p:nvSpPr>
         <p:spPr>
           <a:xfrm>
-            <a:off x="1138877" y="5675870"/>
+            <a:off x="1177514" y="6126631"/>
             <a:ext cx="1968843" cy="626076"/>
           </a:xfrm>
           <a:prstGeom prst="roundRect">
@@ -8825,46 +8804,6 @@
           </a:p>
         </p:txBody>
       </p:sp>
-      <p:cxnSp>
-        <p:nvCxnSpPr>
-          <p:cNvPr id="20" name="Elbow Connector 19"/>
-          <p:cNvCxnSpPr/>
-          <p:nvPr/>
-        </p:nvCxnSpPr>
-        <p:spPr>
-          <a:xfrm flipH="1" flipV="1">
-            <a:off x="3107720" y="1540476"/>
-            <a:ext cx="18536" cy="4448432"/>
-          </a:xfrm>
-          <a:prstGeom prst="bentConnector3">
-            <a:avLst>
-              <a:gd name="adj1" fmla="val -1233276"/>
-            </a:avLst>
-          </a:prstGeom>
-          <a:ln>
-            <a:solidFill>
-              <a:schemeClr val="tx1">
-                <a:lumMod val="65000"/>
-              </a:schemeClr>
-            </a:solidFill>
-            <a:tailEnd type="triangle"/>
-          </a:ln>
-        </p:spPr>
-        <p:style>
-          <a:lnRef idx="3">
-            <a:schemeClr val="accent6"/>
-          </a:lnRef>
-          <a:fillRef idx="0">
-            <a:schemeClr val="accent6"/>
-          </a:fillRef>
-          <a:effectRef idx="2">
-            <a:schemeClr val="accent6"/>
-          </a:effectRef>
-          <a:fontRef idx="minor">
-            <a:schemeClr val="tx1"/>
-          </a:fontRef>
-        </p:style>
-      </p:cxnSp>
       <p:sp>
         <p:nvSpPr>
           <p:cNvPr id="28" name="Rectangle 2"/>
@@ -9156,6 +9095,271 @@
           </a:p>
         </p:txBody>
       </p:sp>
+      <p:sp>
+        <p:nvSpPr>
+          <p:cNvPr id="17" name="Rounded Rectangle 16"/>
+          <p:cNvSpPr/>
+          <p:nvPr/>
+        </p:nvSpPr>
+        <p:spPr>
+          <a:xfrm>
+            <a:off x="1185064" y="1093592"/>
+            <a:ext cx="1968843" cy="626076"/>
+          </a:xfrm>
+          <a:prstGeom prst="roundRect">
+            <a:avLst/>
+          </a:prstGeom>
+        </p:spPr>
+        <p:style>
+          <a:lnRef idx="2">
+            <a:schemeClr val="accent1"/>
+          </a:lnRef>
+          <a:fillRef idx="1">
+            <a:schemeClr val="lt1"/>
+          </a:fillRef>
+          <a:effectRef idx="0">
+            <a:schemeClr val="accent1"/>
+          </a:effectRef>
+          <a:fontRef idx="minor">
+            <a:schemeClr val="dk1"/>
+          </a:fontRef>
+        </p:style>
+        <p:txBody>
+          <a:bodyPr rtlCol="0" anchor="ctr"/>
+          <a:lstStyle/>
+          <a:p>
+            <a:pPr algn="ctr"/>
+            <a:r>
+              <a:rPr lang="sr-Latn-RS" sz="1200" dirty="0" smtClean="0"/>
+              <a:t>Obučavanje neuronske mreže</a:t>
+            </a:r>
+            <a:endParaRPr lang="en-US" sz="1200" dirty="0"/>
+          </a:p>
+        </p:txBody>
+      </p:sp>
+      <p:sp>
+        <p:nvSpPr>
+          <p:cNvPr id="19" name="Down Arrow 18"/>
+          <p:cNvSpPr/>
+          <p:nvPr/>
+        </p:nvSpPr>
+        <p:spPr>
+          <a:xfrm>
+            <a:off x="1989806" y="3748158"/>
+            <a:ext cx="273911" cy="373835"/>
+          </a:xfrm>
+          <a:prstGeom prst="downArrow">
+            <a:avLst/>
+          </a:prstGeom>
+          <a:solidFill>
+            <a:schemeClr val="tx1">
+              <a:lumMod val="65000"/>
+            </a:schemeClr>
+          </a:solidFill>
+        </p:spPr>
+        <p:style>
+          <a:lnRef idx="2">
+            <a:schemeClr val="accent1">
+              <a:shade val="50000"/>
+            </a:schemeClr>
+          </a:lnRef>
+          <a:fillRef idx="1">
+            <a:schemeClr val="accent1"/>
+          </a:fillRef>
+          <a:effectRef idx="0">
+            <a:schemeClr val="accent1"/>
+          </a:effectRef>
+          <a:fontRef idx="minor">
+            <a:schemeClr val="lt1"/>
+          </a:fontRef>
+        </p:style>
+        <p:txBody>
+          <a:bodyPr rtlCol="0" anchor="ctr"/>
+          <a:lstStyle/>
+          <a:p>
+            <a:pPr algn="ctr"/>
+            <a:endParaRPr lang="en-US"/>
+          </a:p>
+        </p:txBody>
+      </p:sp>
+      <p:sp>
+        <p:nvSpPr>
+          <p:cNvPr id="21" name="Down Arrow 20"/>
+          <p:cNvSpPr/>
+          <p:nvPr/>
+        </p:nvSpPr>
+        <p:spPr>
+          <a:xfrm>
+            <a:off x="1982996" y="4752885"/>
+            <a:ext cx="273911" cy="373835"/>
+          </a:xfrm>
+          <a:prstGeom prst="downArrow">
+            <a:avLst/>
+          </a:prstGeom>
+          <a:solidFill>
+            <a:schemeClr val="tx1">
+              <a:lumMod val="65000"/>
+            </a:schemeClr>
+          </a:solidFill>
+        </p:spPr>
+        <p:style>
+          <a:lnRef idx="2">
+            <a:schemeClr val="accent1">
+              <a:shade val="50000"/>
+            </a:schemeClr>
+          </a:lnRef>
+          <a:fillRef idx="1">
+            <a:schemeClr val="accent1"/>
+          </a:fillRef>
+          <a:effectRef idx="0">
+            <a:schemeClr val="accent1"/>
+          </a:effectRef>
+          <a:fontRef idx="minor">
+            <a:schemeClr val="lt1"/>
+          </a:fontRef>
+        </p:style>
+        <p:txBody>
+          <a:bodyPr rtlCol="0" anchor="ctr"/>
+          <a:lstStyle/>
+          <a:p>
+            <a:pPr algn="ctr"/>
+            <a:endParaRPr lang="en-US"/>
+          </a:p>
+        </p:txBody>
+      </p:sp>
+      <p:sp>
+        <p:nvSpPr>
+          <p:cNvPr id="22" name="Down Arrow 21"/>
+          <p:cNvSpPr/>
+          <p:nvPr/>
+        </p:nvSpPr>
+        <p:spPr>
+          <a:xfrm>
+            <a:off x="1994531" y="2743433"/>
+            <a:ext cx="273911" cy="373835"/>
+          </a:xfrm>
+          <a:prstGeom prst="downArrow">
+            <a:avLst/>
+          </a:prstGeom>
+          <a:solidFill>
+            <a:schemeClr val="tx1">
+              <a:lumMod val="65000"/>
+            </a:schemeClr>
+          </a:solidFill>
+        </p:spPr>
+        <p:style>
+          <a:lnRef idx="2">
+            <a:schemeClr val="accent1">
+              <a:shade val="50000"/>
+            </a:schemeClr>
+          </a:lnRef>
+          <a:fillRef idx="1">
+            <a:schemeClr val="accent1"/>
+          </a:fillRef>
+          <a:effectRef idx="0">
+            <a:schemeClr val="accent1"/>
+          </a:effectRef>
+          <a:fontRef idx="minor">
+            <a:schemeClr val="lt1"/>
+          </a:fontRef>
+        </p:style>
+        <p:txBody>
+          <a:bodyPr rtlCol="0" anchor="ctr"/>
+          <a:lstStyle/>
+          <a:p>
+            <a:pPr algn="ctr"/>
+            <a:endParaRPr lang="en-US"/>
+          </a:p>
+        </p:txBody>
+      </p:sp>
+      <p:sp>
+        <p:nvSpPr>
+          <p:cNvPr id="23" name="Down Arrow 22"/>
+          <p:cNvSpPr/>
+          <p:nvPr/>
+        </p:nvSpPr>
+        <p:spPr>
+          <a:xfrm>
+            <a:off x="1982995" y="1728525"/>
+            <a:ext cx="273911" cy="373835"/>
+          </a:xfrm>
+          <a:prstGeom prst="downArrow">
+            <a:avLst/>
+          </a:prstGeom>
+          <a:solidFill>
+            <a:schemeClr val="tx1">
+              <a:lumMod val="65000"/>
+            </a:schemeClr>
+          </a:solidFill>
+        </p:spPr>
+        <p:style>
+          <a:lnRef idx="2">
+            <a:schemeClr val="accent1">
+              <a:shade val="50000"/>
+            </a:schemeClr>
+          </a:lnRef>
+          <a:fillRef idx="1">
+            <a:schemeClr val="accent1"/>
+          </a:fillRef>
+          <a:effectRef idx="0">
+            <a:schemeClr val="accent1"/>
+          </a:effectRef>
+          <a:fontRef idx="minor">
+            <a:schemeClr val="lt1"/>
+          </a:fontRef>
+        </p:style>
+        <p:txBody>
+          <a:bodyPr rtlCol="0" anchor="ctr"/>
+          <a:lstStyle/>
+          <a:p>
+            <a:pPr algn="ctr"/>
+            <a:endParaRPr lang="en-US"/>
+          </a:p>
+        </p:txBody>
+      </p:sp>
+      <p:cxnSp>
+        <p:nvCxnSpPr>
+          <p:cNvPr id="24" name="Elbow Connector 23"/>
+          <p:cNvCxnSpPr>
+            <a:stCxn id="16" idx="3"/>
+            <a:endCxn id="2" idx="3"/>
+          </p:cNvCxnSpPr>
+          <p:nvPr/>
+        </p:nvCxnSpPr>
+        <p:spPr>
+          <a:xfrm flipH="1" flipV="1">
+            <a:off x="3146356" y="2415658"/>
+            <a:ext cx="1" cy="4024011"/>
+          </a:xfrm>
+          <a:prstGeom prst="bentConnector3">
+            <a:avLst>
+              <a:gd name="adj1" fmla="val -22860000000"/>
+            </a:avLst>
+          </a:prstGeom>
+          <a:ln>
+            <a:solidFill>
+              <a:schemeClr val="tx1">
+                <a:lumMod val="65000"/>
+              </a:schemeClr>
+            </a:solidFill>
+            <a:tailEnd type="triangle"/>
+          </a:ln>
+        </p:spPr>
+        <p:style>
+          <a:lnRef idx="3">
+            <a:schemeClr val="dk1"/>
+          </a:lnRef>
+          <a:fillRef idx="0">
+            <a:schemeClr val="dk1"/>
+          </a:fillRef>
+          <a:effectRef idx="2">
+            <a:schemeClr val="dk1"/>
+          </a:effectRef>
+          <a:fontRef idx="minor">
+            <a:schemeClr val="tx1"/>
+          </a:fontRef>
+        </p:style>
+      </p:cxnSp>
     </p:spTree>
     <p:extLst>
       <p:ext uri="{BB962C8B-B14F-4D97-AF65-F5344CB8AC3E}">
@@ -9176,7 +9380,7 @@
 </p:sld>
 </file>
 
-<file path=ppt/slides/slide6.xml><?xml version="1.0" encoding="utf-8"?>
+<file path=ppt/slides/slide7.xml><?xml version="1.0" encoding="utf-8"?>
 <p:sld xmlns:a="http://schemas.openxmlformats.org/drawingml/2006/main" xmlns:r="http://schemas.openxmlformats.org/officeDocument/2006/relationships" xmlns:p="http://schemas.openxmlformats.org/presentationml/2006/main">
   <p:cSld>
     <p:spTree>

--- a/photo_calculator.pptx
+++ b/photo_calculator.pptx
@@ -5,10 +5,10 @@
     <p:sldMasterId id="2147483648" r:id="rId2"/>
   </p:sldMasterIdLst>
   <p:notesMasterIdLst>
-    <p:notesMasterId r:id="rId10"/>
+    <p:notesMasterId r:id="rId13"/>
   </p:notesMasterIdLst>
   <p:handoutMasterIdLst>
-    <p:handoutMasterId r:id="rId11"/>
+    <p:handoutMasterId r:id="rId14"/>
   </p:handoutMasterIdLst>
   <p:sldIdLst>
     <p:sldId id="257" r:id="rId3"/>
@@ -18,6 +18,9 @@
     <p:sldId id="264" r:id="rId7"/>
     <p:sldId id="265" r:id="rId8"/>
     <p:sldId id="262" r:id="rId9"/>
+    <p:sldId id="267" r:id="rId10"/>
+    <p:sldId id="269" r:id="rId11"/>
+    <p:sldId id="268" r:id="rId12"/>
   </p:sldIdLst>
   <p:sldSz cx="12192000" cy="6858000"/>
   <p:notesSz cx="7023100" cy="9309100"/>
@@ -206,7 +209,7 @@
           <a:p>
             <a:fld id="{2BCAFC7A-71DD-4C2C-B63D-60FDC7DD5449}" type="datetimeFigureOut">
               <a:rPr lang="en-US" smtClean="0"/>
-              <a:t>12/14/2015</a:t>
+              <a:t>12/16/2015</a:t>
             </a:fld>
             <a:endParaRPr lang="en-US"/>
           </a:p>
@@ -371,7 +374,7 @@
           <a:p>
             <a:fld id="{D85ECAFD-F005-4163-B10D-85806DC43F93}" type="datetimeFigureOut">
               <a:rPr lang="en-US" smtClean="0"/>
-              <a:t>12/14/2015</a:t>
+              <a:t>12/16/2015</a:t>
             </a:fld>
             <a:endParaRPr lang="en-US"/>
           </a:p>
@@ -1173,7 +1176,7 @@
           <a:p>
             <a:fld id="{4AAD347D-5ACD-4C99-B74B-A9C85AD731AF}" type="datetimeFigureOut">
               <a:rPr lang="en-US" smtClean="0"/>
-              <a:t>12/14/2015</a:t>
+              <a:t>12/16/2015</a:t>
             </a:fld>
             <a:endParaRPr lang="en-US"/>
           </a:p>
@@ -1443,7 +1446,7 @@
           <a:p>
             <a:fld id="{4509A250-FF31-4206-8172-F9D3106AACB1}" type="datetimeFigureOut">
               <a:rPr lang="en-US" smtClean="0"/>
-              <a:t>12/14/2015</a:t>
+              <a:t>12/16/2015</a:t>
             </a:fld>
             <a:endParaRPr lang="en-US" dirty="0"/>
           </a:p>
@@ -1565,7 +1568,7 @@
           <a:p>
             <a:fld id="{4509A250-FF31-4206-8172-F9D3106AACB1}" type="datetimeFigureOut">
               <a:rPr lang="en-US" smtClean="0"/>
-              <a:t>12/14/2015</a:t>
+              <a:t>12/16/2015</a:t>
             </a:fld>
             <a:endParaRPr lang="en-US" dirty="0"/>
           </a:p>
@@ -1754,7 +1757,7 @@
           <a:p>
             <a:fld id="{4509A250-FF31-4206-8172-F9D3106AACB1}" type="datetimeFigureOut">
               <a:rPr lang="en-US" smtClean="0"/>
-              <a:t>12/14/2015</a:t>
+              <a:t>12/16/2015</a:t>
             </a:fld>
             <a:endParaRPr lang="en-US" dirty="0"/>
           </a:p>
@@ -2205,7 +2208,7 @@
           <a:p>
             <a:fld id="{4509A250-FF31-4206-8172-F9D3106AACB1}" type="datetimeFigureOut">
               <a:rPr lang="en-US" smtClean="0"/>
-              <a:t>12/14/2015</a:t>
+              <a:t>12/16/2015</a:t>
             </a:fld>
             <a:endParaRPr lang="en-US" dirty="0"/>
           </a:p>
@@ -2327,7 +2330,7 @@
           <a:p>
             <a:fld id="{4509A250-FF31-4206-8172-F9D3106AACB1}" type="datetimeFigureOut">
               <a:rPr lang="en-US" smtClean="0"/>
-              <a:t>12/14/2015</a:t>
+              <a:t>12/16/2015</a:t>
             </a:fld>
             <a:endParaRPr lang="en-US" dirty="0"/>
           </a:p>
@@ -2622,7 +2625,7 @@
           <a:p>
             <a:fld id="{4509A250-FF31-4206-8172-F9D3106AACB1}" type="datetimeFigureOut">
               <a:rPr lang="en-US" smtClean="0"/>
-              <a:t>12/14/2015</a:t>
+              <a:t>12/16/2015</a:t>
             </a:fld>
             <a:endParaRPr lang="en-US" dirty="0"/>
           </a:p>
@@ -3384,7 +3387,7 @@
           <a:p>
             <a:fld id="{4509A250-FF31-4206-8172-F9D3106AACB1}" type="datetimeFigureOut">
               <a:rPr lang="en-US" smtClean="0"/>
-              <a:t>12/14/2015</a:t>
+              <a:t>12/16/2015</a:t>
             </a:fld>
             <a:endParaRPr lang="en-US" dirty="0"/>
           </a:p>
@@ -4239,7 +4242,7 @@
           <a:p>
             <a:fld id="{4509A250-FF31-4206-8172-F9D3106AACB1}" type="datetimeFigureOut">
               <a:rPr lang="en-US" smtClean="0"/>
-              <a:t>12/14/2015</a:t>
+              <a:t>12/16/2015</a:t>
             </a:fld>
             <a:endParaRPr lang="en-US" dirty="0"/>
           </a:p>
@@ -4404,7 +4407,7 @@
           <a:p>
             <a:fld id="{4509A250-FF31-4206-8172-F9D3106AACB1}" type="datetimeFigureOut">
               <a:rPr lang="en-US" smtClean="0"/>
-              <a:t>12/14/2015</a:t>
+              <a:t>12/16/2015</a:t>
             </a:fld>
             <a:endParaRPr lang="en-US" dirty="0"/>
           </a:p>
@@ -4579,7 +4582,7 @@
           <a:p>
             <a:fld id="{4509A250-FF31-4206-8172-F9D3106AACB1}" type="datetimeFigureOut">
               <a:rPr lang="en-US" smtClean="0"/>
-              <a:t>12/14/2015</a:t>
+              <a:t>12/16/2015</a:t>
             </a:fld>
             <a:endParaRPr lang="en-US" dirty="0"/>
           </a:p>
@@ -4744,7 +4747,7 @@
           <a:p>
             <a:fld id="{4509A250-FF31-4206-8172-F9D3106AACB1}" type="datetimeFigureOut">
               <a:rPr lang="en-US" smtClean="0"/>
-              <a:t>12/14/2015</a:t>
+              <a:t>12/16/2015</a:t>
             </a:fld>
             <a:endParaRPr lang="en-US" dirty="0"/>
           </a:p>
@@ -4986,7 +4989,7 @@
           <a:p>
             <a:fld id="{9796027F-7875-4030-9381-8BD8C4F21935}" type="datetimeFigureOut">
               <a:rPr lang="en-US" smtClean="0"/>
-              <a:t>12/14/2015</a:t>
+              <a:t>12/16/2015</a:t>
             </a:fld>
             <a:endParaRPr lang="en-US"/>
           </a:p>
@@ -5273,7 +5276,7 @@
           <a:p>
             <a:fld id="{9796027F-7875-4030-9381-8BD8C4F21935}" type="datetimeFigureOut">
               <a:rPr lang="en-US" smtClean="0"/>
-              <a:t>12/14/2015</a:t>
+              <a:t>12/16/2015</a:t>
             </a:fld>
             <a:endParaRPr lang="en-US"/>
           </a:p>
@@ -5712,7 +5715,7 @@
           <a:p>
             <a:fld id="{9796027F-7875-4030-9381-8BD8C4F21935}" type="datetimeFigureOut">
               <a:rPr lang="en-US" smtClean="0"/>
-              <a:t>12/14/2015</a:t>
+              <a:t>12/16/2015</a:t>
             </a:fld>
             <a:endParaRPr lang="en-US"/>
           </a:p>
@@ -5825,7 +5828,7 @@
           <a:p>
             <a:fld id="{4509A250-FF31-4206-8172-F9D3106AACB1}" type="datetimeFigureOut">
               <a:rPr lang="en-US" smtClean="0"/>
-              <a:t>12/14/2015</a:t>
+              <a:t>12/16/2015</a:t>
             </a:fld>
             <a:endParaRPr lang="en-US" dirty="0"/>
           </a:p>
@@ -5915,7 +5918,7 @@
           <a:p>
             <a:fld id="{4509A250-FF31-4206-8172-F9D3106AACB1}" type="datetimeFigureOut">
               <a:rPr lang="en-US" smtClean="0"/>
-              <a:t>12/14/2015</a:t>
+              <a:t>12/16/2015</a:t>
             </a:fld>
             <a:endParaRPr lang="en-US" dirty="0"/>
           </a:p>
@@ -6189,7 +6192,7 @@
           <a:p>
             <a:fld id="{4509A250-FF31-4206-8172-F9D3106AACB1}" type="datetimeFigureOut">
               <a:rPr lang="en-US" smtClean="0"/>
-              <a:t>12/14/2015</a:t>
+              <a:t>12/16/2015</a:t>
             </a:fld>
             <a:endParaRPr lang="en-US" dirty="0"/>
           </a:p>
@@ -6459,7 +6462,7 @@
           <a:p>
             <a:fld id="{4509A250-FF31-4206-8172-F9D3106AACB1}" type="datetimeFigureOut">
               <a:rPr lang="en-US" smtClean="0"/>
-              <a:t>12/14/2015</a:t>
+              <a:t>12/16/2015</a:t>
             </a:fld>
             <a:endParaRPr lang="en-US" dirty="0"/>
           </a:p>
@@ -6899,7 +6902,7 @@
           <a:p>
             <a:fld id="{4AAD347D-5ACD-4C99-B74B-A9C85AD731AF}" type="datetimeFigureOut">
               <a:rPr lang="en-US" smtClean="0"/>
-              <a:t>12/14/2015</a:t>
+              <a:t>12/16/2015</a:t>
             </a:fld>
             <a:endParaRPr lang="en-US"/>
           </a:p>
@@ -7672,8 +7675,8 @@
         </p:nvSpPr>
         <p:spPr>
           <a:xfrm>
-            <a:off x="5529632" y="5641610"/>
-            <a:ext cx="1055097" cy="369332"/>
+            <a:off x="5336449" y="5672565"/>
+            <a:ext cx="1119217" cy="369332"/>
           </a:xfrm>
           <a:prstGeom prst="rect">
             <a:avLst/>
@@ -7687,7 +7690,7 @@
           <a:p>
             <a:r>
               <a:rPr lang="en-US" dirty="0" smtClean="0"/>
-              <a:t>2015/16</a:t>
+              <a:t>2015/16.</a:t>
             </a:r>
             <a:endParaRPr lang="en-US" dirty="0"/>
           </a:p>
@@ -7705,6 +7708,179 @@
       </p:par>
     </p:tnLst>
   </p:timing>
+</p:sld>
+</file>
+
+<file path=ppt/slides/slide10.xml><?xml version="1.0" encoding="utf-8"?>
+<p:sld xmlns:a="http://schemas.openxmlformats.org/drawingml/2006/main" xmlns:r="http://schemas.openxmlformats.org/officeDocument/2006/relationships" xmlns:p="http://schemas.openxmlformats.org/presentationml/2006/main">
+  <p:cSld>
+    <p:spTree>
+      <p:nvGrpSpPr>
+        <p:cNvPr id="1" name=""/>
+        <p:cNvGrpSpPr/>
+        <p:nvPr/>
+      </p:nvGrpSpPr>
+      <p:grpSpPr>
+        <a:xfrm>
+          <a:off x="0" y="0"/>
+          <a:ext cx="0" cy="0"/>
+          <a:chOff x="0" y="0"/>
+          <a:chExt cx="0" cy="0"/>
+        </a:xfrm>
+      </p:grpSpPr>
+      <p:sp>
+        <p:nvSpPr>
+          <p:cNvPr id="2" name="Title 1"/>
+          <p:cNvSpPr>
+            <a:spLocks noGrp="1"/>
+          </p:cNvSpPr>
+          <p:nvPr>
+            <p:ph type="title"/>
+          </p:nvPr>
+        </p:nvSpPr>
+        <p:spPr/>
+        <p:txBody>
+          <a:bodyPr/>
+          <a:lstStyle/>
+          <a:p>
+            <a:r>
+              <a:rPr lang="en-US" dirty="0" err="1" smtClean="0"/>
+              <a:t>Literatura</a:t>
+            </a:r>
+            <a:endParaRPr lang="sr-Latn-RS" dirty="0"/>
+          </a:p>
+        </p:txBody>
+      </p:sp>
+      <p:sp>
+        <p:nvSpPr>
+          <p:cNvPr id="3" name="Content Placeholder 2"/>
+          <p:cNvSpPr>
+            <a:spLocks noGrp="1"/>
+          </p:cNvSpPr>
+          <p:nvPr>
+            <p:ph idx="1"/>
+          </p:nvPr>
+        </p:nvSpPr>
+        <p:spPr>
+          <a:xfrm>
+            <a:off x="360608" y="1416676"/>
+            <a:ext cx="9689245" cy="4997003"/>
+          </a:xfrm>
+        </p:spPr>
+        <p:txBody>
+          <a:bodyPr/>
+          <a:lstStyle/>
+          <a:p>
+            <a:pPr marL="0" indent="0">
+              <a:buNone/>
+            </a:pPr>
+            <a:r>
+              <a:rPr lang="en-US" dirty="0" smtClean="0"/>
+              <a:t>    Convolutional </a:t>
+            </a:r>
+            <a:r>
+              <a:rPr lang="en-US" dirty="0"/>
+              <a:t>Neural Network Committees For Handwritten </a:t>
+            </a:r>
+            <a:r>
+              <a:rPr lang="en-US" dirty="0" smtClean="0"/>
+              <a:t>Character   Classification</a:t>
+            </a:r>
+            <a:endParaRPr lang="en-US" dirty="0"/>
+          </a:p>
+          <a:p>
+            <a:r>
+              <a:rPr lang="sr-Latn-RS" dirty="0" smtClean="0">
+                <a:hlinkClick r:id="rId2"/>
+              </a:rPr>
+              <a:t>http://people.idsia.ch/~juergen/icdar2011a.pdf</a:t>
+            </a:r>
+            <a:endParaRPr lang="en-US" dirty="0" smtClean="0"/>
+          </a:p>
+          <a:p>
+            <a:pPr marL="0" indent="0">
+              <a:buNone/>
+            </a:pPr>
+            <a:r>
+              <a:rPr lang="en-US" dirty="0" smtClean="0"/>
+              <a:t>   NIST SD19 with </a:t>
+            </a:r>
+            <a:r>
+              <a:rPr lang="en-US" dirty="0" err="1" smtClean="0"/>
+              <a:t>randomForests</a:t>
+            </a:r>
+            <a:r>
+              <a:rPr lang="en-US" dirty="0" smtClean="0"/>
+              <a:t> </a:t>
+            </a:r>
+          </a:p>
+          <a:p>
+            <a:r>
+              <a:rPr lang="en-US" dirty="0">
+                <a:hlinkClick r:id="rId3"/>
+              </a:rPr>
+              <a:t>http://asciirain.com/wordpress/2013/04/08/exploring-sd19-glyph-recognition-with-randomforests</a:t>
+            </a:r>
+            <a:r>
+              <a:rPr lang="en-US" dirty="0" smtClean="0">
+                <a:hlinkClick r:id="rId3"/>
+              </a:rPr>
+              <a:t>/</a:t>
+            </a:r>
+            <a:endParaRPr lang="en-US" dirty="0" smtClean="0"/>
+          </a:p>
+          <a:p>
+            <a:pPr marL="0" indent="0">
+              <a:buNone/>
+            </a:pPr>
+            <a:r>
+              <a:rPr lang="en-US" dirty="0" smtClean="0"/>
+              <a:t>  NIST SD19</a:t>
+            </a:r>
+          </a:p>
+          <a:p>
+            <a:r>
+              <a:rPr lang="en-US" dirty="0">
+                <a:hlinkClick r:id="rId4"/>
+              </a:rPr>
+              <a:t>http://</a:t>
+            </a:r>
+            <a:r>
+              <a:rPr lang="en-US" dirty="0" smtClean="0">
+                <a:hlinkClick r:id="rId4"/>
+              </a:rPr>
+              <a:t>www.nist.gov/srd/upload/nistsd19.pdf</a:t>
+            </a:r>
+            <a:endParaRPr lang="en-US" dirty="0" smtClean="0"/>
+          </a:p>
+          <a:p>
+            <a:pPr marL="0" indent="0">
+              <a:buNone/>
+            </a:pPr>
+            <a:r>
+              <a:rPr lang="en-US" dirty="0" smtClean="0"/>
+              <a:t>  MINST</a:t>
+            </a:r>
+          </a:p>
+          <a:p>
+            <a:r>
+              <a:rPr lang="en-US" dirty="0"/>
+              <a:t>https://en.wikipedia.org/wiki/MNIST_database</a:t>
+            </a:r>
+            <a:endParaRPr lang="en-US" dirty="0" smtClean="0"/>
+          </a:p>
+        </p:txBody>
+      </p:sp>
+    </p:spTree>
+    <p:extLst>
+      <p:ext uri="{BB962C8B-B14F-4D97-AF65-F5344CB8AC3E}">
+        <p14:creationId xmlns:p14="http://schemas.microsoft.com/office/powerpoint/2010/main" val="3762563900"/>
+      </p:ext>
+    </p:extLst>
+  </p:cSld>
+  <p:clrMapOvr>
+    <a:masterClrMapping/>
+  </p:clrMapOvr>
 </p:sld>
 </file>
 
@@ -7894,41 +8070,20 @@
           <a:p>
             <a:r>
               <a:rPr lang="sr-Latn-RS" dirty="0" smtClean="0"/>
-              <a:t>Može se </a:t>
-            </a:r>
+              <a:t>Može se koristiti kao alat za učenje matematike, kao i za brzu proveru tačnost zadataka</a:t>
+            </a:r>
+          </a:p>
+          <a:p>
             <a:r>
               <a:rPr lang="sr-Latn-RS" dirty="0" smtClean="0"/>
-              <a:t>koristiti kao alat za učenje matematike</a:t>
-            </a:r>
+              <a:t>Skraćenje vremena izračunavanja složenijih matematičkih izraza</a:t>
+            </a:r>
+          </a:p>
+          <a:p>
             <a:r>
               <a:rPr lang="sr-Latn-RS" dirty="0" smtClean="0"/>
-              <a:t>, kao i za brzu proveru </a:t>
-            </a:r>
-            <a:r>
-              <a:rPr lang="sr-Latn-RS" dirty="0" smtClean="0"/>
-              <a:t>tačnost zadataka</a:t>
-            </a:r>
-          </a:p>
-          <a:p>
-            <a:r>
-              <a:rPr lang="sr-Latn-RS" dirty="0" smtClean="0"/>
-              <a:t>Skraćenje </a:t>
-            </a:r>
-            <a:r>
-              <a:rPr lang="sr-Latn-RS" dirty="0" smtClean="0"/>
-              <a:t>vremena izračunavanja složenijih matematičkih izraza</a:t>
-            </a:r>
-          </a:p>
-          <a:p>
-            <a:r>
-              <a:rPr lang="sr-Latn-RS" dirty="0" smtClean="0"/>
-              <a:t>Olakšavanje provere tačnosti nekog matematičkog </a:t>
-            </a:r>
-            <a:r>
-              <a:rPr lang="sr-Latn-RS" dirty="0" smtClean="0"/>
-              <a:t>izraza</a:t>
-            </a:r>
-            <a:endParaRPr lang="sr-Latn-RS" dirty="0" smtClean="0"/>
+              <a:t>Olakšavanje provere tačnosti nekog matematičkog izraza</a:t>
+            </a:r>
           </a:p>
         </p:txBody>
       </p:sp>
@@ -8474,11 +8629,7 @@
             <a:pPr algn="ctr"/>
             <a:r>
               <a:rPr lang="sr-Latn-RS" sz="1200" dirty="0" smtClean="0"/>
-              <a:t>Učitavanje </a:t>
-            </a:r>
-            <a:r>
-              <a:rPr lang="sr-Latn-RS" sz="1200" dirty="0" smtClean="0"/>
-              <a:t>slike</a:t>
+              <a:t>Učitavanje slike</a:t>
             </a:r>
             <a:endParaRPr lang="en-US" sz="1200" dirty="0"/>
           </a:p>
@@ -9544,6 +9695,417 @@
       </p:par>
     </p:tnLst>
   </p:timing>
+</p:sld>
+</file>
+
+<file path=ppt/slides/slide8.xml><?xml version="1.0" encoding="utf-8"?>
+<p:sld xmlns:a="http://schemas.openxmlformats.org/drawingml/2006/main" xmlns:r="http://schemas.openxmlformats.org/officeDocument/2006/relationships" xmlns:p="http://schemas.openxmlformats.org/presentationml/2006/main">
+  <p:cSld>
+    <p:spTree>
+      <p:nvGrpSpPr>
+        <p:cNvPr id="1" name=""/>
+        <p:cNvGrpSpPr/>
+        <p:nvPr/>
+      </p:nvGrpSpPr>
+      <p:grpSpPr>
+        <a:xfrm>
+          <a:off x="0" y="0"/>
+          <a:ext cx="0" cy="0"/>
+          <a:chOff x="0" y="0"/>
+          <a:chExt cx="0" cy="0"/>
+        </a:xfrm>
+      </p:grpSpPr>
+      <p:sp>
+        <p:nvSpPr>
+          <p:cNvPr id="2" name="Title 1"/>
+          <p:cNvSpPr>
+            <a:spLocks noGrp="1"/>
+          </p:cNvSpPr>
+          <p:nvPr>
+            <p:ph type="title"/>
+          </p:nvPr>
+        </p:nvSpPr>
+        <p:spPr/>
+        <p:txBody>
+          <a:bodyPr/>
+          <a:lstStyle/>
+          <a:p>
+            <a:r>
+              <a:rPr lang="en-US" dirty="0" smtClean="0"/>
+              <a:t>Dataset</a:t>
+            </a:r>
+            <a:endParaRPr lang="sr-Latn-RS" dirty="0"/>
+          </a:p>
+        </p:txBody>
+      </p:sp>
+      <p:graphicFrame>
+        <p:nvGraphicFramePr>
+          <p:cNvPr id="4" name="Content Placeholder 3"/>
+          <p:cNvGraphicFramePr>
+            <a:graphicFrameLocks noGrp="1"/>
+          </p:cNvGraphicFramePr>
+          <p:nvPr>
+            <p:ph idx="1"/>
+            <p:extLst>
+              <p:ext uri="{D42A27DB-BD31-4B8C-83A1-F6EECF244321}">
+                <p14:modId xmlns:p14="http://schemas.microsoft.com/office/powerpoint/2010/main" val="527808885"/>
+              </p:ext>
+            </p:extLst>
+          </p:nvPr>
+        </p:nvGraphicFramePr>
+        <p:xfrm>
+          <a:off x="1206344" y="2284458"/>
+          <a:ext cx="8947150" cy="1854200"/>
+        </p:xfrm>
+        <a:graphic>
+          <a:graphicData uri="http://schemas.openxmlformats.org/drawingml/2006/table">
+            <a:tbl>
+              <a:tblPr firstRow="1" bandRow="1">
+                <a:tableStyleId>{5C22544A-7EE6-4342-B048-85BDC9FD1C3A}</a:tableStyleId>
+              </a:tblPr>
+              <a:tblGrid>
+                <a:gridCol w="4473575"/>
+                <a:gridCol w="4473575"/>
+              </a:tblGrid>
+              <a:tr h="370840">
+                <a:tc>
+                  <a:txBody>
+                    <a:bodyPr/>
+                    <a:lstStyle/>
+                    <a:p>
+                      <a:r>
+                        <a:rPr lang="en-US" dirty="0" smtClean="0"/>
+                        <a:t>MNIST</a:t>
+                      </a:r>
+                      <a:endParaRPr lang="sr-Latn-RS" dirty="0"/>
+                    </a:p>
+                  </a:txBody>
+                  <a:tcPr/>
+                </a:tc>
+                <a:tc>
+                  <a:txBody>
+                    <a:bodyPr/>
+                    <a:lstStyle/>
+                    <a:p>
+                      <a:r>
+                        <a:rPr lang="en-US" dirty="0" smtClean="0"/>
+                        <a:t>NIST SD19</a:t>
+                      </a:r>
+                      <a:endParaRPr lang="sr-Latn-RS" dirty="0"/>
+                    </a:p>
+                  </a:txBody>
+                  <a:tcPr/>
+                </a:tc>
+              </a:tr>
+              <a:tr h="370840">
+                <a:tc>
+                  <a:txBody>
+                    <a:bodyPr/>
+                    <a:lstStyle/>
+                    <a:p>
+                      <a:r>
+                        <a:rPr lang="en-US" dirty="0" smtClean="0"/>
+                        <a:t>10 </a:t>
+                      </a:r>
+                      <a:r>
+                        <a:rPr lang="en-US" dirty="0" err="1" smtClean="0"/>
+                        <a:t>klasa</a:t>
+                      </a:r>
+                      <a:endParaRPr lang="sr-Latn-RS" dirty="0"/>
+                    </a:p>
+                  </a:txBody>
+                  <a:tcPr/>
+                </a:tc>
+                <a:tc>
+                  <a:txBody>
+                    <a:bodyPr/>
+                    <a:lstStyle/>
+                    <a:p>
+                      <a:r>
+                        <a:rPr lang="en-US" dirty="0" smtClean="0"/>
+                        <a:t>62 </a:t>
+                      </a:r>
+                      <a:r>
+                        <a:rPr lang="en-US" dirty="0" err="1" smtClean="0"/>
+                        <a:t>klase</a:t>
+                      </a:r>
+                      <a:endParaRPr lang="sr-Latn-RS" dirty="0"/>
+                    </a:p>
+                  </a:txBody>
+                  <a:tcPr/>
+                </a:tc>
+              </a:tr>
+              <a:tr h="370840">
+                <a:tc>
+                  <a:txBody>
+                    <a:bodyPr/>
+                    <a:lstStyle/>
+                    <a:p>
+                      <a:r>
+                        <a:rPr lang="en-US" dirty="0" err="1" smtClean="0"/>
+                        <a:t>Prepoznavanje</a:t>
+                      </a:r>
+                      <a:r>
+                        <a:rPr lang="en-US" baseline="0" dirty="0" smtClean="0"/>
+                        <a:t> </a:t>
+                      </a:r>
+                      <a:r>
+                        <a:rPr lang="en-US" baseline="0" dirty="0" err="1" smtClean="0"/>
+                        <a:t>samo</a:t>
+                      </a:r>
+                      <a:r>
+                        <a:rPr lang="en-US" baseline="0" dirty="0" smtClean="0"/>
+                        <a:t> </a:t>
+                      </a:r>
+                      <a:r>
+                        <a:rPr lang="en-US" baseline="0" dirty="0" err="1" smtClean="0"/>
+                        <a:t>cifara</a:t>
+                      </a:r>
+                      <a:endParaRPr lang="sr-Latn-RS" dirty="0"/>
+                    </a:p>
+                  </a:txBody>
+                  <a:tcPr/>
+                </a:tc>
+                <a:tc>
+                  <a:txBody>
+                    <a:bodyPr/>
+                    <a:lstStyle/>
+                    <a:p>
+                      <a:r>
+                        <a:rPr lang="en-US" dirty="0" err="1" smtClean="0"/>
+                        <a:t>Prepoznavanje</a:t>
+                      </a:r>
+                      <a:r>
+                        <a:rPr lang="en-US" baseline="0" dirty="0" smtClean="0"/>
+                        <a:t> </a:t>
+                      </a:r>
+                      <a:r>
+                        <a:rPr lang="en-US" baseline="0" dirty="0" err="1" smtClean="0"/>
+                        <a:t>cifara</a:t>
+                      </a:r>
+                      <a:r>
+                        <a:rPr lang="en-US" baseline="0" dirty="0" smtClean="0"/>
+                        <a:t> </a:t>
+                      </a:r>
+                      <a:r>
+                        <a:rPr lang="en-US" baseline="0" dirty="0" err="1" smtClean="0"/>
+                        <a:t>i</a:t>
+                      </a:r>
+                      <a:r>
+                        <a:rPr lang="en-US" baseline="0" dirty="0" smtClean="0"/>
+                        <a:t> </a:t>
+                      </a:r>
+                      <a:r>
+                        <a:rPr lang="en-US" baseline="0" dirty="0" err="1" smtClean="0"/>
+                        <a:t>slova</a:t>
+                      </a:r>
+                      <a:endParaRPr lang="sr-Latn-RS" dirty="0"/>
+                    </a:p>
+                  </a:txBody>
+                  <a:tcPr/>
+                </a:tc>
+              </a:tr>
+              <a:tr h="370840">
+                <a:tc>
+                  <a:txBody>
+                    <a:bodyPr/>
+                    <a:lstStyle/>
+                    <a:p>
+                      <a:r>
+                        <a:rPr lang="en-US" dirty="0" smtClean="0"/>
+                        <a:t>28x28 </a:t>
+                      </a:r>
+                      <a:r>
+                        <a:rPr lang="en-US" dirty="0" err="1" smtClean="0"/>
+                        <a:t>piksela</a:t>
+                      </a:r>
+                      <a:endParaRPr lang="sr-Latn-RS" dirty="0"/>
+                    </a:p>
+                  </a:txBody>
+                  <a:tcPr/>
+                </a:tc>
+                <a:tc>
+                  <a:txBody>
+                    <a:bodyPr/>
+                    <a:lstStyle/>
+                    <a:p>
+                      <a:r>
+                        <a:rPr lang="en-US" dirty="0" smtClean="0"/>
+                        <a:t>128x128 </a:t>
+                      </a:r>
+                      <a:r>
+                        <a:rPr lang="en-US" dirty="0" err="1" smtClean="0"/>
+                        <a:t>piksela</a:t>
+                      </a:r>
+                      <a:endParaRPr lang="sr-Latn-RS" dirty="0"/>
+                    </a:p>
+                  </a:txBody>
+                  <a:tcPr/>
+                </a:tc>
+              </a:tr>
+              <a:tr h="370840">
+                <a:tc>
+                  <a:txBody>
+                    <a:bodyPr/>
+                    <a:lstStyle/>
+                    <a:p>
+                      <a:r>
+                        <a:rPr lang="en-US" dirty="0" smtClean="0"/>
+                        <a:t>60000 </a:t>
+                      </a:r>
+                      <a:r>
+                        <a:rPr lang="en-US" dirty="0" err="1" smtClean="0"/>
+                        <a:t>primera</a:t>
+                      </a:r>
+                      <a:endParaRPr lang="sr-Latn-RS" dirty="0"/>
+                    </a:p>
+                  </a:txBody>
+                  <a:tcPr/>
+                </a:tc>
+                <a:tc>
+                  <a:txBody>
+                    <a:bodyPr/>
+                    <a:lstStyle/>
+                    <a:p>
+                      <a:r>
+                        <a:rPr lang="en-US" dirty="0" smtClean="0"/>
+                        <a:t>814255 </a:t>
+                      </a:r>
+                      <a:r>
+                        <a:rPr lang="en-US" dirty="0" err="1" smtClean="0"/>
+                        <a:t>primera</a:t>
+                      </a:r>
+                      <a:endParaRPr lang="sr-Latn-RS" dirty="0"/>
+                    </a:p>
+                  </a:txBody>
+                  <a:tcPr/>
+                </a:tc>
+              </a:tr>
+            </a:tbl>
+          </a:graphicData>
+        </a:graphic>
+      </p:graphicFrame>
+    </p:spTree>
+    <p:extLst>
+      <p:ext uri="{BB962C8B-B14F-4D97-AF65-F5344CB8AC3E}">
+        <p14:creationId xmlns:p14="http://schemas.microsoft.com/office/powerpoint/2010/main" val="1162234924"/>
+      </p:ext>
+    </p:extLst>
+  </p:cSld>
+  <p:clrMapOvr>
+    <a:masterClrMapping/>
+  </p:clrMapOvr>
+</p:sld>
+</file>
+
+<file path=ppt/slides/slide9.xml><?xml version="1.0" encoding="utf-8"?>
+<p:sld xmlns:a="http://schemas.openxmlformats.org/drawingml/2006/main" xmlns:r="http://schemas.openxmlformats.org/officeDocument/2006/relationships" xmlns:p="http://schemas.openxmlformats.org/presentationml/2006/main">
+  <p:cSld>
+    <p:spTree>
+      <p:nvGrpSpPr>
+        <p:cNvPr id="1" name=""/>
+        <p:cNvGrpSpPr/>
+        <p:nvPr/>
+      </p:nvGrpSpPr>
+      <p:grpSpPr>
+        <a:xfrm>
+          <a:off x="0" y="0"/>
+          <a:ext cx="0" cy="0"/>
+          <a:chOff x="0" y="0"/>
+          <a:chExt cx="0" cy="0"/>
+        </a:xfrm>
+      </p:grpSpPr>
+      <p:sp>
+        <p:nvSpPr>
+          <p:cNvPr id="2" name="Title 1"/>
+          <p:cNvSpPr>
+            <a:spLocks noGrp="1"/>
+          </p:cNvSpPr>
+          <p:nvPr>
+            <p:ph type="title"/>
+          </p:nvPr>
+        </p:nvSpPr>
+        <p:spPr/>
+        <p:txBody>
+          <a:bodyPr/>
+          <a:lstStyle/>
+          <a:p>
+            <a:r>
+              <a:rPr lang="en-US" dirty="0" err="1" smtClean="0"/>
+              <a:t>Klasifikatori</a:t>
+            </a:r>
+            <a:endParaRPr lang="sr-Latn-RS" dirty="0"/>
+          </a:p>
+        </p:txBody>
+      </p:sp>
+      <p:sp>
+        <p:nvSpPr>
+          <p:cNvPr id="3" name="Content Placeholder 2"/>
+          <p:cNvSpPr>
+            <a:spLocks noGrp="1"/>
+          </p:cNvSpPr>
+          <p:nvPr>
+            <p:ph idx="1"/>
+          </p:nvPr>
+        </p:nvSpPr>
+        <p:spPr/>
+        <p:txBody>
+          <a:bodyPr/>
+          <a:lstStyle/>
+          <a:p>
+            <a:r>
+              <a:rPr lang="en-US" dirty="0" err="1" smtClean="0"/>
+              <a:t>Kmeans</a:t>
+            </a:r>
+            <a:endParaRPr lang="en-US" dirty="0" smtClean="0"/>
+          </a:p>
+          <a:p>
+            <a:r>
+              <a:rPr lang="en-US" dirty="0" err="1" smtClean="0"/>
+              <a:t>Neur</a:t>
+            </a:r>
+            <a:r>
+              <a:rPr lang="sr-Latn-RS" dirty="0" smtClean="0"/>
+              <a:t>onske</a:t>
+            </a:r>
+            <a:r>
+              <a:rPr lang="en-US" dirty="0" smtClean="0"/>
+              <a:t> </a:t>
+            </a:r>
+            <a:r>
+              <a:rPr lang="en-US" dirty="0" err="1" smtClean="0"/>
+              <a:t>mre</a:t>
+            </a:r>
+            <a:r>
+              <a:rPr lang="sr-Latn-RS" dirty="0" smtClean="0"/>
+              <a:t>že</a:t>
+            </a:r>
+          </a:p>
+          <a:p>
+            <a:r>
+              <a:rPr lang="sr-Latn-RS" dirty="0" smtClean="0"/>
+              <a:t>Konvolutivne neuronske mreže</a:t>
+            </a:r>
+          </a:p>
+          <a:p>
+            <a:r>
+              <a:rPr lang="sr-Latn-RS" dirty="0" smtClean="0"/>
+              <a:t>SVM (support vector machine)</a:t>
+            </a:r>
+            <a:endParaRPr lang="sr-Latn-RS" dirty="0"/>
+          </a:p>
+        </p:txBody>
+      </p:sp>
+    </p:spTree>
+    <p:extLst>
+      <p:ext uri="{BB962C8B-B14F-4D97-AF65-F5344CB8AC3E}">
+        <p14:creationId xmlns:p14="http://schemas.microsoft.com/office/powerpoint/2010/main" val="2609156536"/>
+      </p:ext>
+    </p:extLst>
+  </p:cSld>
+  <p:clrMapOvr>
+    <a:masterClrMapping/>
+  </p:clrMapOvr>
 </p:sld>
 </file>
 

--- a/photo_calculator.pptx
+++ b/photo_calculator.pptx
@@ -5,10 +5,10 @@
     <p:sldMasterId id="2147483648" r:id="rId2"/>
   </p:sldMasterIdLst>
   <p:notesMasterIdLst>
-    <p:notesMasterId r:id="rId13"/>
+    <p:notesMasterId r:id="rId20"/>
   </p:notesMasterIdLst>
   <p:handoutMasterIdLst>
-    <p:handoutMasterId r:id="rId14"/>
+    <p:handoutMasterId r:id="rId21"/>
   </p:handoutMasterIdLst>
   <p:sldIdLst>
     <p:sldId id="257" r:id="rId3"/>
@@ -20,7 +20,14 @@
     <p:sldId id="262" r:id="rId9"/>
     <p:sldId id="267" r:id="rId10"/>
     <p:sldId id="269" r:id="rId11"/>
-    <p:sldId id="268" r:id="rId12"/>
+    <p:sldId id="270" r:id="rId12"/>
+    <p:sldId id="271" r:id="rId13"/>
+    <p:sldId id="272" r:id="rId14"/>
+    <p:sldId id="273" r:id="rId15"/>
+    <p:sldId id="274" r:id="rId16"/>
+    <p:sldId id="275" r:id="rId17"/>
+    <p:sldId id="276" r:id="rId18"/>
+    <p:sldId id="268" r:id="rId19"/>
   </p:sldIdLst>
   <p:sldSz cx="12192000" cy="6858000"/>
   <p:notesSz cx="7023100" cy="9309100"/>
@@ -209,7 +216,7 @@
           <a:p>
             <a:fld id="{2BCAFC7A-71DD-4C2C-B63D-60FDC7DD5449}" type="datetimeFigureOut">
               <a:rPr lang="en-US" smtClean="0"/>
-              <a:t>12/16/2015</a:t>
+              <a:t>5/12/2016</a:t>
             </a:fld>
             <a:endParaRPr lang="en-US"/>
           </a:p>
@@ -374,7 +381,7 @@
           <a:p>
             <a:fld id="{D85ECAFD-F005-4163-B10D-85806DC43F93}" type="datetimeFigureOut">
               <a:rPr lang="en-US" smtClean="0"/>
-              <a:t>12/16/2015</a:t>
+              <a:t>5/12/2016</a:t>
             </a:fld>
             <a:endParaRPr lang="en-US"/>
           </a:p>
@@ -1176,7 +1183,7 @@
           <a:p>
             <a:fld id="{4AAD347D-5ACD-4C99-B74B-A9C85AD731AF}" type="datetimeFigureOut">
               <a:rPr lang="en-US" smtClean="0"/>
-              <a:t>12/16/2015</a:t>
+              <a:t>5/12/2016</a:t>
             </a:fld>
             <a:endParaRPr lang="en-US"/>
           </a:p>
@@ -1446,7 +1453,7 @@
           <a:p>
             <a:fld id="{4509A250-FF31-4206-8172-F9D3106AACB1}" type="datetimeFigureOut">
               <a:rPr lang="en-US" smtClean="0"/>
-              <a:t>12/16/2015</a:t>
+              <a:t>5/12/2016</a:t>
             </a:fld>
             <a:endParaRPr lang="en-US" dirty="0"/>
           </a:p>
@@ -1568,7 +1575,7 @@
           <a:p>
             <a:fld id="{4509A250-FF31-4206-8172-F9D3106AACB1}" type="datetimeFigureOut">
               <a:rPr lang="en-US" smtClean="0"/>
-              <a:t>12/16/2015</a:t>
+              <a:t>5/12/2016</a:t>
             </a:fld>
             <a:endParaRPr lang="en-US" dirty="0"/>
           </a:p>
@@ -1757,7 +1764,7 @@
           <a:p>
             <a:fld id="{4509A250-FF31-4206-8172-F9D3106AACB1}" type="datetimeFigureOut">
               <a:rPr lang="en-US" smtClean="0"/>
-              <a:t>12/16/2015</a:t>
+              <a:t>5/12/2016</a:t>
             </a:fld>
             <a:endParaRPr lang="en-US" dirty="0"/>
           </a:p>
@@ -2208,7 +2215,7 @@
           <a:p>
             <a:fld id="{4509A250-FF31-4206-8172-F9D3106AACB1}" type="datetimeFigureOut">
               <a:rPr lang="en-US" smtClean="0"/>
-              <a:t>12/16/2015</a:t>
+              <a:t>5/12/2016</a:t>
             </a:fld>
             <a:endParaRPr lang="en-US" dirty="0"/>
           </a:p>
@@ -2330,7 +2337,7 @@
           <a:p>
             <a:fld id="{4509A250-FF31-4206-8172-F9D3106AACB1}" type="datetimeFigureOut">
               <a:rPr lang="en-US" smtClean="0"/>
-              <a:t>12/16/2015</a:t>
+              <a:t>5/12/2016</a:t>
             </a:fld>
             <a:endParaRPr lang="en-US" dirty="0"/>
           </a:p>
@@ -2625,7 +2632,7 @@
           <a:p>
             <a:fld id="{4509A250-FF31-4206-8172-F9D3106AACB1}" type="datetimeFigureOut">
               <a:rPr lang="en-US" smtClean="0"/>
-              <a:t>12/16/2015</a:t>
+              <a:t>5/12/2016</a:t>
             </a:fld>
             <a:endParaRPr lang="en-US" dirty="0"/>
           </a:p>
@@ -3387,7 +3394,7 @@
           <a:p>
             <a:fld id="{4509A250-FF31-4206-8172-F9D3106AACB1}" type="datetimeFigureOut">
               <a:rPr lang="en-US" smtClean="0"/>
-              <a:t>12/16/2015</a:t>
+              <a:t>5/12/2016</a:t>
             </a:fld>
             <a:endParaRPr lang="en-US" dirty="0"/>
           </a:p>
@@ -4242,7 +4249,7 @@
           <a:p>
             <a:fld id="{4509A250-FF31-4206-8172-F9D3106AACB1}" type="datetimeFigureOut">
               <a:rPr lang="en-US" smtClean="0"/>
-              <a:t>12/16/2015</a:t>
+              <a:t>5/12/2016</a:t>
             </a:fld>
             <a:endParaRPr lang="en-US" dirty="0"/>
           </a:p>
@@ -4407,7 +4414,7 @@
           <a:p>
             <a:fld id="{4509A250-FF31-4206-8172-F9D3106AACB1}" type="datetimeFigureOut">
               <a:rPr lang="en-US" smtClean="0"/>
-              <a:t>12/16/2015</a:t>
+              <a:t>5/12/2016</a:t>
             </a:fld>
             <a:endParaRPr lang="en-US" dirty="0"/>
           </a:p>
@@ -4582,7 +4589,7 @@
           <a:p>
             <a:fld id="{4509A250-FF31-4206-8172-F9D3106AACB1}" type="datetimeFigureOut">
               <a:rPr lang="en-US" smtClean="0"/>
-              <a:t>12/16/2015</a:t>
+              <a:t>5/12/2016</a:t>
             </a:fld>
             <a:endParaRPr lang="en-US" dirty="0"/>
           </a:p>
@@ -4747,7 +4754,7 @@
           <a:p>
             <a:fld id="{4509A250-FF31-4206-8172-F9D3106AACB1}" type="datetimeFigureOut">
               <a:rPr lang="en-US" smtClean="0"/>
-              <a:t>12/16/2015</a:t>
+              <a:t>5/12/2016</a:t>
             </a:fld>
             <a:endParaRPr lang="en-US" dirty="0"/>
           </a:p>
@@ -4989,7 +4996,7 @@
           <a:p>
             <a:fld id="{9796027F-7875-4030-9381-8BD8C4F21935}" type="datetimeFigureOut">
               <a:rPr lang="en-US" smtClean="0"/>
-              <a:t>12/16/2015</a:t>
+              <a:t>5/12/2016</a:t>
             </a:fld>
             <a:endParaRPr lang="en-US"/>
           </a:p>
@@ -5276,7 +5283,7 @@
           <a:p>
             <a:fld id="{9796027F-7875-4030-9381-8BD8C4F21935}" type="datetimeFigureOut">
               <a:rPr lang="en-US" smtClean="0"/>
-              <a:t>12/16/2015</a:t>
+              <a:t>5/12/2016</a:t>
             </a:fld>
             <a:endParaRPr lang="en-US"/>
           </a:p>
@@ -5715,7 +5722,7 @@
           <a:p>
             <a:fld id="{9796027F-7875-4030-9381-8BD8C4F21935}" type="datetimeFigureOut">
               <a:rPr lang="en-US" smtClean="0"/>
-              <a:t>12/16/2015</a:t>
+              <a:t>5/12/2016</a:t>
             </a:fld>
             <a:endParaRPr lang="en-US"/>
           </a:p>
@@ -5828,7 +5835,7 @@
           <a:p>
             <a:fld id="{4509A250-FF31-4206-8172-F9D3106AACB1}" type="datetimeFigureOut">
               <a:rPr lang="en-US" smtClean="0"/>
-              <a:t>12/16/2015</a:t>
+              <a:t>5/12/2016</a:t>
             </a:fld>
             <a:endParaRPr lang="en-US" dirty="0"/>
           </a:p>
@@ -5918,7 +5925,7 @@
           <a:p>
             <a:fld id="{4509A250-FF31-4206-8172-F9D3106AACB1}" type="datetimeFigureOut">
               <a:rPr lang="en-US" smtClean="0"/>
-              <a:t>12/16/2015</a:t>
+              <a:t>5/12/2016</a:t>
             </a:fld>
             <a:endParaRPr lang="en-US" dirty="0"/>
           </a:p>
@@ -6192,7 +6199,7 @@
           <a:p>
             <a:fld id="{4509A250-FF31-4206-8172-F9D3106AACB1}" type="datetimeFigureOut">
               <a:rPr lang="en-US" smtClean="0"/>
-              <a:t>12/16/2015</a:t>
+              <a:t>5/12/2016</a:t>
             </a:fld>
             <a:endParaRPr lang="en-US" dirty="0"/>
           </a:p>
@@ -6462,7 +6469,7 @@
           <a:p>
             <a:fld id="{4509A250-FF31-4206-8172-F9D3106AACB1}" type="datetimeFigureOut">
               <a:rPr lang="en-US" smtClean="0"/>
-              <a:t>12/16/2015</a:t>
+              <a:t>5/12/2016</a:t>
             </a:fld>
             <a:endParaRPr lang="en-US" dirty="0"/>
           </a:p>
@@ -6902,7 +6909,7 @@
           <a:p>
             <a:fld id="{4AAD347D-5ACD-4C99-B74B-A9C85AD731AF}" type="datetimeFigureOut">
               <a:rPr lang="en-US" smtClean="0"/>
-              <a:t>12/16/2015</a:t>
+              <a:t>5/12/2016</a:t>
             </a:fld>
             <a:endParaRPr lang="en-US"/>
           </a:p>
@@ -7712,6 +7719,853 @@
 </file>
 
 <file path=ppt/slides/slide10.xml><?xml version="1.0" encoding="utf-8"?>
+<p:sld xmlns:a="http://schemas.openxmlformats.org/drawingml/2006/main" xmlns:r="http://schemas.openxmlformats.org/officeDocument/2006/relationships" xmlns:p="http://schemas.openxmlformats.org/presentationml/2006/main">
+  <p:cSld>
+    <p:spTree>
+      <p:nvGrpSpPr>
+        <p:cNvPr id="1" name=""/>
+        <p:cNvGrpSpPr/>
+        <p:nvPr/>
+      </p:nvGrpSpPr>
+      <p:grpSpPr>
+        <a:xfrm>
+          <a:off x="0" y="0"/>
+          <a:ext cx="0" cy="0"/>
+          <a:chOff x="0" y="0"/>
+          <a:chExt cx="0" cy="0"/>
+        </a:xfrm>
+      </p:grpSpPr>
+      <p:sp>
+        <p:nvSpPr>
+          <p:cNvPr id="2" name="Title 1"/>
+          <p:cNvSpPr>
+            <a:spLocks noGrp="1"/>
+          </p:cNvSpPr>
+          <p:nvPr>
+            <p:ph type="title"/>
+          </p:nvPr>
+        </p:nvSpPr>
+        <p:spPr/>
+        <p:txBody>
+          <a:bodyPr/>
+          <a:lstStyle/>
+          <a:p>
+            <a:r>
+              <a:rPr lang="en-US" dirty="0" err="1" smtClean="0"/>
+              <a:t>Obu</a:t>
+            </a:r>
+            <a:r>
+              <a:rPr lang="sr-Latn-RS" dirty="0" smtClean="0"/>
+              <a:t>čavanje neuronske mreže</a:t>
+            </a:r>
+            <a:endParaRPr lang="sr-Latn-RS" dirty="0"/>
+          </a:p>
+        </p:txBody>
+      </p:sp>
+      <p:sp>
+        <p:nvSpPr>
+          <p:cNvPr id="3" name="Content Placeholder 2"/>
+          <p:cNvSpPr>
+            <a:spLocks noGrp="1"/>
+          </p:cNvSpPr>
+          <p:nvPr>
+            <p:ph idx="1"/>
+          </p:nvPr>
+        </p:nvSpPr>
+        <p:spPr/>
+        <p:txBody>
+          <a:bodyPr/>
+          <a:lstStyle/>
+          <a:p>
+            <a:r>
+              <a:rPr lang="sr-Latn-RS" dirty="0" smtClean="0"/>
+              <a:t>Obučavanje je vršeno u programskom jeziku Python koristeći tehniku HWR (handwritting recognition). </a:t>
+            </a:r>
+          </a:p>
+          <a:p>
+            <a:r>
+              <a:rPr lang="sr-Latn-RS" dirty="0" smtClean="0"/>
+              <a:t>Za rad sa neuronskom mrežom, proširili smo skup biblioteka u Python-u Keras bibliotekom.</a:t>
+            </a:r>
+          </a:p>
+          <a:p>
+            <a:r>
+              <a:rPr lang="sr-Latn-RS" dirty="0" smtClean="0"/>
+              <a:t>Za obučavajući skup korišćena je slika koja sadrži matematičke simbole i brojeve. </a:t>
+            </a:r>
+            <a:endParaRPr lang="sr-Latn-RS" dirty="0"/>
+          </a:p>
+        </p:txBody>
+      </p:sp>
+      <p:pic>
+        <p:nvPicPr>
+          <p:cNvPr id="4" name="Picture 3"/>
+          <p:cNvPicPr>
+            <a:picLocks noChangeAspect="1"/>
+          </p:cNvPicPr>
+          <p:nvPr/>
+        </p:nvPicPr>
+        <p:blipFill rotWithShape="1">
+          <a:blip r:embed="rId2">
+            <a:extLst>
+              <a:ext uri="{28A0092B-C50C-407E-A947-70E740481C1C}">
+                <a14:useLocalDpi xmlns:a14="http://schemas.microsoft.com/office/drawing/2010/main" val="0"/>
+              </a:ext>
+            </a:extLst>
+          </a:blip>
+          <a:srcRect b="68358"/>
+          <a:stretch/>
+        </p:blipFill>
+        <p:spPr>
+          <a:xfrm>
+            <a:off x="916331" y="4389048"/>
+            <a:ext cx="10058400" cy="888642"/>
+          </a:xfrm>
+          <a:prstGeom prst="rect">
+            <a:avLst/>
+          </a:prstGeom>
+        </p:spPr>
+      </p:pic>
+      <p:sp>
+        <p:nvSpPr>
+          <p:cNvPr id="5" name="TextBox 4"/>
+          <p:cNvSpPr txBox="1"/>
+          <p:nvPr/>
+        </p:nvSpPr>
+        <p:spPr>
+          <a:xfrm>
+            <a:off x="3859923" y="5709180"/>
+            <a:ext cx="2977097" cy="369332"/>
+          </a:xfrm>
+          <a:prstGeom prst="rect">
+            <a:avLst/>
+          </a:prstGeom>
+          <a:noFill/>
+        </p:spPr>
+        <p:txBody>
+          <a:bodyPr wrap="none" rtlCol="0">
+            <a:spAutoFit/>
+          </a:bodyPr>
+          <a:lstStyle/>
+          <a:p>
+            <a:r>
+              <a:rPr lang="sr-Latn-RS" dirty="0" smtClean="0"/>
+              <a:t>Slika  : obučavajući skup </a:t>
+            </a:r>
+            <a:endParaRPr lang="sr-Latn-RS" dirty="0"/>
+          </a:p>
+        </p:txBody>
+      </p:sp>
+    </p:spTree>
+    <p:extLst>
+      <p:ext uri="{BB962C8B-B14F-4D97-AF65-F5344CB8AC3E}">
+        <p14:creationId xmlns:p14="http://schemas.microsoft.com/office/powerpoint/2010/main" val="20470340"/>
+      </p:ext>
+    </p:extLst>
+  </p:cSld>
+  <p:clrMapOvr>
+    <a:masterClrMapping/>
+  </p:clrMapOvr>
+</p:sld>
+</file>
+
+<file path=ppt/slides/slide11.xml><?xml version="1.0" encoding="utf-8"?>
+<p:sld xmlns:a="http://schemas.openxmlformats.org/drawingml/2006/main" xmlns:r="http://schemas.openxmlformats.org/officeDocument/2006/relationships" xmlns:p="http://schemas.openxmlformats.org/presentationml/2006/main">
+  <p:cSld>
+    <p:spTree>
+      <p:nvGrpSpPr>
+        <p:cNvPr id="1" name=""/>
+        <p:cNvGrpSpPr/>
+        <p:nvPr/>
+      </p:nvGrpSpPr>
+      <p:grpSpPr>
+        <a:xfrm>
+          <a:off x="0" y="0"/>
+          <a:ext cx="0" cy="0"/>
+          <a:chOff x="0" y="0"/>
+          <a:chExt cx="0" cy="0"/>
+        </a:xfrm>
+      </p:grpSpPr>
+      <p:sp>
+        <p:nvSpPr>
+          <p:cNvPr id="2" name="Title 1"/>
+          <p:cNvSpPr>
+            <a:spLocks noGrp="1"/>
+          </p:cNvSpPr>
+          <p:nvPr>
+            <p:ph type="title"/>
+          </p:nvPr>
+        </p:nvSpPr>
+        <p:spPr/>
+        <p:txBody>
+          <a:bodyPr/>
+          <a:lstStyle/>
+          <a:p>
+            <a:r>
+              <a:rPr lang="sr-Latn-RS" dirty="0" smtClean="0"/>
+              <a:t>Obučavanje neuronske mreže</a:t>
+            </a:r>
+            <a:endParaRPr lang="sr-Latn-RS" dirty="0"/>
+          </a:p>
+        </p:txBody>
+      </p:sp>
+      <p:sp>
+        <p:nvSpPr>
+          <p:cNvPr id="3" name="Content Placeholder 2"/>
+          <p:cNvSpPr>
+            <a:spLocks noGrp="1"/>
+          </p:cNvSpPr>
+          <p:nvPr>
+            <p:ph idx="1"/>
+          </p:nvPr>
+        </p:nvSpPr>
+        <p:spPr/>
+        <p:txBody>
+          <a:bodyPr/>
+          <a:lstStyle/>
+          <a:p>
+            <a:r>
+              <a:rPr lang="sr-Latn-RS" dirty="0" smtClean="0"/>
+              <a:t>Unutar aplikacije postoji mogućnost izbora obučavajućeg skupa, tako da korisnik može da učita sliku na kojoj se nalazi obučavajući skup sa svojim rukopisom.</a:t>
+            </a:r>
+          </a:p>
+          <a:p>
+            <a:r>
+              <a:rPr lang="sr-Latn-RS" dirty="0" smtClean="0"/>
+              <a:t>!!!!stavi sliku</a:t>
+            </a:r>
+          </a:p>
+          <a:p>
+            <a:endParaRPr lang="sr-Latn-RS" dirty="0"/>
+          </a:p>
+          <a:p>
+            <a:r>
+              <a:rPr lang="sr-Latn-RS" dirty="0" smtClean="0"/>
+              <a:t>Da bi obučio neuronsku mrežu, korisnik mora da klikne na dugme OBUČI.</a:t>
+            </a:r>
+          </a:p>
+          <a:p>
+            <a:pPr marL="0" indent="0">
+              <a:buNone/>
+            </a:pPr>
+            <a:endParaRPr lang="sr-Latn-RS" dirty="0" smtClean="0"/>
+          </a:p>
+        </p:txBody>
+      </p:sp>
+      <p:pic>
+        <p:nvPicPr>
+          <p:cNvPr id="4" name="Picture 3"/>
+          <p:cNvPicPr>
+            <a:picLocks noChangeAspect="1"/>
+          </p:cNvPicPr>
+          <p:nvPr/>
+        </p:nvPicPr>
+        <p:blipFill rotWithShape="1">
+          <a:blip r:embed="rId2"/>
+          <a:srcRect l="32744" t="43618" r="59437" b="46522"/>
+          <a:stretch/>
+        </p:blipFill>
+        <p:spPr>
+          <a:xfrm>
+            <a:off x="4665892" y="4829577"/>
+            <a:ext cx="1017431" cy="721217"/>
+          </a:xfrm>
+          <a:prstGeom prst="rect">
+            <a:avLst/>
+          </a:prstGeom>
+        </p:spPr>
+      </p:pic>
+    </p:spTree>
+    <p:extLst>
+      <p:ext uri="{BB962C8B-B14F-4D97-AF65-F5344CB8AC3E}">
+        <p14:creationId xmlns:p14="http://schemas.microsoft.com/office/powerpoint/2010/main" val="1960405003"/>
+      </p:ext>
+    </p:extLst>
+  </p:cSld>
+  <p:clrMapOvr>
+    <a:masterClrMapping/>
+  </p:clrMapOvr>
+</p:sld>
+</file>
+
+<file path=ppt/slides/slide12.xml><?xml version="1.0" encoding="utf-8"?>
+<p:sld xmlns:a="http://schemas.openxmlformats.org/drawingml/2006/main" xmlns:r="http://schemas.openxmlformats.org/officeDocument/2006/relationships" xmlns:p="http://schemas.openxmlformats.org/presentationml/2006/main">
+  <p:cSld>
+    <p:spTree>
+      <p:nvGrpSpPr>
+        <p:cNvPr id="1" name=""/>
+        <p:cNvGrpSpPr/>
+        <p:nvPr/>
+      </p:nvGrpSpPr>
+      <p:grpSpPr>
+        <a:xfrm>
+          <a:off x="0" y="0"/>
+          <a:ext cx="0" cy="0"/>
+          <a:chOff x="0" y="0"/>
+          <a:chExt cx="0" cy="0"/>
+        </a:xfrm>
+      </p:grpSpPr>
+      <p:sp>
+        <p:nvSpPr>
+          <p:cNvPr id="2" name="Title 1"/>
+          <p:cNvSpPr>
+            <a:spLocks noGrp="1"/>
+          </p:cNvSpPr>
+          <p:nvPr>
+            <p:ph type="title"/>
+          </p:nvPr>
+        </p:nvSpPr>
+        <p:spPr/>
+        <p:txBody>
+          <a:bodyPr/>
+          <a:lstStyle/>
+          <a:p>
+            <a:r>
+              <a:rPr lang="sr-Latn-RS" dirty="0" smtClean="0"/>
+              <a:t>Učitavanje slike	</a:t>
+            </a:r>
+            <a:endParaRPr lang="sr-Latn-RS" dirty="0"/>
+          </a:p>
+        </p:txBody>
+      </p:sp>
+      <p:sp>
+        <p:nvSpPr>
+          <p:cNvPr id="3" name="Content Placeholder 2"/>
+          <p:cNvSpPr>
+            <a:spLocks noGrp="1"/>
+          </p:cNvSpPr>
+          <p:nvPr>
+            <p:ph idx="1"/>
+          </p:nvPr>
+        </p:nvSpPr>
+        <p:spPr>
+          <a:xfrm>
+            <a:off x="1103312" y="1223493"/>
+            <a:ext cx="8946541" cy="5024907"/>
+          </a:xfrm>
+        </p:spPr>
+        <p:txBody>
+          <a:bodyPr>
+            <a:noAutofit/>
+          </a:bodyPr>
+          <a:lstStyle/>
+          <a:p>
+            <a:r>
+              <a:rPr lang="sr-Latn-RS" dirty="0" smtClean="0"/>
+              <a:t>Učitavanje slike vrši se klikom na dugme Učitaj sliku, nakon čega korisnik iz fajl menija mora da izabere sliku na kojoj se nalazi matematički izraz koji želi da izračuna. </a:t>
+            </a:r>
+          </a:p>
+          <a:p>
+            <a:r>
+              <a:rPr lang="sr-Latn-RS" dirty="0" smtClean="0"/>
+              <a:t>Obrada slike se vrši u metodi </a:t>
+            </a:r>
+            <a:r>
+              <a:rPr lang="sr-Latn-RS" i="1" dirty="0" smtClean="0"/>
+              <a:t>ucitavanjeSlike</a:t>
+            </a:r>
+            <a:r>
+              <a:rPr lang="sr-Latn-RS" dirty="0" smtClean="0"/>
+              <a:t> kojoj prosleđujemo parametar koji predstavlja putanju do slike. Putanja se šalje u metodu Open cv-ja imread</a:t>
+            </a:r>
+          </a:p>
+          <a:p>
+            <a:pPr marL="400050" lvl="1" indent="0">
+              <a:buNone/>
+            </a:pPr>
+            <a:endParaRPr lang="sr-Latn-RS" sz="2000" dirty="0" smtClean="0"/>
+          </a:p>
+        </p:txBody>
+      </p:sp>
+    </p:spTree>
+    <p:extLst>
+      <p:ext uri="{BB962C8B-B14F-4D97-AF65-F5344CB8AC3E}">
+        <p14:creationId xmlns:p14="http://schemas.microsoft.com/office/powerpoint/2010/main" val="481513105"/>
+      </p:ext>
+    </p:extLst>
+  </p:cSld>
+  <p:clrMapOvr>
+    <a:masterClrMapping/>
+  </p:clrMapOvr>
+</p:sld>
+</file>
+
+<file path=ppt/slides/slide13.xml><?xml version="1.0" encoding="utf-8"?>
+<p:sld xmlns:a="http://schemas.openxmlformats.org/drawingml/2006/main" xmlns:r="http://schemas.openxmlformats.org/officeDocument/2006/relationships" xmlns:p="http://schemas.openxmlformats.org/presentationml/2006/main">
+  <p:cSld>
+    <p:spTree>
+      <p:nvGrpSpPr>
+        <p:cNvPr id="1" name=""/>
+        <p:cNvGrpSpPr/>
+        <p:nvPr/>
+      </p:nvGrpSpPr>
+      <p:grpSpPr>
+        <a:xfrm>
+          <a:off x="0" y="0"/>
+          <a:ext cx="0" cy="0"/>
+          <a:chOff x="0" y="0"/>
+          <a:chExt cx="0" cy="0"/>
+        </a:xfrm>
+      </p:grpSpPr>
+      <p:sp>
+        <p:nvSpPr>
+          <p:cNvPr id="2" name="Title 1"/>
+          <p:cNvSpPr>
+            <a:spLocks noGrp="1"/>
+          </p:cNvSpPr>
+          <p:nvPr>
+            <p:ph type="title"/>
+          </p:nvPr>
+        </p:nvSpPr>
+        <p:spPr/>
+        <p:txBody>
+          <a:bodyPr/>
+          <a:lstStyle/>
+          <a:p>
+            <a:r>
+              <a:rPr lang="sr-Latn-RS" dirty="0" smtClean="0"/>
+              <a:t>Procesiranje učitane slike</a:t>
+            </a:r>
+            <a:endParaRPr lang="sr-Latn-RS" dirty="0"/>
+          </a:p>
+        </p:txBody>
+      </p:sp>
+      <p:sp>
+        <p:nvSpPr>
+          <p:cNvPr id="3" name="Content Placeholder 2"/>
+          <p:cNvSpPr>
+            <a:spLocks noGrp="1"/>
+          </p:cNvSpPr>
+          <p:nvPr>
+            <p:ph idx="1"/>
+          </p:nvPr>
+        </p:nvSpPr>
+        <p:spPr>
+          <a:xfrm>
+            <a:off x="1103312" y="1339404"/>
+            <a:ext cx="8946541" cy="4908996"/>
+          </a:xfrm>
+        </p:spPr>
+        <p:txBody>
+          <a:bodyPr/>
+          <a:lstStyle/>
+          <a:p>
+            <a:r>
+              <a:rPr lang="sr-Latn-RS" dirty="0"/>
+              <a:t>Učitanu sliku obrađujemo sledećim koracima:</a:t>
+            </a:r>
+          </a:p>
+          <a:p>
+            <a:pPr marL="457200" indent="-457200">
+              <a:buFont typeface="+mj-lt"/>
+              <a:buAutoNum type="arabicPeriod"/>
+            </a:pPr>
+            <a:r>
+              <a:rPr lang="sr-Latn-RS" dirty="0"/>
+              <a:t>Pretvaranje slike u nijanse sive (grayscale)</a:t>
+            </a:r>
+          </a:p>
+          <a:p>
+            <a:pPr marL="457200" indent="-457200">
+              <a:buFont typeface="+mj-lt"/>
+              <a:buAutoNum type="arabicPeriod"/>
+            </a:pPr>
+            <a:r>
+              <a:rPr lang="sr-Latn-RS" dirty="0"/>
+              <a:t>Binarizacija </a:t>
+            </a:r>
+            <a:r>
+              <a:rPr lang="sr-Latn-RS" dirty="0" smtClean="0"/>
+              <a:t>slike - pretvaranje </a:t>
+            </a:r>
+            <a:r>
+              <a:rPr lang="sr-Latn-RS" dirty="0"/>
+              <a:t>slike u nijanse crno-belo (threshold)</a:t>
+            </a:r>
+          </a:p>
+          <a:p>
+            <a:pPr marL="457200" indent="-457200">
+              <a:buFont typeface="+mj-lt"/>
+              <a:buAutoNum type="arabicPeriod"/>
+            </a:pPr>
+            <a:r>
+              <a:rPr lang="sr-Latn-RS" dirty="0"/>
+              <a:t>Primena morfoloških </a:t>
+            </a:r>
+            <a:r>
+              <a:rPr lang="sr-Latn-RS" dirty="0" smtClean="0"/>
+              <a:t>operacija - erozija </a:t>
+            </a:r>
+            <a:r>
+              <a:rPr lang="sr-Latn-RS" dirty="0"/>
+              <a:t>i dilatacija</a:t>
+            </a:r>
+          </a:p>
+          <a:p>
+            <a:pPr marL="800100" lvl="2" indent="0">
+              <a:buNone/>
+            </a:pPr>
+            <a:r>
+              <a:rPr lang="sr-Latn-RS" dirty="0"/>
+              <a:t>Morfološke operacije nad digitalnom slikom se koriste za uklanjanje raznih šumova i smetnji koji su posledica same obrade slike - konvertovanja, binarizacije, itd. Morfološke operacije se vrše nad binarnom slikom.</a:t>
+            </a:r>
+          </a:p>
+          <a:p>
+            <a:pPr marL="457200" indent="-457200">
+              <a:buFont typeface="+mj-lt"/>
+              <a:buAutoNum type="arabicPeriod"/>
+            </a:pPr>
+            <a:r>
+              <a:rPr lang="sr-Latn-RS" dirty="0" smtClean="0"/>
+              <a:t>Invertovanje slike - postupak </a:t>
+            </a:r>
+            <a:r>
+              <a:rPr lang="sr-Latn-RS" dirty="0"/>
+              <a:t>gde svaki piksel dobija sebi komplementarnu vrednost.</a:t>
+            </a:r>
+          </a:p>
+        </p:txBody>
+      </p:sp>
+    </p:spTree>
+    <p:extLst>
+      <p:ext uri="{BB962C8B-B14F-4D97-AF65-F5344CB8AC3E}">
+        <p14:creationId xmlns:p14="http://schemas.microsoft.com/office/powerpoint/2010/main" val="2134819309"/>
+      </p:ext>
+    </p:extLst>
+  </p:cSld>
+  <p:clrMapOvr>
+    <a:masterClrMapping/>
+  </p:clrMapOvr>
+</p:sld>
+</file>
+
+<file path=ppt/slides/slide14.xml><?xml version="1.0" encoding="utf-8"?>
+<p:sld xmlns:a="http://schemas.openxmlformats.org/drawingml/2006/main" xmlns:r="http://schemas.openxmlformats.org/officeDocument/2006/relationships" xmlns:p="http://schemas.openxmlformats.org/presentationml/2006/main">
+  <p:cSld>
+    <p:spTree>
+      <p:nvGrpSpPr>
+        <p:cNvPr id="1" name=""/>
+        <p:cNvGrpSpPr/>
+        <p:nvPr/>
+      </p:nvGrpSpPr>
+      <p:grpSpPr>
+        <a:xfrm>
+          <a:off x="0" y="0"/>
+          <a:ext cx="0" cy="0"/>
+          <a:chOff x="0" y="0"/>
+          <a:chExt cx="0" cy="0"/>
+        </a:xfrm>
+      </p:grpSpPr>
+      <p:sp>
+        <p:nvSpPr>
+          <p:cNvPr id="3" name="Content Placeholder 2"/>
+          <p:cNvSpPr>
+            <a:spLocks noGrp="1"/>
+          </p:cNvSpPr>
+          <p:nvPr>
+            <p:ph idx="1"/>
+          </p:nvPr>
+        </p:nvSpPr>
+        <p:spPr>
+          <a:xfrm>
+            <a:off x="888642" y="437882"/>
+            <a:ext cx="10045521" cy="5810517"/>
+          </a:xfrm>
+        </p:spPr>
+        <p:txBody>
+          <a:bodyPr/>
+          <a:lstStyle/>
+          <a:p>
+            <a:pPr lvl="1" indent="-342900">
+              <a:buFont typeface="+mj-lt"/>
+              <a:buAutoNum type="arabicPeriod" startAt="5"/>
+            </a:pPr>
+            <a:r>
+              <a:rPr lang="sr-Latn-RS" sz="2000" dirty="0" smtClean="0"/>
+              <a:t>Selekcija regiona od interesa</a:t>
+            </a:r>
+          </a:p>
+          <a:p>
+            <a:pPr marL="800100" lvl="2" indent="0">
+              <a:buNone/>
+            </a:pPr>
+            <a:r>
+              <a:rPr lang="sr-Latn-RS" dirty="0" smtClean="0"/>
+              <a:t>Konture, odnosno regioni na slici su grubo rečeno grupe crnih piksela. OpenCV metoda </a:t>
+            </a:r>
+            <a:r>
+              <a:rPr lang="sr-Latn-RS" b="1" i="1" dirty="0" smtClean="0"/>
+              <a:t>findContours</a:t>
+            </a:r>
+            <a:r>
+              <a:rPr lang="sr-Latn-RS" dirty="0" smtClean="0"/>
+              <a:t> pronalazi sve ove grupe crnih piksela, tj. regione. Druga povratna vrednost metode, odnosno </a:t>
+            </a:r>
+            <a:r>
+              <a:rPr lang="sr-Latn-RS" i="1" dirty="0" smtClean="0"/>
+              <a:t>contours</a:t>
+            </a:r>
+            <a:r>
+              <a:rPr lang="sr-Latn-RS" dirty="0" smtClean="0"/>
+              <a:t> je lista svih pronađenih kontura na slici.</a:t>
+            </a:r>
+          </a:p>
+          <a:p>
+            <a:pPr marL="800100" lvl="2" indent="0">
+              <a:buNone/>
+            </a:pPr>
+            <a:r>
+              <a:rPr lang="sr-Latn-RS" dirty="0" smtClean="0"/>
+              <a:t>Svi pronađeni regioni imaju neke svoje karakteristične osobine: površina, obim, konveksni omotač, konveksnost, obuhvatajući pravougaonik, ugao... Ove osobine mogu biti izuzetno korisne kada je neophodno izdvojiti samo određene regione sa slike koji ispoljavaju neku osobinu.</a:t>
+            </a:r>
+          </a:p>
+          <a:p>
+            <a:pPr lvl="1" indent="-342900">
+              <a:buFont typeface="+mj-lt"/>
+              <a:buAutoNum type="arabicPeriod" startAt="6"/>
+            </a:pPr>
+            <a:r>
+              <a:rPr lang="sr-Latn-RS" sz="2000" dirty="0" smtClean="0"/>
+              <a:t>Spajanje regiona (merge_regions)</a:t>
+            </a:r>
+          </a:p>
+          <a:p>
+            <a:pPr lvl="1" indent="-342900">
+              <a:buFont typeface="+mj-lt"/>
+              <a:buAutoNum type="arabicPeriod" startAt="6"/>
+            </a:pPr>
+            <a:r>
+              <a:rPr lang="sr-Latn-RS" sz="2000" dirty="0" smtClean="0"/>
+              <a:t>Prikazivanje rezultata prepoznavanja (display_result)</a:t>
+            </a:r>
+          </a:p>
+          <a:p>
+            <a:pPr lvl="1" indent="-342900">
+              <a:buFont typeface="+mj-lt"/>
+              <a:buAutoNum type="arabicPeriod" startAt="6"/>
+            </a:pPr>
+            <a:endParaRPr lang="sr-Latn-RS" dirty="0"/>
+          </a:p>
+        </p:txBody>
+      </p:sp>
+    </p:spTree>
+    <p:extLst>
+      <p:ext uri="{BB962C8B-B14F-4D97-AF65-F5344CB8AC3E}">
+        <p14:creationId xmlns:p14="http://schemas.microsoft.com/office/powerpoint/2010/main" val="2843641058"/>
+      </p:ext>
+    </p:extLst>
+  </p:cSld>
+  <p:clrMapOvr>
+    <a:masterClrMapping/>
+  </p:clrMapOvr>
+</p:sld>
+</file>
+
+<file path=ppt/slides/slide15.xml><?xml version="1.0" encoding="utf-8"?>
+<p:sld xmlns:a="http://schemas.openxmlformats.org/drawingml/2006/main" xmlns:r="http://schemas.openxmlformats.org/officeDocument/2006/relationships" xmlns:p="http://schemas.openxmlformats.org/presentationml/2006/main">
+  <p:cSld>
+    <p:spTree>
+      <p:nvGrpSpPr>
+        <p:cNvPr id="1" name=""/>
+        <p:cNvGrpSpPr/>
+        <p:nvPr/>
+      </p:nvGrpSpPr>
+      <p:grpSpPr>
+        <a:xfrm>
+          <a:off x="0" y="0"/>
+          <a:ext cx="0" cy="0"/>
+          <a:chOff x="0" y="0"/>
+          <a:chExt cx="0" cy="0"/>
+        </a:xfrm>
+      </p:grpSpPr>
+      <p:sp>
+        <p:nvSpPr>
+          <p:cNvPr id="2" name="Title 1"/>
+          <p:cNvSpPr>
+            <a:spLocks noGrp="1"/>
+          </p:cNvSpPr>
+          <p:nvPr>
+            <p:ph type="title"/>
+          </p:nvPr>
+        </p:nvSpPr>
+        <p:spPr/>
+        <p:txBody>
+          <a:bodyPr/>
+          <a:lstStyle/>
+          <a:p>
+            <a:r>
+              <a:rPr lang="sr-Latn-RS" dirty="0" smtClean="0"/>
+              <a:t>Izračunavanje rezultata	</a:t>
+            </a:r>
+            <a:endParaRPr lang="sr-Latn-RS" dirty="0"/>
+          </a:p>
+        </p:txBody>
+      </p:sp>
+      <p:sp>
+        <p:nvSpPr>
+          <p:cNvPr id="3" name="Content Placeholder 2"/>
+          <p:cNvSpPr>
+            <a:spLocks noGrp="1"/>
+          </p:cNvSpPr>
+          <p:nvPr>
+            <p:ph idx="1"/>
+          </p:nvPr>
+        </p:nvSpPr>
+        <p:spPr/>
+        <p:txBody>
+          <a:bodyPr/>
+          <a:lstStyle/>
+          <a:p>
+            <a:r>
+              <a:rPr lang="sr-Latn-RS" dirty="0" smtClean="0"/>
+              <a:t>Klikom na dugme </a:t>
+            </a:r>
+            <a:r>
+              <a:rPr lang="sr-Latn-RS" i="1" dirty="0" smtClean="0"/>
+              <a:t>Izracunaj </a:t>
+            </a:r>
+            <a:r>
+              <a:rPr lang="sr-Latn-RS" dirty="0" smtClean="0"/>
+              <a:t>poziva se metoda </a:t>
+            </a:r>
+            <a:r>
+              <a:rPr lang="sr-Latn-RS" i="1" dirty="0" smtClean="0"/>
+              <a:t>izracunajRez </a:t>
+            </a:r>
+            <a:r>
+              <a:rPr lang="sr-Latn-RS" dirty="0" smtClean="0"/>
+              <a:t>koja koristi Wolfram Alpha.</a:t>
+            </a:r>
+          </a:p>
+          <a:p>
+            <a:r>
+              <a:rPr lang="sr-Latn-RS" dirty="0" smtClean="0"/>
+              <a:t>Prepoznati matematički izraz se šalje Wolfram-u koji uz pomoć velike baze i algoritama izračunava rezultat</a:t>
+            </a:r>
+            <a:r>
+              <a:rPr lang="sr-Latn-CS" dirty="0" smtClean="0"/>
+              <a:t>.</a:t>
+            </a:r>
+          </a:p>
+          <a:p>
+            <a:r>
+              <a:rPr lang="sr-Latn-CS" dirty="0" smtClean="0"/>
+              <a:t>Dobijeni rezultat se prikazuje na tekstualnom polju aplikacije.</a:t>
+            </a:r>
+            <a:endParaRPr lang="sr-Latn-RS" dirty="0"/>
+          </a:p>
+        </p:txBody>
+      </p:sp>
+    </p:spTree>
+    <p:extLst>
+      <p:ext uri="{BB962C8B-B14F-4D97-AF65-F5344CB8AC3E}">
+        <p14:creationId xmlns:p14="http://schemas.microsoft.com/office/powerpoint/2010/main" val="1504171006"/>
+      </p:ext>
+    </p:extLst>
+  </p:cSld>
+  <p:clrMapOvr>
+    <a:masterClrMapping/>
+  </p:clrMapOvr>
+</p:sld>
+</file>
+
+<file path=ppt/slides/slide16.xml><?xml version="1.0" encoding="utf-8"?>
+<p:sld xmlns:a="http://schemas.openxmlformats.org/drawingml/2006/main" xmlns:r="http://schemas.openxmlformats.org/officeDocument/2006/relationships" xmlns:p="http://schemas.openxmlformats.org/presentationml/2006/main">
+  <p:cSld>
+    <p:spTree>
+      <p:nvGrpSpPr>
+        <p:cNvPr id="1" name=""/>
+        <p:cNvGrpSpPr/>
+        <p:nvPr/>
+      </p:nvGrpSpPr>
+      <p:grpSpPr>
+        <a:xfrm>
+          <a:off x="0" y="0"/>
+          <a:ext cx="0" cy="0"/>
+          <a:chOff x="0" y="0"/>
+          <a:chExt cx="0" cy="0"/>
+        </a:xfrm>
+      </p:grpSpPr>
+      <p:sp>
+        <p:nvSpPr>
+          <p:cNvPr id="2" name="Title 1"/>
+          <p:cNvSpPr>
+            <a:spLocks noGrp="1"/>
+          </p:cNvSpPr>
+          <p:nvPr>
+            <p:ph type="title"/>
+          </p:nvPr>
+        </p:nvSpPr>
+        <p:spPr/>
+        <p:txBody>
+          <a:bodyPr/>
+          <a:lstStyle/>
+          <a:p>
+            <a:r>
+              <a:rPr lang="sr-Latn-RS" dirty="0" smtClean="0"/>
+              <a:t>Problemi do kojih smo dolazili	</a:t>
+            </a:r>
+            <a:endParaRPr lang="sr-Latn-RS" dirty="0"/>
+          </a:p>
+        </p:txBody>
+      </p:sp>
+      <p:sp>
+        <p:nvSpPr>
+          <p:cNvPr id="3" name="Content Placeholder 2"/>
+          <p:cNvSpPr>
+            <a:spLocks noGrp="1"/>
+          </p:cNvSpPr>
+          <p:nvPr>
+            <p:ph idx="1"/>
+          </p:nvPr>
+        </p:nvSpPr>
+        <p:spPr/>
+        <p:txBody>
+          <a:bodyPr/>
+          <a:lstStyle/>
+          <a:p>
+            <a:r>
+              <a:rPr lang="sr-Latn-RS" dirty="0" smtClean="0"/>
+              <a:t>Problemi sa dataset-om:</a:t>
+            </a:r>
+          </a:p>
+          <a:p>
+            <a:pPr lvl="1"/>
+            <a:r>
+              <a:rPr lang="sr-Latn-RS" dirty="0" smtClean="0"/>
+              <a:t>Mnist baza prepoznaje samo brojeve, a ne i matematičke izraze. Pokušaj proširivanja dataset-a matematičkim izrazima nije uspeo.</a:t>
+            </a:r>
+          </a:p>
+          <a:p>
+            <a:pPr lvl="1"/>
+            <a:r>
+              <a:rPr lang="sr-Latn-RS" dirty="0" smtClean="0"/>
+              <a:t>Nist baza prepoznaje i brojeve i matematičke izraze, ali se plaća i nismo uspeli da pronadjemo besplatnu verziju.</a:t>
+            </a:r>
+          </a:p>
+          <a:p>
+            <a:pPr lvl="1"/>
+            <a:r>
+              <a:rPr lang="sr-Latn-RS" dirty="0" smtClean="0"/>
+              <a:t>Pored toga, nismo uspeli da pronađemo nijedan drugi dataset koji sadrži potrebne elemente.</a:t>
+            </a:r>
+          </a:p>
+        </p:txBody>
+      </p:sp>
+    </p:spTree>
+    <p:extLst>
+      <p:ext uri="{BB962C8B-B14F-4D97-AF65-F5344CB8AC3E}">
+        <p14:creationId xmlns:p14="http://schemas.microsoft.com/office/powerpoint/2010/main" val="4115165453"/>
+      </p:ext>
+    </p:extLst>
+  </p:cSld>
+  <p:clrMapOvr>
+    <a:masterClrMapping/>
+  </p:clrMapOvr>
+</p:sld>
+</file>
+
+<file path=ppt/slides/slide17.xml><?xml version="1.0" encoding="utf-8"?>
 <p:sld xmlns:a="http://schemas.openxmlformats.org/drawingml/2006/main" xmlns:r="http://schemas.openxmlformats.org/officeDocument/2006/relationships" xmlns:p="http://schemas.openxmlformats.org/presentationml/2006/main">
   <p:cSld>
     <p:spTree>

--- a/photo_calculator.pptx
+++ b/photo_calculator.pptx
@@ -5,10 +5,10 @@
     <p:sldMasterId id="2147483648" r:id="rId2"/>
   </p:sldMasterIdLst>
   <p:notesMasterIdLst>
-    <p:notesMasterId r:id="rId20"/>
+    <p:notesMasterId r:id="rId23"/>
   </p:notesMasterIdLst>
   <p:handoutMasterIdLst>
-    <p:handoutMasterId r:id="rId21"/>
+    <p:handoutMasterId r:id="rId24"/>
   </p:handoutMasterIdLst>
   <p:sldIdLst>
     <p:sldId id="257" r:id="rId3"/>
@@ -20,14 +20,17 @@
     <p:sldId id="262" r:id="rId9"/>
     <p:sldId id="267" r:id="rId10"/>
     <p:sldId id="269" r:id="rId11"/>
-    <p:sldId id="270" r:id="rId12"/>
-    <p:sldId id="271" r:id="rId13"/>
-    <p:sldId id="272" r:id="rId14"/>
-    <p:sldId id="273" r:id="rId15"/>
-    <p:sldId id="274" r:id="rId16"/>
-    <p:sldId id="275" r:id="rId17"/>
-    <p:sldId id="276" r:id="rId18"/>
-    <p:sldId id="268" r:id="rId19"/>
+    <p:sldId id="277" r:id="rId12"/>
+    <p:sldId id="270" r:id="rId13"/>
+    <p:sldId id="271" r:id="rId14"/>
+    <p:sldId id="272" r:id="rId15"/>
+    <p:sldId id="273" r:id="rId16"/>
+    <p:sldId id="274" r:id="rId17"/>
+    <p:sldId id="275" r:id="rId18"/>
+    <p:sldId id="278" r:id="rId19"/>
+    <p:sldId id="276" r:id="rId20"/>
+    <p:sldId id="279" r:id="rId21"/>
+    <p:sldId id="268" r:id="rId22"/>
   </p:sldIdLst>
   <p:sldSz cx="12192000" cy="6858000"/>
   <p:notesSz cx="7023100" cy="9309100"/>
@@ -216,7 +219,7 @@
           <a:p>
             <a:fld id="{2BCAFC7A-71DD-4C2C-B63D-60FDC7DD5449}" type="datetimeFigureOut">
               <a:rPr lang="en-US" smtClean="0"/>
-              <a:t>5/12/2016</a:t>
+              <a:t>6/27/2016</a:t>
             </a:fld>
             <a:endParaRPr lang="en-US"/>
           </a:p>
@@ -381,7 +384,7 @@
           <a:p>
             <a:fld id="{D85ECAFD-F005-4163-B10D-85806DC43F93}" type="datetimeFigureOut">
               <a:rPr lang="en-US" smtClean="0"/>
-              <a:t>5/12/2016</a:t>
+              <a:t>6/27/2016</a:t>
             </a:fld>
             <a:endParaRPr lang="en-US"/>
           </a:p>
@@ -1183,7 +1186,7 @@
           <a:p>
             <a:fld id="{4AAD347D-5ACD-4C99-B74B-A9C85AD731AF}" type="datetimeFigureOut">
               <a:rPr lang="en-US" smtClean="0"/>
-              <a:t>5/12/2016</a:t>
+              <a:t>6/27/2016</a:t>
             </a:fld>
             <a:endParaRPr lang="en-US"/>
           </a:p>
@@ -1453,7 +1456,7 @@
           <a:p>
             <a:fld id="{4509A250-FF31-4206-8172-F9D3106AACB1}" type="datetimeFigureOut">
               <a:rPr lang="en-US" smtClean="0"/>
-              <a:t>5/12/2016</a:t>
+              <a:t>6/27/2016</a:t>
             </a:fld>
             <a:endParaRPr lang="en-US" dirty="0"/>
           </a:p>
@@ -1575,7 +1578,7 @@
           <a:p>
             <a:fld id="{4509A250-FF31-4206-8172-F9D3106AACB1}" type="datetimeFigureOut">
               <a:rPr lang="en-US" smtClean="0"/>
-              <a:t>5/12/2016</a:t>
+              <a:t>6/27/2016</a:t>
             </a:fld>
             <a:endParaRPr lang="en-US" dirty="0"/>
           </a:p>
@@ -1764,7 +1767,7 @@
           <a:p>
             <a:fld id="{4509A250-FF31-4206-8172-F9D3106AACB1}" type="datetimeFigureOut">
               <a:rPr lang="en-US" smtClean="0"/>
-              <a:t>5/12/2016</a:t>
+              <a:t>6/27/2016</a:t>
             </a:fld>
             <a:endParaRPr lang="en-US" dirty="0"/>
           </a:p>
@@ -2215,7 +2218,7 @@
           <a:p>
             <a:fld id="{4509A250-FF31-4206-8172-F9D3106AACB1}" type="datetimeFigureOut">
               <a:rPr lang="en-US" smtClean="0"/>
-              <a:t>5/12/2016</a:t>
+              <a:t>6/27/2016</a:t>
             </a:fld>
             <a:endParaRPr lang="en-US" dirty="0"/>
           </a:p>
@@ -2337,7 +2340,7 @@
           <a:p>
             <a:fld id="{4509A250-FF31-4206-8172-F9D3106AACB1}" type="datetimeFigureOut">
               <a:rPr lang="en-US" smtClean="0"/>
-              <a:t>5/12/2016</a:t>
+              <a:t>6/27/2016</a:t>
             </a:fld>
             <a:endParaRPr lang="en-US" dirty="0"/>
           </a:p>
@@ -2632,7 +2635,7 @@
           <a:p>
             <a:fld id="{4509A250-FF31-4206-8172-F9D3106AACB1}" type="datetimeFigureOut">
               <a:rPr lang="en-US" smtClean="0"/>
-              <a:t>5/12/2016</a:t>
+              <a:t>6/27/2016</a:t>
             </a:fld>
             <a:endParaRPr lang="en-US" dirty="0"/>
           </a:p>
@@ -3394,7 +3397,7 @@
           <a:p>
             <a:fld id="{4509A250-FF31-4206-8172-F9D3106AACB1}" type="datetimeFigureOut">
               <a:rPr lang="en-US" smtClean="0"/>
-              <a:t>5/12/2016</a:t>
+              <a:t>6/27/2016</a:t>
             </a:fld>
             <a:endParaRPr lang="en-US" dirty="0"/>
           </a:p>
@@ -4249,7 +4252,7 @@
           <a:p>
             <a:fld id="{4509A250-FF31-4206-8172-F9D3106AACB1}" type="datetimeFigureOut">
               <a:rPr lang="en-US" smtClean="0"/>
-              <a:t>5/12/2016</a:t>
+              <a:t>6/27/2016</a:t>
             </a:fld>
             <a:endParaRPr lang="en-US" dirty="0"/>
           </a:p>
@@ -4414,7 +4417,7 @@
           <a:p>
             <a:fld id="{4509A250-FF31-4206-8172-F9D3106AACB1}" type="datetimeFigureOut">
               <a:rPr lang="en-US" smtClean="0"/>
-              <a:t>5/12/2016</a:t>
+              <a:t>6/27/2016</a:t>
             </a:fld>
             <a:endParaRPr lang="en-US" dirty="0"/>
           </a:p>
@@ -4589,7 +4592,7 @@
           <a:p>
             <a:fld id="{4509A250-FF31-4206-8172-F9D3106AACB1}" type="datetimeFigureOut">
               <a:rPr lang="en-US" smtClean="0"/>
-              <a:t>5/12/2016</a:t>
+              <a:t>6/27/2016</a:t>
             </a:fld>
             <a:endParaRPr lang="en-US" dirty="0"/>
           </a:p>
@@ -4754,7 +4757,7 @@
           <a:p>
             <a:fld id="{4509A250-FF31-4206-8172-F9D3106AACB1}" type="datetimeFigureOut">
               <a:rPr lang="en-US" smtClean="0"/>
-              <a:t>5/12/2016</a:t>
+              <a:t>6/27/2016</a:t>
             </a:fld>
             <a:endParaRPr lang="en-US" dirty="0"/>
           </a:p>
@@ -4996,7 +4999,7 @@
           <a:p>
             <a:fld id="{9796027F-7875-4030-9381-8BD8C4F21935}" type="datetimeFigureOut">
               <a:rPr lang="en-US" smtClean="0"/>
-              <a:t>5/12/2016</a:t>
+              <a:t>6/27/2016</a:t>
             </a:fld>
             <a:endParaRPr lang="en-US"/>
           </a:p>
@@ -5283,7 +5286,7 @@
           <a:p>
             <a:fld id="{9796027F-7875-4030-9381-8BD8C4F21935}" type="datetimeFigureOut">
               <a:rPr lang="en-US" smtClean="0"/>
-              <a:t>5/12/2016</a:t>
+              <a:t>6/27/2016</a:t>
             </a:fld>
             <a:endParaRPr lang="en-US"/>
           </a:p>
@@ -5722,7 +5725,7 @@
           <a:p>
             <a:fld id="{9796027F-7875-4030-9381-8BD8C4F21935}" type="datetimeFigureOut">
               <a:rPr lang="en-US" smtClean="0"/>
-              <a:t>5/12/2016</a:t>
+              <a:t>6/27/2016</a:t>
             </a:fld>
             <a:endParaRPr lang="en-US"/>
           </a:p>
@@ -5835,7 +5838,7 @@
           <a:p>
             <a:fld id="{4509A250-FF31-4206-8172-F9D3106AACB1}" type="datetimeFigureOut">
               <a:rPr lang="en-US" smtClean="0"/>
-              <a:t>5/12/2016</a:t>
+              <a:t>6/27/2016</a:t>
             </a:fld>
             <a:endParaRPr lang="en-US" dirty="0"/>
           </a:p>
@@ -5925,7 +5928,7 @@
           <a:p>
             <a:fld id="{4509A250-FF31-4206-8172-F9D3106AACB1}" type="datetimeFigureOut">
               <a:rPr lang="en-US" smtClean="0"/>
-              <a:t>5/12/2016</a:t>
+              <a:t>6/27/2016</a:t>
             </a:fld>
             <a:endParaRPr lang="en-US" dirty="0"/>
           </a:p>
@@ -6199,7 +6202,7 @@
           <a:p>
             <a:fld id="{4509A250-FF31-4206-8172-F9D3106AACB1}" type="datetimeFigureOut">
               <a:rPr lang="en-US" smtClean="0"/>
-              <a:t>5/12/2016</a:t>
+              <a:t>6/27/2016</a:t>
             </a:fld>
             <a:endParaRPr lang="en-US" dirty="0"/>
           </a:p>
@@ -6469,7 +6472,7 @@
           <a:p>
             <a:fld id="{4509A250-FF31-4206-8172-F9D3106AACB1}" type="datetimeFigureOut">
               <a:rPr lang="en-US" smtClean="0"/>
-              <a:t>5/12/2016</a:t>
+              <a:t>6/27/2016</a:t>
             </a:fld>
             <a:endParaRPr lang="en-US" dirty="0"/>
           </a:p>
@@ -6909,7 +6912,7 @@
           <a:p>
             <a:fld id="{4AAD347D-5ACD-4C99-B74B-A9C85AD731AF}" type="datetimeFigureOut">
               <a:rPr lang="en-US" smtClean="0"/>
-              <a:t>5/12/2016</a:t>
+              <a:t>6/27/2016</a:t>
             </a:fld>
             <a:endParaRPr lang="en-US"/>
           </a:p>
@@ -7751,6 +7754,88 @@
           <a:lstStyle/>
           <a:p>
             <a:r>
+              <a:rPr lang="sr-Latn-RS" dirty="0" smtClean="0"/>
+              <a:t>Način implementacije</a:t>
+            </a:r>
+            <a:endParaRPr lang="en-US" dirty="0"/>
+          </a:p>
+        </p:txBody>
+      </p:sp>
+      <p:sp>
+        <p:nvSpPr>
+          <p:cNvPr id="3" name="Content Placeholder 2"/>
+          <p:cNvSpPr>
+            <a:spLocks noGrp="1"/>
+          </p:cNvSpPr>
+          <p:nvPr>
+            <p:ph idx="1"/>
+          </p:nvPr>
+        </p:nvSpPr>
+        <p:spPr/>
+        <p:txBody>
+          <a:bodyPr/>
+          <a:lstStyle/>
+          <a:p>
+            <a:r>
+              <a:rPr lang="sr-Latn-RS" dirty="0" smtClean="0"/>
+              <a:t>Sistem je implementiran u programskom jeziku python uz pomoć openCV biblioteke.</a:t>
+            </a:r>
+          </a:p>
+          <a:p>
+            <a:r>
+              <a:rPr lang="sr-Latn-RS" dirty="0" smtClean="0"/>
+              <a:t>Interfejs je napravljen pomoću Tkinter biblioteke i nudi korisnicima mogućnost izbora slike za obučavanje neuronske mreže, dugme za obučavanje, izbor test slike sa matematičkim izrazom koji nželimo da izračunamo i dugme za izračunavanje izraza. Pored toga nalazi se i polje koje prikazuje matematički izraz sa slike, kao i rezultat. </a:t>
+            </a:r>
+            <a:endParaRPr lang="en-US" dirty="0"/>
+          </a:p>
+        </p:txBody>
+      </p:sp>
+    </p:spTree>
+    <p:extLst>
+      <p:ext uri="{BB962C8B-B14F-4D97-AF65-F5344CB8AC3E}">
+        <p14:creationId xmlns:p14="http://schemas.microsoft.com/office/powerpoint/2010/main" val="2247693841"/>
+      </p:ext>
+    </p:extLst>
+  </p:cSld>
+  <p:clrMapOvr>
+    <a:masterClrMapping/>
+  </p:clrMapOvr>
+</p:sld>
+</file>
+
+<file path=ppt/slides/slide11.xml><?xml version="1.0" encoding="utf-8"?>
+<p:sld xmlns:a="http://schemas.openxmlformats.org/drawingml/2006/main" xmlns:r="http://schemas.openxmlformats.org/officeDocument/2006/relationships" xmlns:p="http://schemas.openxmlformats.org/presentationml/2006/main">
+  <p:cSld>
+    <p:spTree>
+      <p:nvGrpSpPr>
+        <p:cNvPr id="1" name=""/>
+        <p:cNvGrpSpPr/>
+        <p:nvPr/>
+      </p:nvGrpSpPr>
+      <p:grpSpPr>
+        <a:xfrm>
+          <a:off x="0" y="0"/>
+          <a:ext cx="0" cy="0"/>
+          <a:chOff x="0" y="0"/>
+          <a:chExt cx="0" cy="0"/>
+        </a:xfrm>
+      </p:grpSpPr>
+      <p:sp>
+        <p:nvSpPr>
+          <p:cNvPr id="2" name="Title 1"/>
+          <p:cNvSpPr>
+            <a:spLocks noGrp="1"/>
+          </p:cNvSpPr>
+          <p:nvPr>
+            <p:ph type="title"/>
+          </p:nvPr>
+        </p:nvSpPr>
+        <p:spPr/>
+        <p:txBody>
+          <a:bodyPr/>
+          <a:lstStyle/>
+          <a:p>
+            <a:r>
               <a:rPr lang="en-US" dirty="0" err="1" smtClean="0"/>
               <a:t>Obu</a:t>
             </a:r>
@@ -7869,125 +7954,6 @@
 </p:sld>
 </file>
 
-<file path=ppt/slides/slide11.xml><?xml version="1.0" encoding="utf-8"?>
-<p:sld xmlns:a="http://schemas.openxmlformats.org/drawingml/2006/main" xmlns:r="http://schemas.openxmlformats.org/officeDocument/2006/relationships" xmlns:p="http://schemas.openxmlformats.org/presentationml/2006/main">
-  <p:cSld>
-    <p:spTree>
-      <p:nvGrpSpPr>
-        <p:cNvPr id="1" name=""/>
-        <p:cNvGrpSpPr/>
-        <p:nvPr/>
-      </p:nvGrpSpPr>
-      <p:grpSpPr>
-        <a:xfrm>
-          <a:off x="0" y="0"/>
-          <a:ext cx="0" cy="0"/>
-          <a:chOff x="0" y="0"/>
-          <a:chExt cx="0" cy="0"/>
-        </a:xfrm>
-      </p:grpSpPr>
-      <p:sp>
-        <p:nvSpPr>
-          <p:cNvPr id="2" name="Title 1"/>
-          <p:cNvSpPr>
-            <a:spLocks noGrp="1"/>
-          </p:cNvSpPr>
-          <p:nvPr>
-            <p:ph type="title"/>
-          </p:nvPr>
-        </p:nvSpPr>
-        <p:spPr/>
-        <p:txBody>
-          <a:bodyPr/>
-          <a:lstStyle/>
-          <a:p>
-            <a:r>
-              <a:rPr lang="sr-Latn-RS" dirty="0" smtClean="0"/>
-              <a:t>Obučavanje neuronske mreže</a:t>
-            </a:r>
-            <a:endParaRPr lang="sr-Latn-RS" dirty="0"/>
-          </a:p>
-        </p:txBody>
-      </p:sp>
-      <p:sp>
-        <p:nvSpPr>
-          <p:cNvPr id="3" name="Content Placeholder 2"/>
-          <p:cNvSpPr>
-            <a:spLocks noGrp="1"/>
-          </p:cNvSpPr>
-          <p:nvPr>
-            <p:ph idx="1"/>
-          </p:nvPr>
-        </p:nvSpPr>
-        <p:spPr/>
-        <p:txBody>
-          <a:bodyPr/>
-          <a:lstStyle/>
-          <a:p>
-            <a:r>
-              <a:rPr lang="sr-Latn-RS" dirty="0" smtClean="0"/>
-              <a:t>Unutar aplikacije postoji mogućnost izbora obučavajućeg skupa, tako da korisnik može da učita sliku na kojoj se nalazi obučavajući skup sa svojim rukopisom.</a:t>
-            </a:r>
-          </a:p>
-          <a:p>
-            <a:r>
-              <a:rPr lang="sr-Latn-RS" dirty="0" smtClean="0"/>
-              <a:t>!!!!stavi sliku</a:t>
-            </a:r>
-          </a:p>
-          <a:p>
-            <a:endParaRPr lang="sr-Latn-RS" dirty="0"/>
-          </a:p>
-          <a:p>
-            <a:r>
-              <a:rPr lang="sr-Latn-RS" dirty="0" smtClean="0"/>
-              <a:t>Da bi obučio neuronsku mrežu, korisnik mora da klikne na dugme OBUČI.</a:t>
-            </a:r>
-          </a:p>
-          <a:p>
-            <a:pPr marL="0" indent="0">
-              <a:buNone/>
-            </a:pPr>
-            <a:endParaRPr lang="sr-Latn-RS" dirty="0" smtClean="0"/>
-          </a:p>
-        </p:txBody>
-      </p:sp>
-      <p:pic>
-        <p:nvPicPr>
-          <p:cNvPr id="4" name="Picture 3"/>
-          <p:cNvPicPr>
-            <a:picLocks noChangeAspect="1"/>
-          </p:cNvPicPr>
-          <p:nvPr/>
-        </p:nvPicPr>
-        <p:blipFill rotWithShape="1">
-          <a:blip r:embed="rId2"/>
-          <a:srcRect l="32744" t="43618" r="59437" b="46522"/>
-          <a:stretch/>
-        </p:blipFill>
-        <p:spPr>
-          <a:xfrm>
-            <a:off x="4665892" y="4829577"/>
-            <a:ext cx="1017431" cy="721217"/>
-          </a:xfrm>
-          <a:prstGeom prst="rect">
-            <a:avLst/>
-          </a:prstGeom>
-        </p:spPr>
-      </p:pic>
-    </p:spTree>
-    <p:extLst>
-      <p:ext uri="{BB962C8B-B14F-4D97-AF65-F5344CB8AC3E}">
-        <p14:creationId xmlns:p14="http://schemas.microsoft.com/office/powerpoint/2010/main" val="1960405003"/>
-      </p:ext>
-    </p:extLst>
-  </p:cSld>
-  <p:clrMapOvr>
-    <a:masterClrMapping/>
-  </p:clrMapOvr>
-</p:sld>
-</file>
-
 <file path=ppt/slides/slide12.xml><?xml version="1.0" encoding="utf-8"?>
 <p:sld xmlns:a="http://schemas.openxmlformats.org/drawingml/2006/main" xmlns:r="http://schemas.openxmlformats.org/officeDocument/2006/relationships" xmlns:p="http://schemas.openxmlformats.org/presentationml/2006/main">
   <p:cSld>
@@ -8022,7 +7988,7 @@
           <a:p>
             <a:r>
               <a:rPr lang="sr-Latn-RS" dirty="0" smtClean="0"/>
-              <a:t>Učitavanje slike	</a:t>
+              <a:t>Obučavanje neuronske mreže</a:t>
             </a:r>
             <a:endParaRPr lang="sr-Latn-RS" dirty="0"/>
           </a:p>
@@ -8038,49 +8004,58 @@
             <p:ph idx="1"/>
           </p:nvPr>
         </p:nvSpPr>
+        <p:spPr/>
+        <p:txBody>
+          <a:bodyPr/>
+          <a:lstStyle/>
+          <a:p>
+            <a:r>
+              <a:rPr lang="sr-Latn-RS" dirty="0" smtClean="0"/>
+              <a:t>Unutar aplikacije postoji mogućnost izbora obučavajućeg skupa, tako da korisnik može da učita sliku na kojoj se nalazi obučavajući skup sa svojim rukopisom.</a:t>
+            </a:r>
+            <a:endParaRPr lang="sr-Latn-RS" dirty="0"/>
+          </a:p>
+          <a:p>
+            <a:r>
+              <a:rPr lang="sr-Latn-RS" dirty="0" smtClean="0"/>
+              <a:t>Da bi obučio neuronsku mrežu, korisnik mora da klikne na dugme OBUČI.</a:t>
+            </a:r>
+          </a:p>
+          <a:p>
+            <a:pPr marL="0" indent="0">
+              <a:buNone/>
+            </a:pPr>
+            <a:endParaRPr lang="sr-Latn-RS" dirty="0" smtClean="0"/>
+          </a:p>
+        </p:txBody>
+      </p:sp>
+      <p:pic>
+        <p:nvPicPr>
+          <p:cNvPr id="4" name="Picture 3"/>
+          <p:cNvPicPr>
+            <a:picLocks noChangeAspect="1"/>
+          </p:cNvPicPr>
+          <p:nvPr/>
+        </p:nvPicPr>
+        <p:blipFill rotWithShape="1">
+          <a:blip r:embed="rId2"/>
+          <a:srcRect l="32744" t="43618" r="59437" b="46522"/>
+          <a:stretch/>
+        </p:blipFill>
         <p:spPr>
           <a:xfrm>
-            <a:off x="1103312" y="1223493"/>
-            <a:ext cx="8946541" cy="5024907"/>
+            <a:off x="1698102" y="3790049"/>
+            <a:ext cx="1017431" cy="721217"/>
           </a:xfrm>
+          <a:prstGeom prst="rect">
+            <a:avLst/>
+          </a:prstGeom>
         </p:spPr>
-        <p:txBody>
-          <a:bodyPr>
-            <a:noAutofit/>
-          </a:bodyPr>
-          <a:lstStyle/>
-          <a:p>
-            <a:r>
-              <a:rPr lang="sr-Latn-RS" dirty="0" smtClean="0"/>
-              <a:t>Učitavanje slike vrši se klikom na dugme Učitaj sliku, nakon čega korisnik iz fajl menija mora da izabere sliku na kojoj se nalazi matematički izraz koji želi da izračuna. </a:t>
-            </a:r>
-          </a:p>
-          <a:p>
-            <a:r>
-              <a:rPr lang="sr-Latn-RS" dirty="0" smtClean="0"/>
-              <a:t>Obrada slike se vrši u metodi </a:t>
-            </a:r>
-            <a:r>
-              <a:rPr lang="sr-Latn-RS" i="1" dirty="0" smtClean="0"/>
-              <a:t>ucitavanjeSlike</a:t>
-            </a:r>
-            <a:r>
-              <a:rPr lang="sr-Latn-RS" dirty="0" smtClean="0"/>
-              <a:t> kojoj prosleđujemo parametar koji predstavlja putanju do slike. Putanja se šalje u metodu Open cv-ja imread</a:t>
-            </a:r>
-          </a:p>
-          <a:p>
-            <a:pPr marL="400050" lvl="1" indent="0">
-              <a:buNone/>
-            </a:pPr>
-            <a:endParaRPr lang="sr-Latn-RS" sz="2000" dirty="0" smtClean="0"/>
-          </a:p>
-        </p:txBody>
-      </p:sp>
+      </p:pic>
     </p:spTree>
     <p:extLst>
       <p:ext uri="{BB962C8B-B14F-4D97-AF65-F5344CB8AC3E}">
-        <p14:creationId xmlns:p14="http://schemas.microsoft.com/office/powerpoint/2010/main" val="481513105"/>
+        <p14:creationId xmlns:p14="http://schemas.microsoft.com/office/powerpoint/2010/main" val="1960405003"/>
       </p:ext>
     </p:extLst>
   </p:cSld>
@@ -8124,7 +8099,7 @@
           <a:p>
             <a:r>
               <a:rPr lang="sr-Latn-RS" dirty="0" smtClean="0"/>
-              <a:t>Procesiranje učitane slike</a:t>
+              <a:t>Učitavanje slike	</a:t>
             </a:r>
             <a:endParaRPr lang="sr-Latn-RS" dirty="0"/>
           </a:p>
@@ -8142,94 +8117,47 @@
         </p:nvSpPr>
         <p:spPr>
           <a:xfrm>
-            <a:off x="1103312" y="1339404"/>
-            <a:ext cx="8946541" cy="4908996"/>
+            <a:off x="1103312" y="1223493"/>
+            <a:ext cx="8946541" cy="5024907"/>
           </a:xfrm>
         </p:spPr>
         <p:txBody>
-          <a:bodyPr/>
-          <a:lstStyle/>
-          <a:p>
-            <a:r>
-              <a:rPr lang="sr-Latn-RS" dirty="0"/>
-              <a:t>Učitanu sliku obrađujemo sledećim koracima:</a:t>
-            </a:r>
-          </a:p>
-          <a:p>
-            <a:pPr marL="457200" indent="-457200">
-              <a:buFont typeface="+mj-lt"/>
-              <a:buAutoNum type="arabicPeriod"/>
+          <a:bodyPr>
+            <a:noAutofit/>
+          </a:bodyPr>
+          <a:lstStyle/>
+          <a:p>
+            <a:r>
+              <a:rPr lang="sr-Latn-RS" dirty="0" smtClean="0"/>
+              <a:t>Učitavanje slike vrši se klikom na dugme Učitaj sliku, nakon čega korisnik iz fajl menija mora da izabere sliku na kojoj se nalazi matematički izraz koji želi da izračuna. </a:t>
+            </a:r>
+          </a:p>
+          <a:p>
+            <a:r>
+              <a:rPr lang="sr-Latn-RS" dirty="0" smtClean="0"/>
+              <a:t>Obrada slike se vrši u metodi </a:t>
+            </a:r>
+            <a:r>
+              <a:rPr lang="sr-Latn-RS" i="1" dirty="0" smtClean="0"/>
+              <a:t>ucitavanjeSlike</a:t>
+            </a:r>
+            <a:r>
+              <a:rPr lang="sr-Latn-RS" dirty="0" smtClean="0"/>
+              <a:t> kojoj prosleđujemo parametar koji predstavlja putanju do slike. Putanja se šalje u metodu Open cv-ja imread</a:t>
+            </a:r>
+          </a:p>
+          <a:p>
+            <a:pPr marL="400050" lvl="1" indent="0">
+              <a:buNone/>
             </a:pPr>
-            <a:r>
-              <a:rPr lang="sr-Latn-RS" dirty="0"/>
-              <a:t>Pretvaranje slike u nijanse sive (grayscale)</a:t>
-            </a:r>
-          </a:p>
-          <a:p>
-            <a:pPr marL="457200" indent="-457200">
-              <a:buFont typeface="+mj-lt"/>
-              <a:buAutoNum type="arabicPeriod"/>
-            </a:pPr>
-            <a:r>
-              <a:rPr lang="sr-Latn-RS" dirty="0"/>
-              <a:t>Binarizacija </a:t>
-            </a:r>
-            <a:r>
-              <a:rPr lang="sr-Latn-RS" dirty="0" smtClean="0"/>
-              <a:t>slike - pretvaranje </a:t>
-            </a:r>
-            <a:r>
-              <a:rPr lang="sr-Latn-RS" dirty="0"/>
-              <a:t>slike u nijanse crno-belo (threshold)</a:t>
-            </a:r>
-          </a:p>
-          <a:p>
-            <a:pPr marL="457200" indent="-457200">
-              <a:buFont typeface="+mj-lt"/>
-              <a:buAutoNum type="arabicPeriod"/>
-            </a:pPr>
-            <a:r>
-              <a:rPr lang="sr-Latn-RS" dirty="0"/>
-              <a:t>Primena morfoloških </a:t>
-            </a:r>
-            <a:r>
-              <a:rPr lang="sr-Latn-RS" dirty="0" smtClean="0"/>
-              <a:t>operacija - erozija </a:t>
-            </a:r>
-            <a:r>
-              <a:rPr lang="sr-Latn-RS" dirty="0"/>
-              <a:t>i dilatacija</a:t>
-            </a:r>
-          </a:p>
-          <a:p>
-            <a:pPr marL="800100" lvl="2" indent="0">
-              <a:buNone/>
-            </a:pPr>
-            <a:r>
-              <a:rPr lang="sr-Latn-RS" dirty="0"/>
-              <a:t>Morfološke operacije nad digitalnom slikom se koriste za uklanjanje raznih šumova i smetnji koji su posledica same obrade slike - konvertovanja, binarizacije, itd. Morfološke operacije se vrše nad binarnom slikom.</a:t>
-            </a:r>
-          </a:p>
-          <a:p>
-            <a:pPr marL="457200" indent="-457200">
-              <a:buFont typeface="+mj-lt"/>
-              <a:buAutoNum type="arabicPeriod"/>
-            </a:pPr>
-            <a:r>
-              <a:rPr lang="sr-Latn-RS" dirty="0" smtClean="0"/>
-              <a:t>Invertovanje slike - postupak </a:t>
-            </a:r>
-            <a:r>
-              <a:rPr lang="sr-Latn-RS" dirty="0"/>
-              <a:t>gde svaki piksel dobija sebi komplementarnu vrednost.</a:t>
-            </a:r>
+            <a:endParaRPr lang="sr-Latn-RS" sz="2000" dirty="0" smtClean="0"/>
           </a:p>
         </p:txBody>
       </p:sp>
     </p:spTree>
     <p:extLst>
       <p:ext uri="{BB962C8B-B14F-4D97-AF65-F5344CB8AC3E}">
-        <p14:creationId xmlns:p14="http://schemas.microsoft.com/office/powerpoint/2010/main" val="2134819309"/>
+        <p14:creationId xmlns:p14="http://schemas.microsoft.com/office/powerpoint/2010/main" val="481513105"/>
       </p:ext>
     </p:extLst>
   </p:cSld>
@@ -8258,6 +8186,29 @@
       </p:grpSpPr>
       <p:sp>
         <p:nvSpPr>
+          <p:cNvPr id="2" name="Title 1"/>
+          <p:cNvSpPr>
+            <a:spLocks noGrp="1"/>
+          </p:cNvSpPr>
+          <p:nvPr>
+            <p:ph type="title"/>
+          </p:nvPr>
+        </p:nvSpPr>
+        <p:spPr/>
+        <p:txBody>
+          <a:bodyPr/>
+          <a:lstStyle/>
+          <a:p>
+            <a:r>
+              <a:rPr lang="sr-Latn-RS" dirty="0" smtClean="0"/>
+              <a:t>Procesiranje učitane slike</a:t>
+            </a:r>
+            <a:endParaRPr lang="sr-Latn-RS" dirty="0"/>
+          </a:p>
+        </p:txBody>
+      </p:sp>
+      <p:sp>
+        <p:nvSpPr>
           <p:cNvPr id="3" name="Content Placeholder 2"/>
           <p:cNvSpPr>
             <a:spLocks noGrp="1"/>
@@ -8268,21 +8219,63 @@
         </p:nvSpPr>
         <p:spPr>
           <a:xfrm>
-            <a:off x="888642" y="437882"/>
-            <a:ext cx="10045521" cy="5810517"/>
+            <a:off x="1103312" y="1339404"/>
+            <a:ext cx="8946541" cy="4908996"/>
           </a:xfrm>
         </p:spPr>
         <p:txBody>
           <a:bodyPr/>
           <a:lstStyle/>
           <a:p>
-            <a:pPr lvl="1" indent="-342900">
+            <a:r>
+              <a:rPr lang="sr-Latn-RS" dirty="0"/>
+              <a:t>Učitanu sliku obrađujemo sledećim koracima:</a:t>
+            </a:r>
+          </a:p>
+          <a:p>
+            <a:pPr marL="457200" indent="-457200">
               <a:buFont typeface="+mj-lt"/>
-              <a:buAutoNum type="arabicPeriod" startAt="5"/>
+              <a:buAutoNum type="arabicPeriod"/>
             </a:pPr>
             <a:r>
-              <a:rPr lang="sr-Latn-RS" sz="2000" dirty="0" smtClean="0"/>
-              <a:t>Selekcija regiona od interesa</a:t>
+              <a:rPr lang="sr-Latn-RS" dirty="0"/>
+              <a:t>Pretvaranje slike u nijanse sive (grayscale)</a:t>
+            </a:r>
+          </a:p>
+          <a:p>
+            <a:pPr marL="457200" indent="-457200">
+              <a:buFont typeface="+mj-lt"/>
+              <a:buAutoNum type="arabicPeriod"/>
+            </a:pPr>
+            <a:r>
+              <a:rPr lang="sr-Latn-RS" dirty="0"/>
+              <a:t>Binarizacija </a:t>
+            </a:r>
+            <a:r>
+              <a:rPr lang="sr-Latn-RS" dirty="0" smtClean="0"/>
+              <a:t>slike - pretvaranje </a:t>
+            </a:r>
+            <a:r>
+              <a:rPr lang="sr-Latn-RS" dirty="0"/>
+              <a:t>slike u nijanse crno-belo (threshold)</a:t>
+            </a:r>
+          </a:p>
+          <a:p>
+            <a:pPr marL="457200" indent="-457200">
+              <a:buFont typeface="+mj-lt"/>
+              <a:buAutoNum type="arabicPeriod"/>
+            </a:pPr>
+            <a:r>
+              <a:rPr lang="sr-Latn-RS" dirty="0"/>
+              <a:t>Primena morfoloških </a:t>
+            </a:r>
+            <a:r>
+              <a:rPr lang="sr-Latn-RS" dirty="0" smtClean="0"/>
+              <a:t>operacija - erozija </a:t>
+            </a:r>
+            <a:r>
+              <a:rPr lang="sr-Latn-RS" dirty="0"/>
+              <a:t>i dilatacija</a:t>
             </a:r>
           </a:p>
           <a:p>
@@ -8290,68 +8283,30 @@
               <a:buNone/>
             </a:pPr>
             <a:r>
+              <a:rPr lang="sr-Latn-RS" dirty="0"/>
+              <a:t>Morfološke operacije nad digitalnom slikom se koriste za uklanjanje raznih šumova i smetnji koji su posledica same obrade slike - konvertovanja, binarizacije, itd. Morfološke operacije se vrše nad binarnom slikom.</a:t>
+            </a:r>
+          </a:p>
+          <a:p>
+            <a:pPr marL="457200" indent="-457200">
+              <a:buFont typeface="+mj-lt"/>
+              <a:buAutoNum type="arabicPeriod"/>
+            </a:pPr>
+            <a:r>
               <a:rPr lang="sr-Latn-RS" dirty="0" smtClean="0"/>
-              <a:t>Konture, odnosno regioni na slici su grubo rečeno grupe crnih piksela. OpenCV metoda </a:t>
-            </a:r>
-            <a:r>
-              <a:rPr lang="sr-Latn-RS" b="1" i="1" dirty="0" smtClean="0"/>
-              <a:t>findContours</a:t>
-            </a:r>
-            <a:r>
-              <a:rPr lang="sr-Latn-RS" dirty="0" smtClean="0"/>
-              <a:t> pronalazi sve ove grupe crnih piksela, tj. regione. Druga povratna vrednost metode, odnosno </a:t>
-            </a:r>
-            <a:r>
-              <a:rPr lang="sr-Latn-RS" i="1" dirty="0" smtClean="0"/>
-              <a:t>contours</a:t>
-            </a:r>
-            <a:r>
-              <a:rPr lang="sr-Latn-RS" dirty="0" smtClean="0"/>
-              <a:t> je lista svih pronađenih kontura na slici.</a:t>
-            </a:r>
-          </a:p>
-          <a:p>
-            <a:pPr marL="800100" lvl="2" indent="0">
-              <a:buNone/>
-            </a:pPr>
-            <a:r>
-              <a:rPr lang="sr-Latn-RS" dirty="0" smtClean="0"/>
-              <a:t>Svi pronađeni regioni imaju neke svoje karakteristične osobine: površina, obim, konveksni omotač, konveksnost, obuhvatajući pravougaonik, ugao... Ove osobine mogu biti izuzetno korisne kada je neophodno izdvojiti samo određene regione sa slike koji ispoljavaju neku osobinu.</a:t>
-            </a:r>
-          </a:p>
-          <a:p>
-            <a:pPr lvl="1" indent="-342900">
-              <a:buFont typeface="+mj-lt"/>
-              <a:buAutoNum type="arabicPeriod" startAt="6"/>
-            </a:pPr>
-            <a:r>
-              <a:rPr lang="sr-Latn-RS" sz="2000" dirty="0" smtClean="0"/>
-              <a:t>Spajanje regiona (merge_regions)</a:t>
-            </a:r>
-          </a:p>
-          <a:p>
-            <a:pPr lvl="1" indent="-342900">
-              <a:buFont typeface="+mj-lt"/>
-              <a:buAutoNum type="arabicPeriod" startAt="6"/>
-            </a:pPr>
-            <a:r>
-              <a:rPr lang="sr-Latn-RS" sz="2000" dirty="0" smtClean="0"/>
-              <a:t>Prikazivanje rezultata prepoznavanja (display_result)</a:t>
-            </a:r>
-          </a:p>
-          <a:p>
-            <a:pPr lvl="1" indent="-342900">
-              <a:buFont typeface="+mj-lt"/>
-              <a:buAutoNum type="arabicPeriod" startAt="6"/>
-            </a:pPr>
-            <a:endParaRPr lang="sr-Latn-RS" dirty="0"/>
+              <a:t>Invertovanje slike - postupak </a:t>
+            </a:r>
+            <a:r>
+              <a:rPr lang="sr-Latn-RS" dirty="0"/>
+              <a:t>gde svaki piksel dobija sebi komplementarnu vrednost.</a:t>
+            </a:r>
           </a:p>
         </p:txBody>
       </p:sp>
     </p:spTree>
     <p:extLst>
       <p:ext uri="{BB962C8B-B14F-4D97-AF65-F5344CB8AC3E}">
-        <p14:creationId xmlns:p14="http://schemas.microsoft.com/office/powerpoint/2010/main" val="2843641058"/>
+        <p14:creationId xmlns:p14="http://schemas.microsoft.com/office/powerpoint/2010/main" val="2134819309"/>
       </p:ext>
     </p:extLst>
   </p:cSld>
@@ -8380,78 +8335,92 @@
       </p:grpSpPr>
       <p:sp>
         <p:nvSpPr>
-          <p:cNvPr id="2" name="Title 1"/>
-          <p:cNvSpPr>
-            <a:spLocks noGrp="1"/>
-          </p:cNvSpPr>
-          <p:nvPr>
-            <p:ph type="title"/>
-          </p:nvPr>
-        </p:nvSpPr>
-        <p:spPr/>
+          <p:cNvPr id="3" name="Content Placeholder 2"/>
+          <p:cNvSpPr>
+            <a:spLocks noGrp="1"/>
+          </p:cNvSpPr>
+          <p:nvPr>
+            <p:ph idx="1"/>
+          </p:nvPr>
+        </p:nvSpPr>
+        <p:spPr>
+          <a:xfrm>
+            <a:off x="888642" y="437882"/>
+            <a:ext cx="10045521" cy="5810517"/>
+          </a:xfrm>
+        </p:spPr>
         <p:txBody>
           <a:bodyPr/>
           <a:lstStyle/>
           <a:p>
+            <a:pPr lvl="1" indent="-342900">
+              <a:buFont typeface="+mj-lt"/>
+              <a:buAutoNum type="arabicPeriod" startAt="5"/>
+            </a:pPr>
+            <a:r>
+              <a:rPr lang="sr-Latn-RS" sz="2000" dirty="0" smtClean="0"/>
+              <a:t>Selekcija regiona od interesa</a:t>
+            </a:r>
+          </a:p>
+          <a:p>
+            <a:pPr marL="800100" lvl="2" indent="0">
+              <a:buNone/>
+            </a:pPr>
             <a:r>
               <a:rPr lang="sr-Latn-RS" dirty="0" smtClean="0"/>
-              <a:t>Izračunavanje rezultata	</a:t>
-            </a:r>
-            <a:endParaRPr lang="sr-Latn-RS" dirty="0"/>
-          </a:p>
-        </p:txBody>
-      </p:sp>
-      <p:sp>
-        <p:nvSpPr>
-          <p:cNvPr id="3" name="Content Placeholder 2"/>
-          <p:cNvSpPr>
-            <a:spLocks noGrp="1"/>
-          </p:cNvSpPr>
-          <p:nvPr>
-            <p:ph idx="1"/>
-          </p:nvPr>
-        </p:nvSpPr>
-        <p:spPr/>
-        <p:txBody>
-          <a:bodyPr/>
-          <a:lstStyle/>
-          <a:p>
+              <a:t>Konture, odnosno regioni na slici su grubo rečeno grupe crnih piksela. OpenCV metoda </a:t>
+            </a:r>
+            <a:r>
+              <a:rPr lang="sr-Latn-RS" b="1" i="1" dirty="0" smtClean="0"/>
+              <a:t>findContours</a:t>
+            </a:r>
             <a:r>
               <a:rPr lang="sr-Latn-RS" dirty="0" smtClean="0"/>
-              <a:t>Klikom na dugme </a:t>
+              <a:t> pronalazi sve ove grupe crnih piksela, tj. regione. Druga povratna vrednost metode, odnosno </a:t>
             </a:r>
             <a:r>
               <a:rPr lang="sr-Latn-RS" i="1" dirty="0" smtClean="0"/>
-              <a:t>Izracunaj </a:t>
+              <a:t>contours</a:t>
             </a:r>
             <a:r>
               <a:rPr lang="sr-Latn-RS" dirty="0" smtClean="0"/>
-              <a:t>poziva se metoda </a:t>
-            </a:r>
-            <a:r>
-              <a:rPr lang="sr-Latn-RS" i="1" dirty="0" smtClean="0"/>
-              <a:t>izracunajRez </a:t>
-            </a:r>
+              <a:t> je lista svih pronađenih kontura na slici.</a:t>
+            </a:r>
+          </a:p>
+          <a:p>
+            <a:pPr marL="800100" lvl="2" indent="0">
+              <a:buNone/>
+            </a:pPr>
             <a:r>
               <a:rPr lang="sr-Latn-RS" dirty="0" smtClean="0"/>
-              <a:t>koja koristi Wolfram Alpha.</a:t>
-            </a:r>
-          </a:p>
-          <a:p>
-            <a:r>
-              <a:rPr lang="sr-Latn-RS" dirty="0" smtClean="0"/>
-              <a:t>Prepoznati matematički izraz se šalje Wolfram-u koji uz pomoć velike baze i algoritama izračunava rezultat</a:t>
-            </a:r>
-            <a:r>
-              <a:rPr lang="sr-Latn-CS" dirty="0" smtClean="0"/>
-              <a:t>.</a:t>
-            </a:r>
-          </a:p>
-          <a:p>
-            <a:r>
-              <a:rPr lang="sr-Latn-CS" dirty="0" smtClean="0"/>
-              <a:t>Dobijeni rezultat se prikazuje na tekstualnom polju aplikacije.</a:t>
-            </a:r>
+              <a:t>Svi pronađeni regioni imaju neke svoje karakteristične osobine: površina, obim, konveksni omotač, konveksnost, obuhvatajući pravougaonik, ugao... Ove osobine mogu biti izuzetno korisne kada je neophodno izdvojiti samo određene regione sa slike koji ispoljavaju neku osobinu.</a:t>
+            </a:r>
+          </a:p>
+          <a:p>
+            <a:pPr lvl="1" indent="-342900">
+              <a:buFont typeface="+mj-lt"/>
+              <a:buAutoNum type="arabicPeriod" startAt="6"/>
+            </a:pPr>
+            <a:r>
+              <a:rPr lang="sr-Latn-RS" sz="2000" dirty="0" smtClean="0"/>
+              <a:t>Spajanje regiona (merge_regions)</a:t>
+            </a:r>
+          </a:p>
+          <a:p>
+            <a:pPr lvl="1" indent="-342900">
+              <a:buFont typeface="+mj-lt"/>
+              <a:buAutoNum type="arabicPeriod" startAt="6"/>
+            </a:pPr>
+            <a:r>
+              <a:rPr lang="sr-Latn-RS" sz="2000" dirty="0" smtClean="0"/>
+              <a:t>Prikazivanje rezultata prepoznavanja (display_result)</a:t>
+            </a:r>
+          </a:p>
+          <a:p>
+            <a:pPr lvl="1" indent="-342900">
+              <a:buFont typeface="+mj-lt"/>
+              <a:buAutoNum type="arabicPeriod" startAt="6"/>
+            </a:pPr>
             <a:endParaRPr lang="sr-Latn-RS" dirty="0"/>
           </a:p>
         </p:txBody>
@@ -8459,7 +8428,7 @@
     </p:spTree>
     <p:extLst>
       <p:ext uri="{BB962C8B-B14F-4D97-AF65-F5344CB8AC3E}">
-        <p14:creationId xmlns:p14="http://schemas.microsoft.com/office/powerpoint/2010/main" val="1504171006"/>
+        <p14:creationId xmlns:p14="http://schemas.microsoft.com/office/powerpoint/2010/main" val="2843641058"/>
       </p:ext>
     </p:extLst>
   </p:cSld>
@@ -8503,7 +8472,7 @@
           <a:p>
             <a:r>
               <a:rPr lang="sr-Latn-RS" dirty="0" smtClean="0"/>
-              <a:t>Problemi do kojih smo dolazili	</a:t>
+              <a:t>Izračunavanje rezultata	</a:t>
             </a:r>
             <a:endParaRPr lang="sr-Latn-RS" dirty="0"/>
           </a:p>
@@ -8526,36 +8495,48 @@
           <a:p>
             <a:r>
               <a:rPr lang="sr-Latn-RS" dirty="0" smtClean="0"/>
-              <a:t>Problemi sa dataset-om:</a:t>
-            </a:r>
-          </a:p>
-          <a:p>
-            <a:pPr lvl="1"/>
+              <a:t>Klikom na dugme </a:t>
+            </a:r>
+            <a:r>
+              <a:rPr lang="sr-Latn-RS" i="1" dirty="0" smtClean="0"/>
+              <a:t>Izracunaj </a:t>
+            </a:r>
             <a:r>
               <a:rPr lang="sr-Latn-RS" dirty="0" smtClean="0"/>
-              <a:t>Mnist baza prepoznaje samo brojeve, a ne i matematičke izraze. Pokušaj proširivanja dataset-a matematičkim izrazima nije uspeo.</a:t>
-            </a:r>
-          </a:p>
-          <a:p>
-            <a:pPr lvl="1"/>
+              <a:t>poziva se metoda </a:t>
+            </a:r>
+            <a:r>
+              <a:rPr lang="sr-Latn-RS" i="1" dirty="0" smtClean="0"/>
+              <a:t>izracunajRez </a:t>
+            </a:r>
             <a:r>
               <a:rPr lang="sr-Latn-RS" dirty="0" smtClean="0"/>
-              <a:t>Nist baza prepoznaje i brojeve i matematičke izraze, ali se plaća i nismo uspeli da pronadjemo besplatnu verziju.</a:t>
-            </a:r>
-          </a:p>
-          <a:p>
-            <a:pPr lvl="1"/>
+              <a:t>koja koristi Wolfram Alpha.</a:t>
+            </a:r>
+          </a:p>
+          <a:p>
             <a:r>
               <a:rPr lang="sr-Latn-RS" dirty="0" smtClean="0"/>
-              <a:t>Pored toga, nismo uspeli da pronađemo nijedan drugi dataset koji sadrži potrebne elemente.</a:t>
-            </a:r>
+              <a:t>Prepoznati matematički izraz se šalje Wolfram-u koji uz pomoć velike baze i algoritama izračunava rezultat</a:t>
+            </a:r>
+            <a:r>
+              <a:rPr lang="sr-Latn-CS" dirty="0" smtClean="0"/>
+              <a:t>.</a:t>
+            </a:r>
+          </a:p>
+          <a:p>
+            <a:r>
+              <a:rPr lang="sr-Latn-CS" dirty="0" smtClean="0"/>
+              <a:t>Dobijeni rezultat se prikazuje na tekstualnom polju aplikacije.</a:t>
+            </a:r>
+            <a:endParaRPr lang="sr-Latn-RS" dirty="0"/>
           </a:p>
         </p:txBody>
       </p:sp>
     </p:spTree>
     <p:extLst>
       <p:ext uri="{BB962C8B-B14F-4D97-AF65-F5344CB8AC3E}">
-        <p14:creationId xmlns:p14="http://schemas.microsoft.com/office/powerpoint/2010/main" val="4115165453"/>
+        <p14:creationId xmlns:p14="http://schemas.microsoft.com/office/powerpoint/2010/main" val="1504171006"/>
       </p:ext>
     </p:extLst>
   </p:cSld>
@@ -8598,10 +8579,10 @@
           <a:lstStyle/>
           <a:p>
             <a:r>
-              <a:rPr lang="en-US" dirty="0" err="1" smtClean="0"/>
-              <a:t>Literatura</a:t>
-            </a:r>
-            <a:endParaRPr lang="sr-Latn-RS" dirty="0"/>
+              <a:rPr lang="sr-Latn-RS" dirty="0" smtClean="0"/>
+              <a:t>Rezultati</a:t>
+            </a:r>
+            <a:endParaRPr lang="en-US" dirty="0"/>
           </a:p>
         </p:txBody>
       </p:sp>
@@ -8615,120 +8596,223 @@
             <p:ph idx="1"/>
           </p:nvPr>
         </p:nvSpPr>
-        <p:spPr>
-          <a:xfrm>
-            <a:off x="360608" y="1416676"/>
-            <a:ext cx="9689245" cy="4997003"/>
-          </a:xfrm>
-        </p:spPr>
+        <p:spPr/>
         <p:txBody>
           <a:bodyPr/>
           <a:lstStyle/>
           <a:p>
-            <a:pPr marL="0" indent="0">
-              <a:buNone/>
-            </a:pPr>
-            <a:r>
-              <a:rPr lang="en-US" dirty="0" smtClean="0"/>
-              <a:t>    Convolutional </a:t>
-            </a:r>
-            <a:r>
-              <a:rPr lang="en-US" dirty="0"/>
-              <a:t>Neural Network Committees For Handwritten </a:t>
-            </a:r>
-            <a:r>
-              <a:rPr lang="en-US" dirty="0" smtClean="0"/>
-              <a:t>Character   Classification</a:t>
+            <a:r>
+              <a:rPr lang="sr-Latn-RS" dirty="0" smtClean="0"/>
+              <a:t>Aplikacija za izračunavanje matematičkih izraza sa slike daje visok procenat uspešnosti ukoliko je slika odgovarajuća i u skladu sa upustvima(slika ne sme imati previše šuma, mora biti dobro osvetljena, izraz ne sme biti previše nagnut).</a:t>
+            </a:r>
+          </a:p>
+          <a:p>
+            <a:r>
+              <a:rPr lang="sr-Latn-RS" dirty="0" smtClean="0"/>
+              <a:t>Aplikacija ima manji procenat uspešnosti ukoliko na slici ima dosta šuma, i ukoliko slika nije dobro osvetljena.</a:t>
             </a:r>
             <a:endParaRPr lang="en-US" dirty="0"/>
-          </a:p>
-          <a:p>
-            <a:r>
-              <a:rPr lang="sr-Latn-RS" dirty="0" smtClean="0">
-                <a:hlinkClick r:id="rId2"/>
-              </a:rPr>
-              <a:t>http://people.idsia.ch/~juergen/icdar2011a.pdf</a:t>
-            </a:r>
-            <a:endParaRPr lang="en-US" dirty="0" smtClean="0"/>
-          </a:p>
-          <a:p>
-            <a:pPr marL="0" indent="0">
-              <a:buNone/>
-            </a:pPr>
-            <a:r>
-              <a:rPr lang="en-US" dirty="0" smtClean="0"/>
-              <a:t>   NIST SD19 with </a:t>
-            </a:r>
-            <a:r>
-              <a:rPr lang="en-US" dirty="0" err="1" smtClean="0"/>
-              <a:t>randomForests</a:t>
-            </a:r>
-            <a:r>
-              <a:rPr lang="en-US" dirty="0" smtClean="0"/>
-              <a:t> </a:t>
-            </a:r>
-          </a:p>
-          <a:p>
-            <a:r>
-              <a:rPr lang="en-US" dirty="0">
-                <a:hlinkClick r:id="rId3"/>
-              </a:rPr>
-              <a:t>http://asciirain.com/wordpress/2013/04/08/exploring-sd19-glyph-recognition-with-randomforests</a:t>
-            </a:r>
-            <a:r>
-              <a:rPr lang="en-US" dirty="0" smtClean="0">
-                <a:hlinkClick r:id="rId3"/>
-              </a:rPr>
-              <a:t>/</a:t>
-            </a:r>
-            <a:endParaRPr lang="en-US" dirty="0" smtClean="0"/>
-          </a:p>
-          <a:p>
-            <a:pPr marL="0" indent="0">
-              <a:buNone/>
-            </a:pPr>
-            <a:r>
-              <a:rPr lang="en-US" dirty="0" smtClean="0"/>
-              <a:t>  NIST SD19</a:t>
-            </a:r>
-          </a:p>
-          <a:p>
-            <a:r>
-              <a:rPr lang="en-US" dirty="0">
-                <a:hlinkClick r:id="rId4"/>
-              </a:rPr>
-              <a:t>http://</a:t>
-            </a:r>
-            <a:r>
-              <a:rPr lang="en-US" dirty="0" smtClean="0">
-                <a:hlinkClick r:id="rId4"/>
-              </a:rPr>
-              <a:t>www.nist.gov/srd/upload/nistsd19.pdf</a:t>
-            </a:r>
-            <a:endParaRPr lang="en-US" dirty="0" smtClean="0"/>
-          </a:p>
-          <a:p>
-            <a:pPr marL="0" indent="0">
-              <a:buNone/>
-            </a:pPr>
-            <a:r>
-              <a:rPr lang="en-US" dirty="0" smtClean="0"/>
-              <a:t>  MINST</a:t>
-            </a:r>
-          </a:p>
-          <a:p>
-            <a:r>
-              <a:rPr lang="en-US" dirty="0"/>
-              <a:t>https://en.wikipedia.org/wiki/MNIST_database</a:t>
-            </a:r>
-            <a:endParaRPr lang="en-US" dirty="0" smtClean="0"/>
           </a:p>
         </p:txBody>
       </p:sp>
     </p:spTree>
     <p:extLst>
       <p:ext uri="{BB962C8B-B14F-4D97-AF65-F5344CB8AC3E}">
-        <p14:creationId xmlns:p14="http://schemas.microsoft.com/office/powerpoint/2010/main" val="3762563900"/>
+        <p14:creationId xmlns:p14="http://schemas.microsoft.com/office/powerpoint/2010/main" val="1728251990"/>
+      </p:ext>
+    </p:extLst>
+  </p:cSld>
+  <p:clrMapOvr>
+    <a:masterClrMapping/>
+  </p:clrMapOvr>
+</p:sld>
+</file>
+
+<file path=ppt/slides/slide18.xml><?xml version="1.0" encoding="utf-8"?>
+<p:sld xmlns:a="http://schemas.openxmlformats.org/drawingml/2006/main" xmlns:r="http://schemas.openxmlformats.org/officeDocument/2006/relationships" xmlns:p="http://schemas.openxmlformats.org/presentationml/2006/main">
+  <p:cSld>
+    <p:spTree>
+      <p:nvGrpSpPr>
+        <p:cNvPr id="1" name=""/>
+        <p:cNvGrpSpPr/>
+        <p:nvPr/>
+      </p:nvGrpSpPr>
+      <p:grpSpPr>
+        <a:xfrm>
+          <a:off x="0" y="0"/>
+          <a:ext cx="0" cy="0"/>
+          <a:chOff x="0" y="0"/>
+          <a:chExt cx="0" cy="0"/>
+        </a:xfrm>
+      </p:grpSpPr>
+      <p:sp>
+        <p:nvSpPr>
+          <p:cNvPr id="2" name="Title 1"/>
+          <p:cNvSpPr>
+            <a:spLocks noGrp="1"/>
+          </p:cNvSpPr>
+          <p:nvPr>
+            <p:ph type="title"/>
+          </p:nvPr>
+        </p:nvSpPr>
+        <p:spPr/>
+        <p:txBody>
+          <a:bodyPr/>
+          <a:lstStyle/>
+          <a:p>
+            <a:r>
+              <a:rPr lang="sr-Latn-RS" dirty="0" smtClean="0"/>
+              <a:t>Problemi do kojih smo dolazili	</a:t>
+            </a:r>
+            <a:endParaRPr lang="sr-Latn-RS" dirty="0"/>
+          </a:p>
+        </p:txBody>
+      </p:sp>
+      <p:sp>
+        <p:nvSpPr>
+          <p:cNvPr id="3" name="Content Placeholder 2"/>
+          <p:cNvSpPr>
+            <a:spLocks noGrp="1"/>
+          </p:cNvSpPr>
+          <p:nvPr>
+            <p:ph idx="1"/>
+          </p:nvPr>
+        </p:nvSpPr>
+        <p:spPr/>
+        <p:txBody>
+          <a:bodyPr/>
+          <a:lstStyle/>
+          <a:p>
+            <a:r>
+              <a:rPr lang="sr-Latn-RS" dirty="0" smtClean="0"/>
+              <a:t>Problemi sa dataset-om:</a:t>
+            </a:r>
+          </a:p>
+          <a:p>
+            <a:pPr lvl="1"/>
+            <a:r>
+              <a:rPr lang="sr-Latn-RS" dirty="0" smtClean="0"/>
+              <a:t>Mnist baza prepoznaje samo brojeve, a ne i matematičke izraze. Pokušaj proširivanja dataset-a matematičkim izrazima nije uspeo.</a:t>
+            </a:r>
+          </a:p>
+          <a:p>
+            <a:pPr lvl="1"/>
+            <a:r>
+              <a:rPr lang="sr-Latn-RS" dirty="0" smtClean="0"/>
+              <a:t>Nist baza prepoznaje i brojeve i matematičke izraze, ali se plaća i nismo uspeli da pronadjemo besplatnu verziju.</a:t>
+            </a:r>
+          </a:p>
+          <a:p>
+            <a:pPr lvl="1"/>
+            <a:r>
+              <a:rPr lang="sr-Latn-RS" dirty="0" smtClean="0"/>
+              <a:t>Pored toga, nismo uspeli da pronađemo nijedan drugi dataset koji sadrži potrebne elemente.</a:t>
+            </a:r>
+          </a:p>
+        </p:txBody>
+      </p:sp>
+    </p:spTree>
+    <p:extLst>
+      <p:ext uri="{BB962C8B-B14F-4D97-AF65-F5344CB8AC3E}">
+        <p14:creationId xmlns:p14="http://schemas.microsoft.com/office/powerpoint/2010/main" val="4115165453"/>
+      </p:ext>
+    </p:extLst>
+  </p:cSld>
+  <p:clrMapOvr>
+    <a:masterClrMapping/>
+  </p:clrMapOvr>
+</p:sld>
+</file>
+
+<file path=ppt/slides/slide19.xml><?xml version="1.0" encoding="utf-8"?>
+<p:sld xmlns:a="http://schemas.openxmlformats.org/drawingml/2006/main" xmlns:r="http://schemas.openxmlformats.org/officeDocument/2006/relationships" xmlns:p="http://schemas.openxmlformats.org/presentationml/2006/main">
+  <p:cSld>
+    <p:spTree>
+      <p:nvGrpSpPr>
+        <p:cNvPr id="1" name=""/>
+        <p:cNvGrpSpPr/>
+        <p:nvPr/>
+      </p:nvGrpSpPr>
+      <p:grpSpPr>
+        <a:xfrm>
+          <a:off x="0" y="0"/>
+          <a:ext cx="0" cy="0"/>
+          <a:chOff x="0" y="0"/>
+          <a:chExt cx="0" cy="0"/>
+        </a:xfrm>
+      </p:grpSpPr>
+      <p:sp>
+        <p:nvSpPr>
+          <p:cNvPr id="2" name="Title 1"/>
+          <p:cNvSpPr>
+            <a:spLocks noGrp="1"/>
+          </p:cNvSpPr>
+          <p:nvPr>
+            <p:ph type="title"/>
+          </p:nvPr>
+        </p:nvSpPr>
+        <p:spPr/>
+        <p:txBody>
+          <a:bodyPr/>
+          <a:lstStyle/>
+          <a:p>
+            <a:r>
+              <a:rPr lang="sr-Latn-RS" dirty="0" smtClean="0"/>
+              <a:t>Dalji pravci razvoja</a:t>
+            </a:r>
+            <a:endParaRPr lang="en-US" dirty="0"/>
+          </a:p>
+        </p:txBody>
+      </p:sp>
+      <p:sp>
+        <p:nvSpPr>
+          <p:cNvPr id="3" name="Content Placeholder 2"/>
+          <p:cNvSpPr>
+            <a:spLocks noGrp="1"/>
+          </p:cNvSpPr>
+          <p:nvPr>
+            <p:ph idx="1"/>
+          </p:nvPr>
+        </p:nvSpPr>
+        <p:spPr/>
+        <p:txBody>
+          <a:bodyPr/>
+          <a:lstStyle/>
+          <a:p>
+            <a:r>
+              <a:rPr lang="sr-Latn-RS" dirty="0" smtClean="0"/>
+              <a:t>U aplikaciju bi se moglo ubaciti veći broj matematičkih znakova, kao što su zagrade, trigonometrijske funkcije, oznaka za integrale itd.</a:t>
+            </a:r>
+          </a:p>
+          <a:p>
+            <a:r>
+              <a:rPr lang="sr-Latn-RS" dirty="0" smtClean="0"/>
+              <a:t>Mogli bi se rešiti problemi kada je izraz zarotiran(nagnut pod velikim uglom), tj.povećati procenat uspešnosti prepoznavanja izraza.</a:t>
+            </a:r>
+          </a:p>
+          <a:p>
+            <a:r>
+              <a:rPr lang="sr-Latn-RS" dirty="0" smtClean="0"/>
+              <a:t>Takođe bi se mogli rešiti problemi sa osvetlenošću slike sa izrazom</a:t>
+            </a:r>
+            <a:r>
+              <a:rPr lang="sr-Latn-RS" dirty="0" smtClean="0"/>
+              <a:t>.</a:t>
+            </a:r>
+          </a:p>
+          <a:p>
+            <a:r>
+              <a:rPr lang="sr-Latn-RS" smtClean="0"/>
+              <a:t>Ubacivanje većeg broja rukopisa, ili pronalažanje odgovarajućeg dataseta.</a:t>
+            </a:r>
+            <a:endParaRPr lang="en-US" dirty="0"/>
+          </a:p>
+        </p:txBody>
+      </p:sp>
+    </p:spTree>
+    <p:extLst>
+      <p:ext uri="{BB962C8B-B14F-4D97-AF65-F5344CB8AC3E}">
+        <p14:creationId xmlns:p14="http://schemas.microsoft.com/office/powerpoint/2010/main" val="3141719924"/>
       </p:ext>
     </p:extLst>
   </p:cSld>
@@ -8862,6 +8946,179 @@
 </p:sld>
 </file>
 
+<file path=ppt/slides/slide20.xml><?xml version="1.0" encoding="utf-8"?>
+<p:sld xmlns:a="http://schemas.openxmlformats.org/drawingml/2006/main" xmlns:r="http://schemas.openxmlformats.org/officeDocument/2006/relationships" xmlns:p="http://schemas.openxmlformats.org/presentationml/2006/main">
+  <p:cSld>
+    <p:spTree>
+      <p:nvGrpSpPr>
+        <p:cNvPr id="1" name=""/>
+        <p:cNvGrpSpPr/>
+        <p:nvPr/>
+      </p:nvGrpSpPr>
+      <p:grpSpPr>
+        <a:xfrm>
+          <a:off x="0" y="0"/>
+          <a:ext cx="0" cy="0"/>
+          <a:chOff x="0" y="0"/>
+          <a:chExt cx="0" cy="0"/>
+        </a:xfrm>
+      </p:grpSpPr>
+      <p:sp>
+        <p:nvSpPr>
+          <p:cNvPr id="2" name="Title 1"/>
+          <p:cNvSpPr>
+            <a:spLocks noGrp="1"/>
+          </p:cNvSpPr>
+          <p:nvPr>
+            <p:ph type="title"/>
+          </p:nvPr>
+        </p:nvSpPr>
+        <p:spPr/>
+        <p:txBody>
+          <a:bodyPr/>
+          <a:lstStyle/>
+          <a:p>
+            <a:r>
+              <a:rPr lang="en-US" dirty="0" err="1" smtClean="0"/>
+              <a:t>Literatura</a:t>
+            </a:r>
+            <a:endParaRPr lang="sr-Latn-RS" dirty="0"/>
+          </a:p>
+        </p:txBody>
+      </p:sp>
+      <p:sp>
+        <p:nvSpPr>
+          <p:cNvPr id="3" name="Content Placeholder 2"/>
+          <p:cNvSpPr>
+            <a:spLocks noGrp="1"/>
+          </p:cNvSpPr>
+          <p:nvPr>
+            <p:ph idx="1"/>
+          </p:nvPr>
+        </p:nvSpPr>
+        <p:spPr>
+          <a:xfrm>
+            <a:off x="360608" y="1416676"/>
+            <a:ext cx="9689245" cy="4997003"/>
+          </a:xfrm>
+        </p:spPr>
+        <p:txBody>
+          <a:bodyPr/>
+          <a:lstStyle/>
+          <a:p>
+            <a:pPr marL="0" indent="0">
+              <a:buNone/>
+            </a:pPr>
+            <a:r>
+              <a:rPr lang="en-US" dirty="0" smtClean="0"/>
+              <a:t>    Convolutional </a:t>
+            </a:r>
+            <a:r>
+              <a:rPr lang="en-US" dirty="0"/>
+              <a:t>Neural Network Committees For Handwritten </a:t>
+            </a:r>
+            <a:r>
+              <a:rPr lang="en-US" dirty="0" smtClean="0"/>
+              <a:t>Character   Classification</a:t>
+            </a:r>
+            <a:endParaRPr lang="en-US" dirty="0"/>
+          </a:p>
+          <a:p>
+            <a:r>
+              <a:rPr lang="sr-Latn-RS" dirty="0" smtClean="0">
+                <a:hlinkClick r:id="rId2"/>
+              </a:rPr>
+              <a:t>http://people.idsia.ch/~juergen/icdar2011a.pdf</a:t>
+            </a:r>
+            <a:endParaRPr lang="en-US" dirty="0" smtClean="0"/>
+          </a:p>
+          <a:p>
+            <a:pPr marL="0" indent="0">
+              <a:buNone/>
+            </a:pPr>
+            <a:r>
+              <a:rPr lang="en-US" dirty="0" smtClean="0"/>
+              <a:t>   NIST SD19 with </a:t>
+            </a:r>
+            <a:r>
+              <a:rPr lang="en-US" dirty="0" err="1" smtClean="0"/>
+              <a:t>randomForests</a:t>
+            </a:r>
+            <a:r>
+              <a:rPr lang="en-US" dirty="0" smtClean="0"/>
+              <a:t> </a:t>
+            </a:r>
+          </a:p>
+          <a:p>
+            <a:r>
+              <a:rPr lang="en-US" dirty="0">
+                <a:hlinkClick r:id="rId3"/>
+              </a:rPr>
+              <a:t>http://asciirain.com/wordpress/2013/04/08/exploring-sd19-glyph-recognition-with-randomforests</a:t>
+            </a:r>
+            <a:r>
+              <a:rPr lang="en-US" dirty="0" smtClean="0">
+                <a:hlinkClick r:id="rId3"/>
+              </a:rPr>
+              <a:t>/</a:t>
+            </a:r>
+            <a:endParaRPr lang="en-US" dirty="0" smtClean="0"/>
+          </a:p>
+          <a:p>
+            <a:pPr marL="0" indent="0">
+              <a:buNone/>
+            </a:pPr>
+            <a:r>
+              <a:rPr lang="en-US" dirty="0" smtClean="0"/>
+              <a:t>  NIST SD19</a:t>
+            </a:r>
+          </a:p>
+          <a:p>
+            <a:r>
+              <a:rPr lang="en-US" dirty="0">
+                <a:hlinkClick r:id="rId4"/>
+              </a:rPr>
+              <a:t>http://</a:t>
+            </a:r>
+            <a:r>
+              <a:rPr lang="en-US" dirty="0" smtClean="0">
+                <a:hlinkClick r:id="rId4"/>
+              </a:rPr>
+              <a:t>www.nist.gov/srd/upload/nistsd19.pdf</a:t>
+            </a:r>
+            <a:endParaRPr lang="en-US" dirty="0" smtClean="0"/>
+          </a:p>
+          <a:p>
+            <a:pPr marL="0" indent="0">
+              <a:buNone/>
+            </a:pPr>
+            <a:r>
+              <a:rPr lang="en-US" dirty="0" smtClean="0"/>
+              <a:t>  MINST</a:t>
+            </a:r>
+          </a:p>
+          <a:p>
+            <a:r>
+              <a:rPr lang="en-US" dirty="0"/>
+              <a:t>https://en.wikipedia.org/wiki/MNIST_database</a:t>
+            </a:r>
+            <a:endParaRPr lang="en-US" dirty="0" smtClean="0"/>
+          </a:p>
+        </p:txBody>
+      </p:sp>
+    </p:spTree>
+    <p:extLst>
+      <p:ext uri="{BB962C8B-B14F-4D97-AF65-F5344CB8AC3E}">
+        <p14:creationId xmlns:p14="http://schemas.microsoft.com/office/powerpoint/2010/main" val="3762563900"/>
+      </p:ext>
+    </p:extLst>
+  </p:cSld>
+  <p:clrMapOvr>
+    <a:masterClrMapping/>
+  </p:clrMapOvr>
+</p:sld>
+</file>
+
 <file path=ppt/slides/slide3.xml><?xml version="1.0" encoding="utf-8"?>
 <p:sld xmlns:a="http://schemas.openxmlformats.org/drawingml/2006/main" xmlns:r="http://schemas.openxmlformats.org/officeDocument/2006/relationships" xmlns:p="http://schemas.openxmlformats.org/presentationml/2006/main">
   <p:cSld>
@@ -8914,7 +9171,7 @@
         </p:nvSpPr>
         <p:spPr>
           <a:xfrm>
-            <a:off x="1104293" y="2439285"/>
+            <a:off x="1104293" y="1492801"/>
             <a:ext cx="8946541" cy="3227420"/>
           </a:xfrm>
         </p:spPr>
@@ -8937,6 +9194,12 @@
             <a:r>
               <a:rPr lang="sr-Latn-RS" dirty="0" smtClean="0"/>
               <a:t>Olakšavanje provere tačnosti nekog matematičkog izraza</a:t>
+            </a:r>
+          </a:p>
+          <a:p>
+            <a:r>
+              <a:rPr lang="sr-Latn-RS" dirty="0" smtClean="0"/>
+              <a:t>Ono što problem izračunavanja matematičkog izraza sa slike čini teškim su : veliki broj različitih rukopisa, različiti šumovi na slikama, osvetljenost slike, rotirani(nagnuti) matematički izrazi itd. </a:t>
             </a:r>
           </a:p>
         </p:txBody>
@@ -9203,8 +9466,20 @@
                 <a:tableStyleId>{5C22544A-7EE6-4342-B048-85BDC9FD1C3A}</a:tableStyleId>
               </a:tblPr>
               <a:tblGrid>
-                <a:gridCol w="4473575"/>
-                <a:gridCol w="4473575"/>
+                <a:gridCol w="4473575">
+                  <a:extLst>
+                    <a:ext uri="{9D8B030D-6E8A-4147-A177-3AD203B41FA5}">
+                      <a16:colId xmlns:a16="http://schemas.microsoft.com/office/drawing/2014/main" val="20000"/>
+                    </a:ext>
+                  </a:extLst>
+                </a:gridCol>
+                <a:gridCol w="4473575">
+                  <a:extLst>
+                    <a:ext uri="{9D8B030D-6E8A-4147-A177-3AD203B41FA5}">
+                      <a16:colId xmlns:a16="http://schemas.microsoft.com/office/drawing/2014/main" val="20001"/>
+                    </a:ext>
+                  </a:extLst>
+                </a:gridCol>
               </a:tblGrid>
               <a:tr h="370840">
                 <a:tc>
@@ -9235,6 +9510,11 @@
                   </a:txBody>
                   <a:tcPr/>
                 </a:tc>
+                <a:extLst>
+                  <a:ext uri="{0D108BD9-81ED-4DB2-BD59-A6C34878D82A}">
+                    <a16:rowId xmlns:a16="http://schemas.microsoft.com/office/drawing/2014/main" val="10000"/>
+                  </a:ext>
+                </a:extLst>
               </a:tr>
               <a:tr h="370840">
                 <a:tc>
@@ -9273,6 +9553,11 @@
                   </a:txBody>
                   <a:tcPr/>
                 </a:tc>
+                <a:extLst>
+                  <a:ext uri="{0D108BD9-81ED-4DB2-BD59-A6C34878D82A}">
+                    <a16:rowId xmlns:a16="http://schemas.microsoft.com/office/drawing/2014/main" val="10001"/>
+                  </a:ext>
+                </a:extLst>
               </a:tr>
               <a:tr h="370840">
                 <a:tc>
@@ -9303,6 +9588,11 @@
                   </a:txBody>
                   <a:tcPr/>
                 </a:tc>
+                <a:extLst>
+                  <a:ext uri="{0D108BD9-81ED-4DB2-BD59-A6C34878D82A}">
+                    <a16:rowId xmlns:a16="http://schemas.microsoft.com/office/drawing/2014/main" val="10002"/>
+                  </a:ext>
+                </a:extLst>
               </a:tr>
               <a:tr h="370840">
                 <a:tc>
@@ -9337,6 +9627,11 @@
                   </a:txBody>
                   <a:tcPr/>
                 </a:tc>
+                <a:extLst>
+                  <a:ext uri="{0D108BD9-81ED-4DB2-BD59-A6C34878D82A}">
+                    <a16:rowId xmlns:a16="http://schemas.microsoft.com/office/drawing/2014/main" val="10003"/>
+                  </a:ext>
+                </a:extLst>
               </a:tr>
               <a:tr h="370840">
                 <a:tc>
@@ -9371,6 +9666,11 @@
                   </a:txBody>
                   <a:tcPr/>
                 </a:tc>
+                <a:extLst>
+                  <a:ext uri="{0D108BD9-81ED-4DB2-BD59-A6C34878D82A}">
+                    <a16:rowId xmlns:a16="http://schemas.microsoft.com/office/drawing/2014/main" val="10004"/>
+                  </a:ext>
+                </a:extLst>
               </a:tr>
               <a:tr h="370840">
                 <a:tc>
@@ -9405,6 +9705,11 @@
                   </a:txBody>
                   <a:tcPr/>
                 </a:tc>
+                <a:extLst>
+                  <a:ext uri="{0D108BD9-81ED-4DB2-BD59-A6C34878D82A}">
+                    <a16:rowId xmlns:a16="http://schemas.microsoft.com/office/drawing/2014/main" val="10005"/>
+                  </a:ext>
+                </a:extLst>
               </a:tr>
             </a:tbl>
           </a:graphicData>
@@ -9820,7 +10125,7 @@
         <p:spPr>
           <a:xfrm>
             <a:off x="5217705" y="1540476"/>
-            <a:ext cx="4917566" cy="3237471"/>
+            <a:ext cx="4917566" cy="3586244"/>
           </a:xfrm>
           <a:prstGeom prst="rect">
             <a:avLst/>
@@ -10059,8 +10364,29 @@
             <a:pPr lvl="1"/>
             <a:r>
               <a:rPr lang="sr-Latn-RS" dirty="0" smtClean="0"/>
-              <a:t>1. obučiti neuronsku mrežu sa velikim brojem različitih rukopisa</a:t>
-            </a:r>
+              <a:t>1. obučiti neuronsku mrežu </a:t>
+            </a:r>
+            <a:r>
+              <a:rPr lang="en-US" dirty="0" err="1" smtClean="0"/>
+              <a:t>za</a:t>
+            </a:r>
+            <a:r>
+              <a:rPr lang="en-US" dirty="0" smtClean="0"/>
+              <a:t> </a:t>
+            </a:r>
+            <a:r>
+              <a:rPr lang="en-US" dirty="0" err="1" smtClean="0"/>
+              <a:t>pojedine</a:t>
+            </a:r>
+            <a:r>
+              <a:rPr lang="en-US" dirty="0" smtClean="0"/>
+              <a:t> </a:t>
+            </a:r>
+            <a:r>
+              <a:rPr lang="en-US" dirty="0" err="1" smtClean="0"/>
+              <a:t>rukopise</a:t>
+            </a:r>
+            <a:endParaRPr lang="sr-Latn-RS" dirty="0" smtClean="0"/>
           </a:p>
           <a:p>
             <a:pPr lvl="1"/>
@@ -10068,19 +10394,54 @@
               <a:rPr lang="sr-Latn-RS" dirty="0" smtClean="0"/>
               <a:t>2. učitati i procesirati test sliku</a:t>
             </a:r>
+            <a:r>
+              <a:rPr lang="en-US" dirty="0" smtClean="0"/>
+              <a:t> </a:t>
+            </a:r>
+            <a:r>
+              <a:rPr lang="en-US" dirty="0" err="1" smtClean="0"/>
+              <a:t>sa</a:t>
+            </a:r>
+            <a:r>
+              <a:rPr lang="en-US" dirty="0" smtClean="0"/>
+              <a:t> </a:t>
+            </a:r>
+            <a:r>
+              <a:rPr lang="en-US" dirty="0" err="1" smtClean="0"/>
+              <a:t>matema</a:t>
+            </a:r>
+            <a:r>
+              <a:rPr lang="sr-Latn-RS" dirty="0" smtClean="0"/>
+              <a:t>tičkim izrazom</a:t>
+            </a:r>
           </a:p>
           <a:p>
             <a:pPr lvl="1"/>
             <a:r>
               <a:rPr lang="sr-Latn-RS" dirty="0" smtClean="0"/>
-              <a:t>3. izvršiti predikciju matematičkog izraza sa slike uz pomoć neuronske mreže</a:t>
+              <a:t>3. izdvajanje matematičkih operatora i brojeva pomoću kontura</a:t>
             </a:r>
           </a:p>
           <a:p>
             <a:pPr lvl="1"/>
             <a:r>
+              <a:rPr lang="sr-Latn-RS" dirty="0"/>
+              <a:t>4</a:t>
+            </a:r>
+            <a:r>
               <a:rPr lang="sr-Latn-RS" dirty="0" smtClean="0"/>
-              <a:t>4. izračunati matematički izraz i prikazati rezultat</a:t>
+              <a:t>. izvršiti predikciju matematičkog izraza sa slike uz pomoć neuronske mreže</a:t>
+            </a:r>
+          </a:p>
+          <a:p>
+            <a:pPr lvl="1"/>
+            <a:r>
+              <a:rPr lang="sr-Latn-RS" dirty="0"/>
+              <a:t>5</a:t>
+            </a:r>
+            <a:r>
+              <a:rPr lang="sr-Latn-RS" dirty="0" smtClean="0"/>
+              <a:t>. izračunati matematički izraz i prikazati rezultat</a:t>
             </a:r>
           </a:p>
           <a:p>
@@ -10618,8 +10979,20 @@
                 <a:tableStyleId>{5C22544A-7EE6-4342-B048-85BDC9FD1C3A}</a:tableStyleId>
               </a:tblPr>
               <a:tblGrid>
-                <a:gridCol w="4473575"/>
-                <a:gridCol w="4473575"/>
+                <a:gridCol w="4473575">
+                  <a:extLst>
+                    <a:ext uri="{9D8B030D-6E8A-4147-A177-3AD203B41FA5}">
+                      <a16:colId xmlns:a16="http://schemas.microsoft.com/office/drawing/2014/main" val="20000"/>
+                    </a:ext>
+                  </a:extLst>
+                </a:gridCol>
+                <a:gridCol w="4473575">
+                  <a:extLst>
+                    <a:ext uri="{9D8B030D-6E8A-4147-A177-3AD203B41FA5}">
+                      <a16:colId xmlns:a16="http://schemas.microsoft.com/office/drawing/2014/main" val="20001"/>
+                    </a:ext>
+                  </a:extLst>
+                </a:gridCol>
               </a:tblGrid>
               <a:tr h="370840">
                 <a:tc>
@@ -10650,6 +11023,11 @@
                   </a:txBody>
                   <a:tcPr/>
                 </a:tc>
+                <a:extLst>
+                  <a:ext uri="{0D108BD9-81ED-4DB2-BD59-A6C34878D82A}">
+                    <a16:rowId xmlns:a16="http://schemas.microsoft.com/office/drawing/2014/main" val="10000"/>
+                  </a:ext>
+                </a:extLst>
               </a:tr>
               <a:tr h="370840">
                 <a:tc>
@@ -10688,6 +11066,11 @@
                   </a:txBody>
                   <a:tcPr/>
                 </a:tc>
+                <a:extLst>
+                  <a:ext uri="{0D108BD9-81ED-4DB2-BD59-A6C34878D82A}">
+                    <a16:rowId xmlns:a16="http://schemas.microsoft.com/office/drawing/2014/main" val="10001"/>
+                  </a:ext>
+                </a:extLst>
               </a:tr>
               <a:tr h="370840">
                 <a:tc>
@@ -10758,6 +11141,11 @@
                   </a:txBody>
                   <a:tcPr/>
                 </a:tc>
+                <a:extLst>
+                  <a:ext uri="{0D108BD9-81ED-4DB2-BD59-A6C34878D82A}">
+                    <a16:rowId xmlns:a16="http://schemas.microsoft.com/office/drawing/2014/main" val="10002"/>
+                  </a:ext>
+                </a:extLst>
               </a:tr>
               <a:tr h="370840">
                 <a:tc>
@@ -10796,6 +11184,11 @@
                   </a:txBody>
                   <a:tcPr/>
                 </a:tc>
+                <a:extLst>
+                  <a:ext uri="{0D108BD9-81ED-4DB2-BD59-A6C34878D82A}">
+                    <a16:rowId xmlns:a16="http://schemas.microsoft.com/office/drawing/2014/main" val="10003"/>
+                  </a:ext>
+                </a:extLst>
               </a:tr>
               <a:tr h="370840">
                 <a:tc>
@@ -10834,6 +11227,11 @@
                   </a:txBody>
                   <a:tcPr/>
                 </a:tc>
+                <a:extLst>
+                  <a:ext uri="{0D108BD9-81ED-4DB2-BD59-A6C34878D82A}">
+                    <a16:rowId xmlns:a16="http://schemas.microsoft.com/office/drawing/2014/main" val="10004"/>
+                  </a:ext>
+                </a:extLst>
               </a:tr>
             </a:tbl>
           </a:graphicData>
